--- a/MEMO Djano Ecommerce_24.pptx
+++ b/MEMO Djano Ecommerce_24.pptx
@@ -18,6 +18,13 @@
     <p:sldId id="266" r:id="rId12"/>
     <p:sldId id="267" r:id="rId13"/>
     <p:sldId id="268" r:id="rId14"/>
+    <p:sldId id="269" r:id="rId15"/>
+    <p:sldId id="270" r:id="rId16"/>
+    <p:sldId id="271" r:id="rId17"/>
+    <p:sldId id="272" r:id="rId18"/>
+    <p:sldId id="273" r:id="rId19"/>
+    <p:sldId id="274" r:id="rId20"/>
+    <p:sldId id="275" r:id="rId21"/>
   </p:sldIdLst>
   <p:sldSz cx="12192000" cy="6858000"/>
   <p:notesSz cx="6858000" cy="9144000"/>
@@ -122,6 +129,14 @@
     </p:ext>
   </p:extLst>
 </p:presentation>
+</file>
+
+<file path=ppt/revisionInfo.xml><?xml version="1.0" encoding="utf-8"?>
+<p1510:revInfo xmlns:a="http://schemas.openxmlformats.org/drawingml/2006/main" xmlns:r="http://schemas.openxmlformats.org/officeDocument/2006/relationships" xmlns:p1510="http://schemas.microsoft.com/office/powerpoint/2015/10/main">
+  <p1510:revLst>
+    <p1510:client id="{FBFB042F-25D5-43AF-ABD0-C767F1A08EE4}" v="8" dt="2024-04-20T15:38:06.747"/>
+  </p1510:revLst>
+</p1510:revInfo>
 </file>
 
 <file path=ppt/changesInfos/changesInfo1.xml><?xml version="1.0" encoding="utf-8"?>
@@ -442,7 +457,7 @@
           <a:p>
             <a:fld id="{88FB9E02-EF2F-45E8-9C52-8DD8EBAD47A3}" type="datetimeFigureOut">
               <a:rPr lang="en-US" smtClean="0"/>
-              <a:t>4/16/2024</a:t>
+              <a:t>4/20/2024</a:t>
             </a:fld>
             <a:endParaRPr lang="en-US"/>
           </a:p>
@@ -640,7 +655,7 @@
           <a:p>
             <a:fld id="{88FB9E02-EF2F-45E8-9C52-8DD8EBAD47A3}" type="datetimeFigureOut">
               <a:rPr lang="en-US" smtClean="0"/>
-              <a:t>4/16/2024</a:t>
+              <a:t>4/20/2024</a:t>
             </a:fld>
             <a:endParaRPr lang="en-US"/>
           </a:p>
@@ -848,7 +863,7 @@
           <a:p>
             <a:fld id="{88FB9E02-EF2F-45E8-9C52-8DD8EBAD47A3}" type="datetimeFigureOut">
               <a:rPr lang="en-US" smtClean="0"/>
-              <a:t>4/16/2024</a:t>
+              <a:t>4/20/2024</a:t>
             </a:fld>
             <a:endParaRPr lang="en-US"/>
           </a:p>
@@ -1046,7 +1061,7 @@
           <a:p>
             <a:fld id="{88FB9E02-EF2F-45E8-9C52-8DD8EBAD47A3}" type="datetimeFigureOut">
               <a:rPr lang="en-US" smtClean="0"/>
-              <a:t>4/16/2024</a:t>
+              <a:t>4/20/2024</a:t>
             </a:fld>
             <a:endParaRPr lang="en-US"/>
           </a:p>
@@ -1321,7 +1336,7 @@
           <a:p>
             <a:fld id="{88FB9E02-EF2F-45E8-9C52-8DD8EBAD47A3}" type="datetimeFigureOut">
               <a:rPr lang="en-US" smtClean="0"/>
-              <a:t>4/16/2024</a:t>
+              <a:t>4/20/2024</a:t>
             </a:fld>
             <a:endParaRPr lang="en-US"/>
           </a:p>
@@ -1586,7 +1601,7 @@
           <a:p>
             <a:fld id="{88FB9E02-EF2F-45E8-9C52-8DD8EBAD47A3}" type="datetimeFigureOut">
               <a:rPr lang="en-US" smtClean="0"/>
-              <a:t>4/16/2024</a:t>
+              <a:t>4/20/2024</a:t>
             </a:fld>
             <a:endParaRPr lang="en-US"/>
           </a:p>
@@ -1998,7 +2013,7 @@
           <a:p>
             <a:fld id="{88FB9E02-EF2F-45E8-9C52-8DD8EBAD47A3}" type="datetimeFigureOut">
               <a:rPr lang="en-US" smtClean="0"/>
-              <a:t>4/16/2024</a:t>
+              <a:t>4/20/2024</a:t>
             </a:fld>
             <a:endParaRPr lang="en-US"/>
           </a:p>
@@ -2139,7 +2154,7 @@
           <a:p>
             <a:fld id="{88FB9E02-EF2F-45E8-9C52-8DD8EBAD47A3}" type="datetimeFigureOut">
               <a:rPr lang="en-US" smtClean="0"/>
-              <a:t>4/16/2024</a:t>
+              <a:t>4/20/2024</a:t>
             </a:fld>
             <a:endParaRPr lang="en-US"/>
           </a:p>
@@ -2252,7 +2267,7 @@
           <a:p>
             <a:fld id="{88FB9E02-EF2F-45E8-9C52-8DD8EBAD47A3}" type="datetimeFigureOut">
               <a:rPr lang="en-US" smtClean="0"/>
-              <a:t>4/16/2024</a:t>
+              <a:t>4/20/2024</a:t>
             </a:fld>
             <a:endParaRPr lang="en-US"/>
           </a:p>
@@ -2563,7 +2578,7 @@
           <a:p>
             <a:fld id="{88FB9E02-EF2F-45E8-9C52-8DD8EBAD47A3}" type="datetimeFigureOut">
               <a:rPr lang="en-US" smtClean="0"/>
-              <a:t>4/16/2024</a:t>
+              <a:t>4/20/2024</a:t>
             </a:fld>
             <a:endParaRPr lang="en-US"/>
           </a:p>
@@ -2851,7 +2866,7 @@
           <a:p>
             <a:fld id="{88FB9E02-EF2F-45E8-9C52-8DD8EBAD47A3}" type="datetimeFigureOut">
               <a:rPr lang="en-US" smtClean="0"/>
-              <a:t>4/16/2024</a:t>
+              <a:t>4/20/2024</a:t>
             </a:fld>
             <a:endParaRPr lang="en-US"/>
           </a:p>
@@ -3092,7 +3107,7 @@
           <a:p>
             <a:fld id="{88FB9E02-EF2F-45E8-9C52-8DD8EBAD47A3}" type="datetimeFigureOut">
               <a:rPr lang="en-US" smtClean="0"/>
-              <a:t>4/16/2024</a:t>
+              <a:t>4/20/2024</a:t>
             </a:fld>
             <a:endParaRPr lang="en-US"/>
           </a:p>
@@ -4285,51 +4300,36 @@
       </p:grpSpPr>
       <p:sp>
         <p:nvSpPr>
-          <p:cNvPr id="2" name="Title 1">
-            <a:extLst>
-              <a:ext uri="{FF2B5EF4-FFF2-40B4-BE49-F238E27FC236}">
-                <a16:creationId xmlns:a16="http://schemas.microsoft.com/office/drawing/2014/main" id="{45993EAF-3647-527F-4D68-F47FEB858C29}"/>
-              </a:ext>
-            </a:extLst>
-          </p:cNvPr>
-          <p:cNvSpPr>
-            <a:spLocks noGrp="1"/>
-          </p:cNvSpPr>
-          <p:nvPr>
-            <p:ph type="title"/>
-          </p:nvPr>
-        </p:nvSpPr>
-        <p:spPr/>
-        <p:txBody>
-          <a:bodyPr/>
-          <a:lstStyle/>
-          <a:p>
-            <a:endParaRPr lang="en-US"/>
-          </a:p>
-        </p:txBody>
-      </p:sp>
-      <p:sp>
-        <p:nvSpPr>
-          <p:cNvPr id="3" name="Content Placeholder 2">
-            <a:extLst>
-              <a:ext uri="{FF2B5EF4-FFF2-40B4-BE49-F238E27FC236}">
-                <a16:creationId xmlns:a16="http://schemas.microsoft.com/office/drawing/2014/main" id="{1243A7DD-5E2A-7C36-1DE5-24BBC7A28C66}"/>
-              </a:ext>
-            </a:extLst>
-          </p:cNvPr>
-          <p:cNvSpPr>
-            <a:spLocks noGrp="1"/>
-          </p:cNvSpPr>
-          <p:nvPr>
-            <p:ph idx="1"/>
-          </p:nvPr>
-        </p:nvSpPr>
-        <p:spPr/>
-        <p:txBody>
-          <a:bodyPr/>
-          <a:lstStyle/>
-          <a:p>
-            <a:endParaRPr lang="en-US"/>
+          <p:cNvPr id="4" name="TextBox 3">
+            <a:extLst>
+              <a:ext uri="{FF2B5EF4-FFF2-40B4-BE49-F238E27FC236}">
+                <a16:creationId xmlns:a16="http://schemas.microsoft.com/office/drawing/2014/main" id="{E046F08D-865C-6F89-91C9-2ACBCD154BBF}"/>
+              </a:ext>
+            </a:extLst>
+          </p:cNvPr>
+          <p:cNvSpPr txBox="1"/>
+          <p:nvPr/>
+        </p:nvSpPr>
+        <p:spPr>
+          <a:xfrm>
+            <a:off x="711200" y="508000"/>
+            <a:ext cx="2585067" cy="369332"/>
+          </a:xfrm>
+          <a:prstGeom prst="rect">
+            <a:avLst/>
+          </a:prstGeom>
+          <a:noFill/>
+        </p:spPr>
+        <p:txBody>
+          <a:bodyPr wrap="none" rtlCol="0">
+            <a:spAutoFit/>
+          </a:bodyPr>
+          <a:lstStyle/>
+          <a:p>
+            <a:r>
+              <a:rPr lang="en-US" dirty="0"/>
+              <a:t>&lt; div class  = “ row  my-3”</a:t>
+            </a:r>
           </a:p>
         </p:txBody>
       </p:sp>
@@ -4337,6 +4337,486 @@
     <p:extLst>
       <p:ext uri="{BB962C8B-B14F-4D97-AF65-F5344CB8AC3E}">
         <p14:creationId xmlns:p14="http://schemas.microsoft.com/office/powerpoint/2010/main" val="2867968389"/>
+      </p:ext>
+    </p:extLst>
+  </p:cSld>
+  <p:clrMapOvr>
+    <a:masterClrMapping/>
+  </p:clrMapOvr>
+</p:sld>
+</file>
+
+<file path=ppt/slides/slide14.xml><?xml version="1.0" encoding="utf-8"?>
+<p:sld xmlns:a="http://schemas.openxmlformats.org/drawingml/2006/main" xmlns:r="http://schemas.openxmlformats.org/officeDocument/2006/relationships" xmlns:p="http://schemas.openxmlformats.org/presentationml/2006/main">
+  <p:cSld>
+    <p:spTree>
+      <p:nvGrpSpPr>
+        <p:cNvPr id="1" name=""/>
+        <p:cNvGrpSpPr/>
+        <p:nvPr/>
+      </p:nvGrpSpPr>
+      <p:grpSpPr>
+        <a:xfrm>
+          <a:off x="0" y="0"/>
+          <a:ext cx="0" cy="0"/>
+          <a:chOff x="0" y="0"/>
+          <a:chExt cx="0" cy="0"/>
+        </a:xfrm>
+      </p:grpSpPr>
+      <p:sp>
+        <p:nvSpPr>
+          <p:cNvPr id="2" name="Title 1">
+            <a:extLst>
+              <a:ext uri="{FF2B5EF4-FFF2-40B4-BE49-F238E27FC236}">
+                <a16:creationId xmlns:a16="http://schemas.microsoft.com/office/drawing/2014/main" id="{45993EAF-3647-527F-4D68-F47FEB858C29}"/>
+              </a:ext>
+            </a:extLst>
+          </p:cNvPr>
+          <p:cNvSpPr>
+            <a:spLocks noGrp="1"/>
+          </p:cNvSpPr>
+          <p:nvPr>
+            <p:ph type="title"/>
+          </p:nvPr>
+        </p:nvSpPr>
+        <p:spPr/>
+        <p:txBody>
+          <a:bodyPr/>
+          <a:lstStyle/>
+          <a:p>
+            <a:endParaRPr lang="en-US"/>
+          </a:p>
+        </p:txBody>
+      </p:sp>
+      <p:sp>
+        <p:nvSpPr>
+          <p:cNvPr id="3" name="Content Placeholder 2">
+            <a:extLst>
+              <a:ext uri="{FF2B5EF4-FFF2-40B4-BE49-F238E27FC236}">
+                <a16:creationId xmlns:a16="http://schemas.microsoft.com/office/drawing/2014/main" id="{1243A7DD-5E2A-7C36-1DE5-24BBC7A28C66}"/>
+              </a:ext>
+            </a:extLst>
+          </p:cNvPr>
+          <p:cNvSpPr>
+            <a:spLocks noGrp="1"/>
+          </p:cNvSpPr>
+          <p:nvPr>
+            <p:ph idx="1"/>
+          </p:nvPr>
+        </p:nvSpPr>
+        <p:spPr/>
+        <p:txBody>
+          <a:bodyPr/>
+          <a:lstStyle/>
+          <a:p>
+            <a:endParaRPr lang="en-US"/>
+          </a:p>
+        </p:txBody>
+      </p:sp>
+    </p:spTree>
+    <p:extLst>
+      <p:ext uri="{BB962C8B-B14F-4D97-AF65-F5344CB8AC3E}">
+        <p14:creationId xmlns:p14="http://schemas.microsoft.com/office/powerpoint/2010/main" val="2350075902"/>
+      </p:ext>
+    </p:extLst>
+  </p:cSld>
+  <p:clrMapOvr>
+    <a:masterClrMapping/>
+  </p:clrMapOvr>
+</p:sld>
+</file>
+
+<file path=ppt/slides/slide15.xml><?xml version="1.0" encoding="utf-8"?>
+<p:sld xmlns:a="http://schemas.openxmlformats.org/drawingml/2006/main" xmlns:r="http://schemas.openxmlformats.org/officeDocument/2006/relationships" xmlns:p="http://schemas.openxmlformats.org/presentationml/2006/main">
+  <p:cSld>
+    <p:spTree>
+      <p:nvGrpSpPr>
+        <p:cNvPr id="1" name=""/>
+        <p:cNvGrpSpPr/>
+        <p:nvPr/>
+      </p:nvGrpSpPr>
+      <p:grpSpPr>
+        <a:xfrm>
+          <a:off x="0" y="0"/>
+          <a:ext cx="0" cy="0"/>
+          <a:chOff x="0" y="0"/>
+          <a:chExt cx="0" cy="0"/>
+        </a:xfrm>
+      </p:grpSpPr>
+      <p:sp>
+        <p:nvSpPr>
+          <p:cNvPr id="2" name="Title 1">
+            <a:extLst>
+              <a:ext uri="{FF2B5EF4-FFF2-40B4-BE49-F238E27FC236}">
+                <a16:creationId xmlns:a16="http://schemas.microsoft.com/office/drawing/2014/main" id="{45993EAF-3647-527F-4D68-F47FEB858C29}"/>
+              </a:ext>
+            </a:extLst>
+          </p:cNvPr>
+          <p:cNvSpPr>
+            <a:spLocks noGrp="1"/>
+          </p:cNvSpPr>
+          <p:nvPr>
+            <p:ph type="title"/>
+          </p:nvPr>
+        </p:nvSpPr>
+        <p:spPr/>
+        <p:txBody>
+          <a:bodyPr/>
+          <a:lstStyle/>
+          <a:p>
+            <a:endParaRPr lang="en-US"/>
+          </a:p>
+        </p:txBody>
+      </p:sp>
+      <p:sp>
+        <p:nvSpPr>
+          <p:cNvPr id="3" name="Content Placeholder 2">
+            <a:extLst>
+              <a:ext uri="{FF2B5EF4-FFF2-40B4-BE49-F238E27FC236}">
+                <a16:creationId xmlns:a16="http://schemas.microsoft.com/office/drawing/2014/main" id="{1243A7DD-5E2A-7C36-1DE5-24BBC7A28C66}"/>
+              </a:ext>
+            </a:extLst>
+          </p:cNvPr>
+          <p:cNvSpPr>
+            <a:spLocks noGrp="1"/>
+          </p:cNvSpPr>
+          <p:nvPr>
+            <p:ph idx="1"/>
+          </p:nvPr>
+        </p:nvSpPr>
+        <p:spPr/>
+        <p:txBody>
+          <a:bodyPr/>
+          <a:lstStyle/>
+          <a:p>
+            <a:endParaRPr lang="en-US"/>
+          </a:p>
+        </p:txBody>
+      </p:sp>
+    </p:spTree>
+    <p:extLst>
+      <p:ext uri="{BB962C8B-B14F-4D97-AF65-F5344CB8AC3E}">
+        <p14:creationId xmlns:p14="http://schemas.microsoft.com/office/powerpoint/2010/main" val="431206179"/>
+      </p:ext>
+    </p:extLst>
+  </p:cSld>
+  <p:clrMapOvr>
+    <a:masterClrMapping/>
+  </p:clrMapOvr>
+</p:sld>
+</file>
+
+<file path=ppt/slides/slide16.xml><?xml version="1.0" encoding="utf-8"?>
+<p:sld xmlns:a="http://schemas.openxmlformats.org/drawingml/2006/main" xmlns:r="http://schemas.openxmlformats.org/officeDocument/2006/relationships" xmlns:p="http://schemas.openxmlformats.org/presentationml/2006/main">
+  <p:cSld>
+    <p:spTree>
+      <p:nvGrpSpPr>
+        <p:cNvPr id="1" name=""/>
+        <p:cNvGrpSpPr/>
+        <p:nvPr/>
+      </p:nvGrpSpPr>
+      <p:grpSpPr>
+        <a:xfrm>
+          <a:off x="0" y="0"/>
+          <a:ext cx="0" cy="0"/>
+          <a:chOff x="0" y="0"/>
+          <a:chExt cx="0" cy="0"/>
+        </a:xfrm>
+      </p:grpSpPr>
+      <p:sp>
+        <p:nvSpPr>
+          <p:cNvPr id="2" name="Title 1">
+            <a:extLst>
+              <a:ext uri="{FF2B5EF4-FFF2-40B4-BE49-F238E27FC236}">
+                <a16:creationId xmlns:a16="http://schemas.microsoft.com/office/drawing/2014/main" id="{45993EAF-3647-527F-4D68-F47FEB858C29}"/>
+              </a:ext>
+            </a:extLst>
+          </p:cNvPr>
+          <p:cNvSpPr>
+            <a:spLocks noGrp="1"/>
+          </p:cNvSpPr>
+          <p:nvPr>
+            <p:ph type="title"/>
+          </p:nvPr>
+        </p:nvSpPr>
+        <p:spPr/>
+        <p:txBody>
+          <a:bodyPr/>
+          <a:lstStyle/>
+          <a:p>
+            <a:endParaRPr lang="en-US"/>
+          </a:p>
+        </p:txBody>
+      </p:sp>
+      <p:sp>
+        <p:nvSpPr>
+          <p:cNvPr id="3" name="Content Placeholder 2">
+            <a:extLst>
+              <a:ext uri="{FF2B5EF4-FFF2-40B4-BE49-F238E27FC236}">
+                <a16:creationId xmlns:a16="http://schemas.microsoft.com/office/drawing/2014/main" id="{1243A7DD-5E2A-7C36-1DE5-24BBC7A28C66}"/>
+              </a:ext>
+            </a:extLst>
+          </p:cNvPr>
+          <p:cNvSpPr>
+            <a:spLocks noGrp="1"/>
+          </p:cNvSpPr>
+          <p:nvPr>
+            <p:ph idx="1"/>
+          </p:nvPr>
+        </p:nvSpPr>
+        <p:spPr/>
+        <p:txBody>
+          <a:bodyPr/>
+          <a:lstStyle/>
+          <a:p>
+            <a:endParaRPr lang="en-US"/>
+          </a:p>
+        </p:txBody>
+      </p:sp>
+    </p:spTree>
+    <p:extLst>
+      <p:ext uri="{BB962C8B-B14F-4D97-AF65-F5344CB8AC3E}">
+        <p14:creationId xmlns:p14="http://schemas.microsoft.com/office/powerpoint/2010/main" val="3635889446"/>
+      </p:ext>
+    </p:extLst>
+  </p:cSld>
+  <p:clrMapOvr>
+    <a:masterClrMapping/>
+  </p:clrMapOvr>
+</p:sld>
+</file>
+
+<file path=ppt/slides/slide17.xml><?xml version="1.0" encoding="utf-8"?>
+<p:sld xmlns:a="http://schemas.openxmlformats.org/drawingml/2006/main" xmlns:r="http://schemas.openxmlformats.org/officeDocument/2006/relationships" xmlns:p="http://schemas.openxmlformats.org/presentationml/2006/main">
+  <p:cSld>
+    <p:spTree>
+      <p:nvGrpSpPr>
+        <p:cNvPr id="1" name=""/>
+        <p:cNvGrpSpPr/>
+        <p:nvPr/>
+      </p:nvGrpSpPr>
+      <p:grpSpPr>
+        <a:xfrm>
+          <a:off x="0" y="0"/>
+          <a:ext cx="0" cy="0"/>
+          <a:chOff x="0" y="0"/>
+          <a:chExt cx="0" cy="0"/>
+        </a:xfrm>
+      </p:grpSpPr>
+      <p:sp>
+        <p:nvSpPr>
+          <p:cNvPr id="2" name="Title 1">
+            <a:extLst>
+              <a:ext uri="{FF2B5EF4-FFF2-40B4-BE49-F238E27FC236}">
+                <a16:creationId xmlns:a16="http://schemas.microsoft.com/office/drawing/2014/main" id="{45993EAF-3647-527F-4D68-F47FEB858C29}"/>
+              </a:ext>
+            </a:extLst>
+          </p:cNvPr>
+          <p:cNvSpPr>
+            <a:spLocks noGrp="1"/>
+          </p:cNvSpPr>
+          <p:nvPr>
+            <p:ph type="title"/>
+          </p:nvPr>
+        </p:nvSpPr>
+        <p:spPr/>
+        <p:txBody>
+          <a:bodyPr/>
+          <a:lstStyle/>
+          <a:p>
+            <a:endParaRPr lang="en-US"/>
+          </a:p>
+        </p:txBody>
+      </p:sp>
+      <p:sp>
+        <p:nvSpPr>
+          <p:cNvPr id="3" name="Content Placeholder 2">
+            <a:extLst>
+              <a:ext uri="{FF2B5EF4-FFF2-40B4-BE49-F238E27FC236}">
+                <a16:creationId xmlns:a16="http://schemas.microsoft.com/office/drawing/2014/main" id="{1243A7DD-5E2A-7C36-1DE5-24BBC7A28C66}"/>
+              </a:ext>
+            </a:extLst>
+          </p:cNvPr>
+          <p:cNvSpPr>
+            <a:spLocks noGrp="1"/>
+          </p:cNvSpPr>
+          <p:nvPr>
+            <p:ph idx="1"/>
+          </p:nvPr>
+        </p:nvSpPr>
+        <p:spPr/>
+        <p:txBody>
+          <a:bodyPr/>
+          <a:lstStyle/>
+          <a:p>
+            <a:endParaRPr lang="en-US"/>
+          </a:p>
+        </p:txBody>
+      </p:sp>
+    </p:spTree>
+    <p:extLst>
+      <p:ext uri="{BB962C8B-B14F-4D97-AF65-F5344CB8AC3E}">
+        <p14:creationId xmlns:p14="http://schemas.microsoft.com/office/powerpoint/2010/main" val="4193857370"/>
+      </p:ext>
+    </p:extLst>
+  </p:cSld>
+  <p:clrMapOvr>
+    <a:masterClrMapping/>
+  </p:clrMapOvr>
+</p:sld>
+</file>
+
+<file path=ppt/slides/slide18.xml><?xml version="1.0" encoding="utf-8"?>
+<p:sld xmlns:a="http://schemas.openxmlformats.org/drawingml/2006/main" xmlns:r="http://schemas.openxmlformats.org/officeDocument/2006/relationships" xmlns:p="http://schemas.openxmlformats.org/presentationml/2006/main">
+  <p:cSld>
+    <p:spTree>
+      <p:nvGrpSpPr>
+        <p:cNvPr id="1" name=""/>
+        <p:cNvGrpSpPr/>
+        <p:nvPr/>
+      </p:nvGrpSpPr>
+      <p:grpSpPr>
+        <a:xfrm>
+          <a:off x="0" y="0"/>
+          <a:ext cx="0" cy="0"/>
+          <a:chOff x="0" y="0"/>
+          <a:chExt cx="0" cy="0"/>
+        </a:xfrm>
+      </p:grpSpPr>
+      <p:sp>
+        <p:nvSpPr>
+          <p:cNvPr id="2" name="Title 1">
+            <a:extLst>
+              <a:ext uri="{FF2B5EF4-FFF2-40B4-BE49-F238E27FC236}">
+                <a16:creationId xmlns:a16="http://schemas.microsoft.com/office/drawing/2014/main" id="{45993EAF-3647-527F-4D68-F47FEB858C29}"/>
+              </a:ext>
+            </a:extLst>
+          </p:cNvPr>
+          <p:cNvSpPr>
+            <a:spLocks noGrp="1"/>
+          </p:cNvSpPr>
+          <p:nvPr>
+            <p:ph type="title"/>
+          </p:nvPr>
+        </p:nvSpPr>
+        <p:spPr/>
+        <p:txBody>
+          <a:bodyPr/>
+          <a:lstStyle/>
+          <a:p>
+            <a:endParaRPr lang="en-US"/>
+          </a:p>
+        </p:txBody>
+      </p:sp>
+      <p:sp>
+        <p:nvSpPr>
+          <p:cNvPr id="3" name="Content Placeholder 2">
+            <a:extLst>
+              <a:ext uri="{FF2B5EF4-FFF2-40B4-BE49-F238E27FC236}">
+                <a16:creationId xmlns:a16="http://schemas.microsoft.com/office/drawing/2014/main" id="{1243A7DD-5E2A-7C36-1DE5-24BBC7A28C66}"/>
+              </a:ext>
+            </a:extLst>
+          </p:cNvPr>
+          <p:cNvSpPr>
+            <a:spLocks noGrp="1"/>
+          </p:cNvSpPr>
+          <p:nvPr>
+            <p:ph idx="1"/>
+          </p:nvPr>
+        </p:nvSpPr>
+        <p:spPr/>
+        <p:txBody>
+          <a:bodyPr/>
+          <a:lstStyle/>
+          <a:p>
+            <a:endParaRPr lang="en-US"/>
+          </a:p>
+        </p:txBody>
+      </p:sp>
+    </p:spTree>
+    <p:extLst>
+      <p:ext uri="{BB962C8B-B14F-4D97-AF65-F5344CB8AC3E}">
+        <p14:creationId xmlns:p14="http://schemas.microsoft.com/office/powerpoint/2010/main" val="2990902418"/>
+      </p:ext>
+    </p:extLst>
+  </p:cSld>
+  <p:clrMapOvr>
+    <a:masterClrMapping/>
+  </p:clrMapOvr>
+</p:sld>
+</file>
+
+<file path=ppt/slides/slide19.xml><?xml version="1.0" encoding="utf-8"?>
+<p:sld xmlns:a="http://schemas.openxmlformats.org/drawingml/2006/main" xmlns:r="http://schemas.openxmlformats.org/officeDocument/2006/relationships" xmlns:p="http://schemas.openxmlformats.org/presentationml/2006/main">
+  <p:cSld>
+    <p:spTree>
+      <p:nvGrpSpPr>
+        <p:cNvPr id="1" name=""/>
+        <p:cNvGrpSpPr/>
+        <p:nvPr/>
+      </p:nvGrpSpPr>
+      <p:grpSpPr>
+        <a:xfrm>
+          <a:off x="0" y="0"/>
+          <a:ext cx="0" cy="0"/>
+          <a:chOff x="0" y="0"/>
+          <a:chExt cx="0" cy="0"/>
+        </a:xfrm>
+      </p:grpSpPr>
+      <p:sp>
+        <p:nvSpPr>
+          <p:cNvPr id="2" name="Title 1">
+            <a:extLst>
+              <a:ext uri="{FF2B5EF4-FFF2-40B4-BE49-F238E27FC236}">
+                <a16:creationId xmlns:a16="http://schemas.microsoft.com/office/drawing/2014/main" id="{45993EAF-3647-527F-4D68-F47FEB858C29}"/>
+              </a:ext>
+            </a:extLst>
+          </p:cNvPr>
+          <p:cNvSpPr>
+            <a:spLocks noGrp="1"/>
+          </p:cNvSpPr>
+          <p:nvPr>
+            <p:ph type="title"/>
+          </p:nvPr>
+        </p:nvSpPr>
+        <p:spPr/>
+        <p:txBody>
+          <a:bodyPr/>
+          <a:lstStyle/>
+          <a:p>
+            <a:endParaRPr lang="en-US"/>
+          </a:p>
+        </p:txBody>
+      </p:sp>
+      <p:sp>
+        <p:nvSpPr>
+          <p:cNvPr id="3" name="Content Placeholder 2">
+            <a:extLst>
+              <a:ext uri="{FF2B5EF4-FFF2-40B4-BE49-F238E27FC236}">
+                <a16:creationId xmlns:a16="http://schemas.microsoft.com/office/drawing/2014/main" id="{1243A7DD-5E2A-7C36-1DE5-24BBC7A28C66}"/>
+              </a:ext>
+            </a:extLst>
+          </p:cNvPr>
+          <p:cNvSpPr>
+            <a:spLocks noGrp="1"/>
+          </p:cNvSpPr>
+          <p:nvPr>
+            <p:ph idx="1"/>
+          </p:nvPr>
+        </p:nvSpPr>
+        <p:spPr/>
+        <p:txBody>
+          <a:bodyPr/>
+          <a:lstStyle/>
+          <a:p>
+            <a:endParaRPr lang="en-US"/>
+          </a:p>
+        </p:txBody>
+      </p:sp>
+    </p:spTree>
+    <p:extLst>
+      <p:ext uri="{BB962C8B-B14F-4D97-AF65-F5344CB8AC3E}">
+        <p14:creationId xmlns:p14="http://schemas.microsoft.com/office/powerpoint/2010/main" val="2193324144"/>
       </p:ext>
     </p:extLst>
   </p:cSld>
@@ -4397,6 +4877,86 @@
     <p:extLst>
       <p:ext uri="{BB962C8B-B14F-4D97-AF65-F5344CB8AC3E}">
         <p14:creationId xmlns:p14="http://schemas.microsoft.com/office/powerpoint/2010/main" val="785831879"/>
+      </p:ext>
+    </p:extLst>
+  </p:cSld>
+  <p:clrMapOvr>
+    <a:masterClrMapping/>
+  </p:clrMapOvr>
+</p:sld>
+</file>
+
+<file path=ppt/slides/slide20.xml><?xml version="1.0" encoding="utf-8"?>
+<p:sld xmlns:a="http://schemas.openxmlformats.org/drawingml/2006/main" xmlns:r="http://schemas.openxmlformats.org/officeDocument/2006/relationships" xmlns:p="http://schemas.openxmlformats.org/presentationml/2006/main">
+  <p:cSld>
+    <p:spTree>
+      <p:nvGrpSpPr>
+        <p:cNvPr id="1" name=""/>
+        <p:cNvGrpSpPr/>
+        <p:nvPr/>
+      </p:nvGrpSpPr>
+      <p:grpSpPr>
+        <a:xfrm>
+          <a:off x="0" y="0"/>
+          <a:ext cx="0" cy="0"/>
+          <a:chOff x="0" y="0"/>
+          <a:chExt cx="0" cy="0"/>
+        </a:xfrm>
+      </p:grpSpPr>
+      <p:sp>
+        <p:nvSpPr>
+          <p:cNvPr id="2" name="Title 1">
+            <a:extLst>
+              <a:ext uri="{FF2B5EF4-FFF2-40B4-BE49-F238E27FC236}">
+                <a16:creationId xmlns:a16="http://schemas.microsoft.com/office/drawing/2014/main" id="{45993EAF-3647-527F-4D68-F47FEB858C29}"/>
+              </a:ext>
+            </a:extLst>
+          </p:cNvPr>
+          <p:cNvSpPr>
+            <a:spLocks noGrp="1"/>
+          </p:cNvSpPr>
+          <p:nvPr>
+            <p:ph type="title"/>
+          </p:nvPr>
+        </p:nvSpPr>
+        <p:spPr/>
+        <p:txBody>
+          <a:bodyPr/>
+          <a:lstStyle/>
+          <a:p>
+            <a:endParaRPr lang="en-US"/>
+          </a:p>
+        </p:txBody>
+      </p:sp>
+      <p:sp>
+        <p:nvSpPr>
+          <p:cNvPr id="3" name="Content Placeholder 2">
+            <a:extLst>
+              <a:ext uri="{FF2B5EF4-FFF2-40B4-BE49-F238E27FC236}">
+                <a16:creationId xmlns:a16="http://schemas.microsoft.com/office/drawing/2014/main" id="{1243A7DD-5E2A-7C36-1DE5-24BBC7A28C66}"/>
+              </a:ext>
+            </a:extLst>
+          </p:cNvPr>
+          <p:cNvSpPr>
+            <a:spLocks noGrp="1"/>
+          </p:cNvSpPr>
+          <p:nvPr>
+            <p:ph idx="1"/>
+          </p:nvPr>
+        </p:nvSpPr>
+        <p:spPr/>
+        <p:txBody>
+          <a:bodyPr/>
+          <a:lstStyle/>
+          <a:p>
+            <a:endParaRPr lang="en-US"/>
+          </a:p>
+        </p:txBody>
+      </p:sp>
+    </p:spTree>
+    <p:extLst>
+      <p:ext uri="{BB962C8B-B14F-4D97-AF65-F5344CB8AC3E}">
+        <p14:creationId xmlns:p14="http://schemas.microsoft.com/office/powerpoint/2010/main" val="3555249028"/>
       </p:ext>
     </p:extLst>
   </p:cSld>

--- a/MEMO Djano Ecommerce_24.pptx
+++ b/MEMO Djano Ecommerce_24.pptx
@@ -457,7 +457,7 @@
           <a:p>
             <a:fld id="{88FB9E02-EF2F-45E8-9C52-8DD8EBAD47A3}" type="datetimeFigureOut">
               <a:rPr lang="en-US" smtClean="0"/>
-              <a:t>4/20/2024</a:t>
+              <a:t>4/24/2024</a:t>
             </a:fld>
             <a:endParaRPr lang="en-US"/>
           </a:p>
@@ -655,7 +655,7 @@
           <a:p>
             <a:fld id="{88FB9E02-EF2F-45E8-9C52-8DD8EBAD47A3}" type="datetimeFigureOut">
               <a:rPr lang="en-US" smtClean="0"/>
-              <a:t>4/20/2024</a:t>
+              <a:t>4/24/2024</a:t>
             </a:fld>
             <a:endParaRPr lang="en-US"/>
           </a:p>
@@ -863,7 +863,7 @@
           <a:p>
             <a:fld id="{88FB9E02-EF2F-45E8-9C52-8DD8EBAD47A3}" type="datetimeFigureOut">
               <a:rPr lang="en-US" smtClean="0"/>
-              <a:t>4/20/2024</a:t>
+              <a:t>4/24/2024</a:t>
             </a:fld>
             <a:endParaRPr lang="en-US"/>
           </a:p>
@@ -1061,7 +1061,7 @@
           <a:p>
             <a:fld id="{88FB9E02-EF2F-45E8-9C52-8DD8EBAD47A3}" type="datetimeFigureOut">
               <a:rPr lang="en-US" smtClean="0"/>
-              <a:t>4/20/2024</a:t>
+              <a:t>4/24/2024</a:t>
             </a:fld>
             <a:endParaRPr lang="en-US"/>
           </a:p>
@@ -1336,7 +1336,7 @@
           <a:p>
             <a:fld id="{88FB9E02-EF2F-45E8-9C52-8DD8EBAD47A3}" type="datetimeFigureOut">
               <a:rPr lang="en-US" smtClean="0"/>
-              <a:t>4/20/2024</a:t>
+              <a:t>4/24/2024</a:t>
             </a:fld>
             <a:endParaRPr lang="en-US"/>
           </a:p>
@@ -1601,7 +1601,7 @@
           <a:p>
             <a:fld id="{88FB9E02-EF2F-45E8-9C52-8DD8EBAD47A3}" type="datetimeFigureOut">
               <a:rPr lang="en-US" smtClean="0"/>
-              <a:t>4/20/2024</a:t>
+              <a:t>4/24/2024</a:t>
             </a:fld>
             <a:endParaRPr lang="en-US"/>
           </a:p>
@@ -2013,7 +2013,7 @@
           <a:p>
             <a:fld id="{88FB9E02-EF2F-45E8-9C52-8DD8EBAD47A3}" type="datetimeFigureOut">
               <a:rPr lang="en-US" smtClean="0"/>
-              <a:t>4/20/2024</a:t>
+              <a:t>4/24/2024</a:t>
             </a:fld>
             <a:endParaRPr lang="en-US"/>
           </a:p>
@@ -2154,7 +2154,7 @@
           <a:p>
             <a:fld id="{88FB9E02-EF2F-45E8-9C52-8DD8EBAD47A3}" type="datetimeFigureOut">
               <a:rPr lang="en-US" smtClean="0"/>
-              <a:t>4/20/2024</a:t>
+              <a:t>4/24/2024</a:t>
             </a:fld>
             <a:endParaRPr lang="en-US"/>
           </a:p>
@@ -2267,7 +2267,7 @@
           <a:p>
             <a:fld id="{88FB9E02-EF2F-45E8-9C52-8DD8EBAD47A3}" type="datetimeFigureOut">
               <a:rPr lang="en-US" smtClean="0"/>
-              <a:t>4/20/2024</a:t>
+              <a:t>4/24/2024</a:t>
             </a:fld>
             <a:endParaRPr lang="en-US"/>
           </a:p>
@@ -2578,7 +2578,7 @@
           <a:p>
             <a:fld id="{88FB9E02-EF2F-45E8-9C52-8DD8EBAD47A3}" type="datetimeFigureOut">
               <a:rPr lang="en-US" smtClean="0"/>
-              <a:t>4/20/2024</a:t>
+              <a:t>4/24/2024</a:t>
             </a:fld>
             <a:endParaRPr lang="en-US"/>
           </a:p>
@@ -2866,7 +2866,7 @@
           <a:p>
             <a:fld id="{88FB9E02-EF2F-45E8-9C52-8DD8EBAD47A3}" type="datetimeFigureOut">
               <a:rPr lang="en-US" smtClean="0"/>
-              <a:t>4/20/2024</a:t>
+              <a:t>4/24/2024</a:t>
             </a:fld>
             <a:endParaRPr lang="en-US"/>
           </a:p>
@@ -3107,7 +3107,7 @@
           <a:p>
             <a:fld id="{88FB9E02-EF2F-45E8-9C52-8DD8EBAD47A3}" type="datetimeFigureOut">
               <a:rPr lang="en-US" smtClean="0"/>
-              <a:t>4/20/2024</a:t>
+              <a:t>4/24/2024</a:t>
             </a:fld>
             <a:endParaRPr lang="en-US"/>
           </a:p>
@@ -4333,6 +4333,36 @@
           </a:p>
         </p:txBody>
       </p:sp>
+      <p:pic>
+        <p:nvPicPr>
+          <p:cNvPr id="3" name="Picture 2">
+            <a:extLst>
+              <a:ext uri="{FF2B5EF4-FFF2-40B4-BE49-F238E27FC236}">
+                <a16:creationId xmlns:a16="http://schemas.microsoft.com/office/drawing/2014/main" id="{C3D7FD88-613C-AD71-99F1-9DED921D3028}"/>
+              </a:ext>
+            </a:extLst>
+          </p:cNvPr>
+          <p:cNvPicPr>
+            <a:picLocks noChangeAspect="1"/>
+          </p:cNvPicPr>
+          <p:nvPr/>
+        </p:nvPicPr>
+        <p:blipFill>
+          <a:blip r:embed="rId2"/>
+          <a:stretch>
+            <a:fillRect/>
+          </a:stretch>
+        </p:blipFill>
+        <p:spPr>
+          <a:xfrm>
+            <a:off x="884134" y="1285576"/>
+            <a:ext cx="9069066" cy="4286848"/>
+          </a:xfrm>
+          <a:prstGeom prst="rect">
+            <a:avLst/>
+          </a:prstGeom>
+        </p:spPr>
+      </p:pic>
     </p:spTree>
     <p:extLst>
       <p:ext uri="{BB962C8B-B14F-4D97-AF65-F5344CB8AC3E}">

--- a/MEMO Djano Ecommerce_24.pptx
+++ b/MEMO Djano Ecommerce_24.pptx
@@ -8,23 +8,22 @@
     <p:sldId id="256" r:id="rId2"/>
     <p:sldId id="257" r:id="rId3"/>
     <p:sldId id="259" r:id="rId4"/>
-    <p:sldId id="258" r:id="rId5"/>
-    <p:sldId id="261" r:id="rId6"/>
-    <p:sldId id="260" r:id="rId7"/>
-    <p:sldId id="263" r:id="rId8"/>
-    <p:sldId id="262" r:id="rId9"/>
-    <p:sldId id="264" r:id="rId10"/>
-    <p:sldId id="265" r:id="rId11"/>
-    <p:sldId id="266" r:id="rId12"/>
-    <p:sldId id="267" r:id="rId13"/>
-    <p:sldId id="268" r:id="rId14"/>
-    <p:sldId id="269" r:id="rId15"/>
-    <p:sldId id="270" r:id="rId16"/>
-    <p:sldId id="271" r:id="rId17"/>
-    <p:sldId id="272" r:id="rId18"/>
-    <p:sldId id="273" r:id="rId19"/>
-    <p:sldId id="274" r:id="rId20"/>
-    <p:sldId id="275" r:id="rId21"/>
+    <p:sldId id="261" r:id="rId5"/>
+    <p:sldId id="260" r:id="rId6"/>
+    <p:sldId id="263" r:id="rId7"/>
+    <p:sldId id="262" r:id="rId8"/>
+    <p:sldId id="264" r:id="rId9"/>
+    <p:sldId id="265" r:id="rId10"/>
+    <p:sldId id="266" r:id="rId11"/>
+    <p:sldId id="267" r:id="rId12"/>
+    <p:sldId id="268" r:id="rId13"/>
+    <p:sldId id="269" r:id="rId14"/>
+    <p:sldId id="270" r:id="rId15"/>
+    <p:sldId id="271" r:id="rId16"/>
+    <p:sldId id="272" r:id="rId17"/>
+    <p:sldId id="273" r:id="rId18"/>
+    <p:sldId id="274" r:id="rId19"/>
+    <p:sldId id="275" r:id="rId20"/>
   </p:sldIdLst>
   <p:sldSz cx="12192000" cy="6858000"/>
   <p:notesSz cx="6858000" cy="9144000"/>
@@ -134,13 +133,44 @@
 <file path=ppt/revisionInfo.xml><?xml version="1.0" encoding="utf-8"?>
 <p1510:revInfo xmlns:a="http://schemas.openxmlformats.org/drawingml/2006/main" xmlns:r="http://schemas.openxmlformats.org/officeDocument/2006/relationships" xmlns:p1510="http://schemas.microsoft.com/office/powerpoint/2015/10/main">
   <p1510:revLst>
-    <p1510:client id="{FBFB042F-25D5-43AF-ABD0-C767F1A08EE4}" v="8" dt="2024-04-20T15:38:06.747"/>
+    <p1510:client id="{3EC2A9FC-BFF3-4CD7-BAA1-F15B746C35B7}" v="11" dt="2024-08-20T09:37:10.633"/>
   </p1510:revLst>
 </p1510:revInfo>
 </file>
 
 <file path=ppt/changesInfos/changesInfo1.xml><?xml version="1.0" encoding="utf-8"?>
 <pc:chgInfo xmlns:a="http://schemas.openxmlformats.org/drawingml/2006/main" xmlns:r="http://schemas.openxmlformats.org/officeDocument/2006/relationships" xmlns:ac="http://schemas.microsoft.com/office/drawing/2013/main/command" xmlns:pc="http://schemas.microsoft.com/office/powerpoint/2013/main/command">
+  <pc:docChgLst>
+    <pc:chgData name="witaya chaison" userId="aafc0013979b2c41" providerId="LiveId" clId="{4D4A9C16-5FD4-46CF-AC6A-2110D88B25E6}"/>
+    <pc:docChg chg="modSld sldOrd">
+      <pc:chgData name="witaya chaison" userId="aafc0013979b2c41" providerId="LiveId" clId="{4D4A9C16-5FD4-46CF-AC6A-2110D88B25E6}" dt="2024-02-15T15:43:38.903" v="2"/>
+      <pc:docMkLst>
+        <pc:docMk/>
+      </pc:docMkLst>
+      <pc:sldChg chg="modSp mod">
+        <pc:chgData name="witaya chaison" userId="aafc0013979b2c41" providerId="LiveId" clId="{4D4A9C16-5FD4-46CF-AC6A-2110D88B25E6}" dt="2024-02-15T15:42:39.295" v="0" actId="1076"/>
+        <pc:sldMkLst>
+          <pc:docMk/>
+          <pc:sldMk cId="959975612" sldId="256"/>
+        </pc:sldMkLst>
+        <pc:picChg chg="mod">
+          <ac:chgData name="witaya chaison" userId="aafc0013979b2c41" providerId="LiveId" clId="{4D4A9C16-5FD4-46CF-AC6A-2110D88B25E6}" dt="2024-02-15T15:42:39.295" v="0" actId="1076"/>
+          <ac:picMkLst>
+            <pc:docMk/>
+            <pc:sldMk cId="959975612" sldId="256"/>
+            <ac:picMk id="8" creationId="{9C524B66-8573-59D7-42BC-215FCD395886}"/>
+          </ac:picMkLst>
+        </pc:picChg>
+      </pc:sldChg>
+      <pc:sldChg chg="ord">
+        <pc:chgData name="witaya chaison" userId="aafc0013979b2c41" providerId="LiveId" clId="{4D4A9C16-5FD4-46CF-AC6A-2110D88B25E6}" dt="2024-02-15T15:43:38.903" v="2"/>
+        <pc:sldMkLst>
+          <pc:docMk/>
+          <pc:sldMk cId="945269719" sldId="258"/>
+        </pc:sldMkLst>
+      </pc:sldChg>
+    </pc:docChg>
+  </pc:docChgLst>
   <pc:docChgLst>
     <pc:chgData clId="Web-{FDDDECED-069A-4442-95B1-33A64E24CB62}"/>
     <pc:docChg chg="modSld">
@@ -197,33 +227,64 @@
     </pc:docChg>
   </pc:docChgLst>
   <pc:docChgLst>
-    <pc:chgData name="witaya chaison" userId="aafc0013979b2c41" providerId="LiveId" clId="{4D4A9C16-5FD4-46CF-AC6A-2110D88B25E6}"/>
-    <pc:docChg chg="modSld sldOrd">
-      <pc:chgData name="witaya chaison" userId="aafc0013979b2c41" providerId="LiveId" clId="{4D4A9C16-5FD4-46CF-AC6A-2110D88B25E6}" dt="2024-02-15T15:43:38.903" v="2"/>
+    <pc:chgData name="witaya chaison" userId="aafc0013979b2c41" providerId="Windows Live" clId="Web-{3EC2A9FC-BFF3-4CD7-BAA1-F15B746C35B7}"/>
+    <pc:docChg chg="delSld modSld">
+      <pc:chgData name="witaya chaison" userId="aafc0013979b2c41" providerId="Windows Live" clId="Web-{3EC2A9FC-BFF3-4CD7-BAA1-F15B746C35B7}" dt="2024-08-20T09:37:10.633" v="10" actId="14100"/>
       <pc:docMkLst>
         <pc:docMk/>
       </pc:docMkLst>
-      <pc:sldChg chg="modSp mod">
-        <pc:chgData name="witaya chaison" userId="aafc0013979b2c41" providerId="LiveId" clId="{4D4A9C16-5FD4-46CF-AC6A-2110D88B25E6}" dt="2024-02-15T15:42:39.295" v="0" actId="1076"/>
-        <pc:sldMkLst>
-          <pc:docMk/>
-          <pc:sldMk cId="959975612" sldId="256"/>
-        </pc:sldMkLst>
-        <pc:picChg chg="mod">
-          <ac:chgData name="witaya chaison" userId="aafc0013979b2c41" providerId="LiveId" clId="{4D4A9C16-5FD4-46CF-AC6A-2110D88B25E6}" dt="2024-02-15T15:42:39.295" v="0" actId="1076"/>
-          <ac:picMkLst>
-            <pc:docMk/>
-            <pc:sldMk cId="959975612" sldId="256"/>
-            <ac:picMk id="8" creationId="{9C524B66-8573-59D7-42BC-215FCD395886}"/>
-          </ac:picMkLst>
-        </pc:picChg>
-      </pc:sldChg>
-      <pc:sldChg chg="ord">
-        <pc:chgData name="witaya chaison" userId="aafc0013979b2c41" providerId="LiveId" clId="{4D4A9C16-5FD4-46CF-AC6A-2110D88B25E6}" dt="2024-02-15T15:43:38.903" v="2"/>
+      <pc:sldChg chg="del">
+        <pc:chgData name="witaya chaison" userId="aafc0013979b2c41" providerId="Windows Live" clId="Web-{3EC2A9FC-BFF3-4CD7-BAA1-F15B746C35B7}" dt="2024-08-20T09:33:58.552" v="4"/>
         <pc:sldMkLst>
           <pc:docMk/>
           <pc:sldMk cId="945269719" sldId="258"/>
         </pc:sldMkLst>
+      </pc:sldChg>
+      <pc:sldChg chg="modSp">
+        <pc:chgData name="witaya chaison" userId="aafc0013979b2c41" providerId="Windows Live" clId="Web-{3EC2A9FC-BFF3-4CD7-BAA1-F15B746C35B7}" dt="2024-08-20T09:35:22.537" v="5" actId="14100"/>
+        <pc:sldMkLst>
+          <pc:docMk/>
+          <pc:sldMk cId="223989185" sldId="262"/>
+        </pc:sldMkLst>
+        <pc:spChg chg="mod">
+          <ac:chgData name="witaya chaison" userId="aafc0013979b2c41" providerId="Windows Live" clId="Web-{3EC2A9FC-BFF3-4CD7-BAA1-F15B746C35B7}" dt="2024-08-20T09:35:22.537" v="5" actId="14100"/>
+          <ac:spMkLst>
+            <pc:docMk/>
+            <pc:sldMk cId="223989185" sldId="262"/>
+            <ac:spMk id="3" creationId="{ACEF19F3-BDCA-0F72-D1AA-3A159783AE9C}"/>
+          </ac:spMkLst>
+        </pc:spChg>
+      </pc:sldChg>
+      <pc:sldChg chg="addSp modSp">
+        <pc:chgData name="witaya chaison" userId="aafc0013979b2c41" providerId="Windows Live" clId="Web-{3EC2A9FC-BFF3-4CD7-BAA1-F15B746C35B7}" dt="2024-08-20T09:37:10.633" v="10" actId="14100"/>
+        <pc:sldMkLst>
+          <pc:docMk/>
+          <pc:sldMk cId="3328742174" sldId="267"/>
+        </pc:sldMkLst>
+        <pc:spChg chg="add mod">
+          <ac:chgData name="witaya chaison" userId="aafc0013979b2c41" providerId="Windows Live" clId="Web-{3EC2A9FC-BFF3-4CD7-BAA1-F15B746C35B7}" dt="2024-08-20T09:33:23.332" v="3" actId="14100"/>
+          <ac:spMkLst>
+            <pc:docMk/>
+            <pc:sldMk cId="3328742174" sldId="267"/>
+            <ac:spMk id="2" creationId="{4713F999-424F-0B9C-0EF0-0BED3F59FD52}"/>
+          </ac:spMkLst>
+        </pc:spChg>
+        <pc:spChg chg="add mod">
+          <ac:chgData name="witaya chaison" userId="aafc0013979b2c41" providerId="Windows Live" clId="Web-{3EC2A9FC-BFF3-4CD7-BAA1-F15B746C35B7}" dt="2024-08-20T09:37:10.633" v="10" actId="14100"/>
+          <ac:spMkLst>
+            <pc:docMk/>
+            <pc:sldMk cId="3328742174" sldId="267"/>
+            <ac:spMk id="3" creationId="{8541FDCF-0415-2620-DC92-D34B95589ECA}"/>
+          </ac:spMkLst>
+        </pc:spChg>
+        <pc:picChg chg="mod">
+          <ac:chgData name="witaya chaison" userId="aafc0013979b2c41" providerId="Windows Live" clId="Web-{3EC2A9FC-BFF3-4CD7-BAA1-F15B746C35B7}" dt="2024-08-20T09:36:55.508" v="6" actId="14100"/>
+          <ac:picMkLst>
+            <pc:docMk/>
+            <pc:sldMk cId="3328742174" sldId="267"/>
+            <ac:picMk id="4" creationId="{8DDE31EA-7DC1-E21A-69EC-ABE8F1DA9238}"/>
+          </ac:picMkLst>
+        </pc:picChg>
       </pc:sldChg>
     </pc:docChg>
   </pc:docChgLst>
@@ -457,7 +518,7 @@
           <a:p>
             <a:fld id="{88FB9E02-EF2F-45E8-9C52-8DD8EBAD47A3}" type="datetimeFigureOut">
               <a:rPr lang="en-US" smtClean="0"/>
-              <a:t>4/24/2024</a:t>
+              <a:t>8/20/2024</a:t>
             </a:fld>
             <a:endParaRPr lang="en-US"/>
           </a:p>
@@ -655,7 +716,7 @@
           <a:p>
             <a:fld id="{88FB9E02-EF2F-45E8-9C52-8DD8EBAD47A3}" type="datetimeFigureOut">
               <a:rPr lang="en-US" smtClean="0"/>
-              <a:t>4/24/2024</a:t>
+              <a:t>8/20/2024</a:t>
             </a:fld>
             <a:endParaRPr lang="en-US"/>
           </a:p>
@@ -863,7 +924,7 @@
           <a:p>
             <a:fld id="{88FB9E02-EF2F-45E8-9C52-8DD8EBAD47A3}" type="datetimeFigureOut">
               <a:rPr lang="en-US" smtClean="0"/>
-              <a:t>4/24/2024</a:t>
+              <a:t>8/20/2024</a:t>
             </a:fld>
             <a:endParaRPr lang="en-US"/>
           </a:p>
@@ -1061,7 +1122,7 @@
           <a:p>
             <a:fld id="{88FB9E02-EF2F-45E8-9C52-8DD8EBAD47A3}" type="datetimeFigureOut">
               <a:rPr lang="en-US" smtClean="0"/>
-              <a:t>4/24/2024</a:t>
+              <a:t>8/20/2024</a:t>
             </a:fld>
             <a:endParaRPr lang="en-US"/>
           </a:p>
@@ -1336,7 +1397,7 @@
           <a:p>
             <a:fld id="{88FB9E02-EF2F-45E8-9C52-8DD8EBAD47A3}" type="datetimeFigureOut">
               <a:rPr lang="en-US" smtClean="0"/>
-              <a:t>4/24/2024</a:t>
+              <a:t>8/20/2024</a:t>
             </a:fld>
             <a:endParaRPr lang="en-US"/>
           </a:p>
@@ -1601,7 +1662,7 @@
           <a:p>
             <a:fld id="{88FB9E02-EF2F-45E8-9C52-8DD8EBAD47A3}" type="datetimeFigureOut">
               <a:rPr lang="en-US" smtClean="0"/>
-              <a:t>4/24/2024</a:t>
+              <a:t>8/20/2024</a:t>
             </a:fld>
             <a:endParaRPr lang="en-US"/>
           </a:p>
@@ -2013,7 +2074,7 @@
           <a:p>
             <a:fld id="{88FB9E02-EF2F-45E8-9C52-8DD8EBAD47A3}" type="datetimeFigureOut">
               <a:rPr lang="en-US" smtClean="0"/>
-              <a:t>4/24/2024</a:t>
+              <a:t>8/20/2024</a:t>
             </a:fld>
             <a:endParaRPr lang="en-US"/>
           </a:p>
@@ -2154,7 +2215,7 @@
           <a:p>
             <a:fld id="{88FB9E02-EF2F-45E8-9C52-8DD8EBAD47A3}" type="datetimeFigureOut">
               <a:rPr lang="en-US" smtClean="0"/>
-              <a:t>4/24/2024</a:t>
+              <a:t>8/20/2024</a:t>
             </a:fld>
             <a:endParaRPr lang="en-US"/>
           </a:p>
@@ -2267,7 +2328,7 @@
           <a:p>
             <a:fld id="{88FB9E02-EF2F-45E8-9C52-8DD8EBAD47A3}" type="datetimeFigureOut">
               <a:rPr lang="en-US" smtClean="0"/>
-              <a:t>4/24/2024</a:t>
+              <a:t>8/20/2024</a:t>
             </a:fld>
             <a:endParaRPr lang="en-US"/>
           </a:p>
@@ -2578,7 +2639,7 @@
           <a:p>
             <a:fld id="{88FB9E02-EF2F-45E8-9C52-8DD8EBAD47A3}" type="datetimeFigureOut">
               <a:rPr lang="en-US" smtClean="0"/>
-              <a:t>4/24/2024</a:t>
+              <a:t>8/20/2024</a:t>
             </a:fld>
             <a:endParaRPr lang="en-US"/>
           </a:p>
@@ -2866,7 +2927,7 @@
           <a:p>
             <a:fld id="{88FB9E02-EF2F-45E8-9C52-8DD8EBAD47A3}" type="datetimeFigureOut">
               <a:rPr lang="en-US" smtClean="0"/>
-              <a:t>4/24/2024</a:t>
+              <a:t>8/20/2024</a:t>
             </a:fld>
             <a:endParaRPr lang="en-US"/>
           </a:p>
@@ -3107,7 +3168,7 @@
           <a:p>
             <a:fld id="{88FB9E02-EF2F-45E8-9C52-8DD8EBAD47A3}" type="datetimeFigureOut">
               <a:rPr lang="en-US" smtClean="0"/>
-              <a:t>4/24/2024</a:t>
+              <a:t>8/20/2024</a:t>
             </a:fld>
             <a:endParaRPr lang="en-US"/>
           </a:p>
@@ -3766,170 +3827,6 @@
           <a:chExt cx="0" cy="0"/>
         </a:xfrm>
       </p:grpSpPr>
-      <p:sp>
-        <p:nvSpPr>
-          <p:cNvPr id="5" name="TextBox 4">
-            <a:extLst>
-              <a:ext uri="{FF2B5EF4-FFF2-40B4-BE49-F238E27FC236}">
-                <a16:creationId xmlns:a16="http://schemas.microsoft.com/office/drawing/2014/main" id="{CD0B0C3D-CF59-D902-AEDA-1A5A6C1FB96E}"/>
-              </a:ext>
-            </a:extLst>
-          </p:cNvPr>
-          <p:cNvSpPr txBox="1"/>
-          <p:nvPr/>
-        </p:nvSpPr>
-        <p:spPr>
-          <a:xfrm>
-            <a:off x="349869" y="735932"/>
-            <a:ext cx="5557652" cy="2862322"/>
-          </a:xfrm>
-          <a:prstGeom prst="rect">
-            <a:avLst/>
-          </a:prstGeom>
-          <a:noFill/>
-        </p:spPr>
-        <p:txBody>
-          <a:bodyPr wrap="square" rtlCol="0">
-            <a:spAutoFit/>
-          </a:bodyPr>
-          <a:lstStyle/>
-          <a:p>
-            <a:r>
-              <a:rPr lang="en-US" dirty="0"/>
-              <a:t>Class Meta:</a:t>
-            </a:r>
-          </a:p>
-          <a:p>
-            <a:r>
-              <a:rPr lang="en-US" dirty="0"/>
-              <a:t>Ordering = “ name”</a:t>
-            </a:r>
-          </a:p>
-          <a:p>
-            <a:r>
-              <a:rPr lang="en-US" dirty="0" err="1"/>
-              <a:t>verbose_name</a:t>
-            </a:r>
-            <a:r>
-              <a:rPr lang="en-US" dirty="0"/>
-              <a:t> = “</a:t>
-            </a:r>
-            <a:r>
-              <a:rPr lang="th-TH" dirty="0"/>
-              <a:t>หวดหมู่.</a:t>
-            </a:r>
-            <a:endParaRPr lang="en-US" dirty="0"/>
-          </a:p>
-          <a:p>
-            <a:r>
-              <a:rPr lang="en-US" dirty="0" err="1"/>
-              <a:t>Verbose_name_plural</a:t>
-            </a:r>
-            <a:r>
-              <a:rPr lang="en-US" dirty="0"/>
-              <a:t> = </a:t>
-            </a:r>
-            <a:r>
-              <a:rPr lang="th-TH" dirty="0"/>
-              <a:t>ประเภทสินค้า</a:t>
-            </a:r>
-          </a:p>
-          <a:p>
-            <a:endParaRPr lang="en-US" dirty="0"/>
-          </a:p>
-          <a:p>
-            <a:r>
-              <a:rPr lang="en-US" dirty="0"/>
-              <a:t>Create category  is object      </a:t>
-            </a:r>
-          </a:p>
-          <a:p>
-            <a:r>
-              <a:rPr lang="en-US" dirty="0"/>
-              <a:t> </a:t>
-            </a:r>
-          </a:p>
-          <a:p>
-            <a:r>
-              <a:rPr lang="en-US" dirty="0" err="1"/>
-              <a:t>def__str</a:t>
-            </a:r>
-            <a:r>
-              <a:rPr lang="en-US" dirty="0"/>
-              <a:t>__(self):</a:t>
-            </a:r>
-          </a:p>
-          <a:p>
-            <a:r>
-              <a:rPr lang="en-US" dirty="0"/>
-              <a:t>return self.name</a:t>
-            </a:r>
-          </a:p>
-          <a:p>
-            <a:endParaRPr lang="en-US" dirty="0"/>
-          </a:p>
-        </p:txBody>
-      </p:sp>
-      <p:pic>
-        <p:nvPicPr>
-          <p:cNvPr id="7" name="Picture 6">
-            <a:extLst>
-              <a:ext uri="{FF2B5EF4-FFF2-40B4-BE49-F238E27FC236}">
-                <a16:creationId xmlns:a16="http://schemas.microsoft.com/office/drawing/2014/main" id="{257AAA5F-B286-DC04-B307-BA45AF295DE2}"/>
-              </a:ext>
-            </a:extLst>
-          </p:cNvPr>
-          <p:cNvPicPr>
-            <a:picLocks noChangeAspect="1"/>
-          </p:cNvPicPr>
-          <p:nvPr/>
-        </p:nvPicPr>
-        <p:blipFill>
-          <a:blip r:embed="rId2"/>
-          <a:stretch>
-            <a:fillRect/>
-          </a:stretch>
-        </p:blipFill>
-        <p:spPr>
-          <a:xfrm>
-            <a:off x="4482532" y="337376"/>
-            <a:ext cx="6287377" cy="3943900"/>
-          </a:xfrm>
-          <a:prstGeom prst="rect">
-            <a:avLst/>
-          </a:prstGeom>
-        </p:spPr>
-      </p:pic>
-    </p:spTree>
-    <p:extLst>
-      <p:ext uri="{BB962C8B-B14F-4D97-AF65-F5344CB8AC3E}">
-        <p14:creationId xmlns:p14="http://schemas.microsoft.com/office/powerpoint/2010/main" val="1315911783"/>
-      </p:ext>
-    </p:extLst>
-  </p:cSld>
-  <p:clrMapOvr>
-    <a:masterClrMapping/>
-  </p:clrMapOvr>
-</p:sld>
-</file>
-
-<file path=ppt/slides/slide11.xml><?xml version="1.0" encoding="utf-8"?>
-<p:sld xmlns:a="http://schemas.openxmlformats.org/drawingml/2006/main" xmlns:r="http://schemas.openxmlformats.org/officeDocument/2006/relationships" xmlns:p="http://schemas.openxmlformats.org/presentationml/2006/main">
-  <p:cSld>
-    <p:spTree>
-      <p:nvGrpSpPr>
-        <p:cNvPr id="1" name=""/>
-        <p:cNvGrpSpPr/>
-        <p:nvPr/>
-      </p:nvGrpSpPr>
-      <p:grpSpPr>
-        <a:xfrm>
-          <a:off x="0" y="0"/>
-          <a:ext cx="0" cy="0"/>
-          <a:chOff x="0" y="0"/>
-          <a:chExt cx="0" cy="0"/>
-        </a:xfrm>
-      </p:grpSpPr>
       <p:pic>
         <p:nvPicPr>
           <p:cNvPr id="5" name="Picture 4">
@@ -4221,7 +4118,7 @@
 </p:sld>
 </file>
 
-<file path=ppt/slides/slide12.xml><?xml version="1.0" encoding="utf-8"?>
+<file path=ppt/slides/slide11.xml><?xml version="1.0" encoding="utf-8"?>
 <p:sld xmlns:a="http://schemas.openxmlformats.org/drawingml/2006/main" xmlns:r="http://schemas.openxmlformats.org/officeDocument/2006/relationships" xmlns:p="http://schemas.openxmlformats.org/presentationml/2006/main">
   <p:cSld>
     <p:spTree>
@@ -4260,14 +4157,96 @@
         </p:blipFill>
         <p:spPr>
           <a:xfrm>
-            <a:off x="415776" y="473015"/>
-            <a:ext cx="9850827" cy="5336876"/>
+            <a:off x="415776" y="1126157"/>
+            <a:ext cx="9850827" cy="4683734"/>
           </a:xfrm>
           <a:prstGeom prst="rect">
             <a:avLst/>
           </a:prstGeom>
         </p:spPr>
       </p:pic>
+      <p:sp>
+        <p:nvSpPr>
+          <p:cNvPr id="2" name="กล่องข้อความ 1">
+            <a:extLst>
+              <a:ext uri="{FF2B5EF4-FFF2-40B4-BE49-F238E27FC236}">
+                <a16:creationId xmlns:a16="http://schemas.microsoft.com/office/drawing/2014/main" id="{4713F999-424F-0B9C-0EF0-0BED3F59FD52}"/>
+              </a:ext>
+            </a:extLst>
+          </p:cNvPr>
+          <p:cNvSpPr txBox="1"/>
+          <p:nvPr/>
+        </p:nvSpPr>
+        <p:spPr>
+          <a:xfrm>
+            <a:off x="1882019" y="5897638"/>
+            <a:ext cx="8887580" cy="369332"/>
+          </a:xfrm>
+          <a:prstGeom prst="rect">
+            <a:avLst/>
+          </a:prstGeom>
+          <a:noFill/>
+        </p:spPr>
+        <p:txBody>
+          <a:bodyPr rot="0" spcFirstLastPara="0" vertOverflow="overflow" horzOverflow="overflow" vert="horz" wrap="square" lIns="91440" tIns="45720" rIns="91440" bIns="45720" numCol="1" spcCol="0" rtlCol="0" fromWordArt="0" anchor="t" anchorCtr="0" forceAA="0" compatLnSpc="1">
+            <a:prstTxWarp prst="textNoShape">
+              <a:avLst/>
+            </a:prstTxWarp>
+            <a:spAutoFit/>
+          </a:bodyPr>
+          <a:lstStyle/>
+          <a:p>
+            <a:r>
+              <a:rPr lang="en-US">
+                <a:hlinkClick r:id="rId3"/>
+              </a:rPr>
+              <a:t>Adding Static Files In Django - Django 3 Beginners Tutorial Series (youtube.com)</a:t>
+            </a:r>
+            <a:endParaRPr lang="en-US"/>
+          </a:p>
+        </p:txBody>
+      </p:sp>
+      <p:sp>
+        <p:nvSpPr>
+          <p:cNvPr id="3" name="กล่องข้อความ 2">
+            <a:extLst>
+              <a:ext uri="{FF2B5EF4-FFF2-40B4-BE49-F238E27FC236}">
+                <a16:creationId xmlns:a16="http://schemas.microsoft.com/office/drawing/2014/main" id="{8541FDCF-0415-2620-DC92-D34B95589ECA}"/>
+              </a:ext>
+            </a:extLst>
+          </p:cNvPr>
+          <p:cNvSpPr txBox="1"/>
+          <p:nvPr/>
+        </p:nvSpPr>
+        <p:spPr>
+          <a:xfrm>
+            <a:off x="2607733" y="261257"/>
+            <a:ext cx="6734628" cy="369332"/>
+          </a:xfrm>
+          <a:prstGeom prst="rect">
+            <a:avLst/>
+          </a:prstGeom>
+          <a:noFill/>
+        </p:spPr>
+        <p:txBody>
+          <a:bodyPr rot="0" spcFirstLastPara="0" vertOverflow="overflow" horzOverflow="overflow" vert="horz" wrap="square" lIns="91440" tIns="45720" rIns="91440" bIns="45720" numCol="1" spcCol="0" rtlCol="0" fromWordArt="0" anchor="t" anchorCtr="0" forceAA="0" compatLnSpc="1">
+            <a:prstTxWarp prst="textNoShape">
+              <a:avLst/>
+            </a:prstTxWarp>
+            <a:spAutoFit/>
+          </a:bodyPr>
+          <a:lstStyle/>
+          <a:p>
+            <a:r>
+              <a:rPr lang="en-US">
+                <a:hlinkClick r:id="rId4"/>
+              </a:rPr>
+              <a:t>(2837) Legion Script - YouTube</a:t>
+            </a:r>
+            <a:endParaRPr lang="en-US"/>
+          </a:p>
+        </p:txBody>
+      </p:sp>
     </p:spTree>
     <p:extLst>
       <p:ext uri="{BB962C8B-B14F-4D97-AF65-F5344CB8AC3E}">
@@ -4281,7 +4260,7 @@
 </p:sld>
 </file>
 
-<file path=ppt/slides/slide13.xml><?xml version="1.0" encoding="utf-8"?>
+<file path=ppt/slides/slide12.xml><?xml version="1.0" encoding="utf-8"?>
 <p:sld xmlns:a="http://schemas.openxmlformats.org/drawingml/2006/main" xmlns:r="http://schemas.openxmlformats.org/officeDocument/2006/relationships" xmlns:p="http://schemas.openxmlformats.org/presentationml/2006/main">
   <p:cSld>
     <p:spTree>
@@ -4376,6 +4355,86 @@
 </p:sld>
 </file>
 
+<file path=ppt/slides/slide13.xml><?xml version="1.0" encoding="utf-8"?>
+<p:sld xmlns:a="http://schemas.openxmlformats.org/drawingml/2006/main" xmlns:r="http://schemas.openxmlformats.org/officeDocument/2006/relationships" xmlns:p="http://schemas.openxmlformats.org/presentationml/2006/main">
+  <p:cSld>
+    <p:spTree>
+      <p:nvGrpSpPr>
+        <p:cNvPr id="1" name=""/>
+        <p:cNvGrpSpPr/>
+        <p:nvPr/>
+      </p:nvGrpSpPr>
+      <p:grpSpPr>
+        <a:xfrm>
+          <a:off x="0" y="0"/>
+          <a:ext cx="0" cy="0"/>
+          <a:chOff x="0" y="0"/>
+          <a:chExt cx="0" cy="0"/>
+        </a:xfrm>
+      </p:grpSpPr>
+      <p:sp>
+        <p:nvSpPr>
+          <p:cNvPr id="2" name="Title 1">
+            <a:extLst>
+              <a:ext uri="{FF2B5EF4-FFF2-40B4-BE49-F238E27FC236}">
+                <a16:creationId xmlns:a16="http://schemas.microsoft.com/office/drawing/2014/main" id="{45993EAF-3647-527F-4D68-F47FEB858C29}"/>
+              </a:ext>
+            </a:extLst>
+          </p:cNvPr>
+          <p:cNvSpPr>
+            <a:spLocks noGrp="1"/>
+          </p:cNvSpPr>
+          <p:nvPr>
+            <p:ph type="title"/>
+          </p:nvPr>
+        </p:nvSpPr>
+        <p:spPr/>
+        <p:txBody>
+          <a:bodyPr/>
+          <a:lstStyle/>
+          <a:p>
+            <a:endParaRPr lang="en-US"/>
+          </a:p>
+        </p:txBody>
+      </p:sp>
+      <p:sp>
+        <p:nvSpPr>
+          <p:cNvPr id="3" name="Content Placeholder 2">
+            <a:extLst>
+              <a:ext uri="{FF2B5EF4-FFF2-40B4-BE49-F238E27FC236}">
+                <a16:creationId xmlns:a16="http://schemas.microsoft.com/office/drawing/2014/main" id="{1243A7DD-5E2A-7C36-1DE5-24BBC7A28C66}"/>
+              </a:ext>
+            </a:extLst>
+          </p:cNvPr>
+          <p:cNvSpPr>
+            <a:spLocks noGrp="1"/>
+          </p:cNvSpPr>
+          <p:nvPr>
+            <p:ph idx="1"/>
+          </p:nvPr>
+        </p:nvSpPr>
+        <p:spPr/>
+        <p:txBody>
+          <a:bodyPr/>
+          <a:lstStyle/>
+          <a:p>
+            <a:endParaRPr lang="en-US"/>
+          </a:p>
+        </p:txBody>
+      </p:sp>
+    </p:spTree>
+    <p:extLst>
+      <p:ext uri="{BB962C8B-B14F-4D97-AF65-F5344CB8AC3E}">
+        <p14:creationId xmlns:p14="http://schemas.microsoft.com/office/powerpoint/2010/main" val="2350075902"/>
+      </p:ext>
+    </p:extLst>
+  </p:cSld>
+  <p:clrMapOvr>
+    <a:masterClrMapping/>
+  </p:clrMapOvr>
+</p:sld>
+</file>
+
 <file path=ppt/slides/slide14.xml><?xml version="1.0" encoding="utf-8"?>
 <p:sld xmlns:a="http://schemas.openxmlformats.org/drawingml/2006/main" xmlns:r="http://schemas.openxmlformats.org/officeDocument/2006/relationships" xmlns:p="http://schemas.openxmlformats.org/presentationml/2006/main">
   <p:cSld>
@@ -4446,7 +4505,7 @@
     </p:spTree>
     <p:extLst>
       <p:ext uri="{BB962C8B-B14F-4D97-AF65-F5344CB8AC3E}">
-        <p14:creationId xmlns:p14="http://schemas.microsoft.com/office/powerpoint/2010/main" val="2350075902"/>
+        <p14:creationId xmlns:p14="http://schemas.microsoft.com/office/powerpoint/2010/main" val="431206179"/>
       </p:ext>
     </p:extLst>
   </p:cSld>
@@ -4526,7 +4585,7 @@
     </p:spTree>
     <p:extLst>
       <p:ext uri="{BB962C8B-B14F-4D97-AF65-F5344CB8AC3E}">
-        <p14:creationId xmlns:p14="http://schemas.microsoft.com/office/powerpoint/2010/main" val="431206179"/>
+        <p14:creationId xmlns:p14="http://schemas.microsoft.com/office/powerpoint/2010/main" val="3635889446"/>
       </p:ext>
     </p:extLst>
   </p:cSld>
@@ -4606,7 +4665,7 @@
     </p:spTree>
     <p:extLst>
       <p:ext uri="{BB962C8B-B14F-4D97-AF65-F5344CB8AC3E}">
-        <p14:creationId xmlns:p14="http://schemas.microsoft.com/office/powerpoint/2010/main" val="3635889446"/>
+        <p14:creationId xmlns:p14="http://schemas.microsoft.com/office/powerpoint/2010/main" val="4193857370"/>
       </p:ext>
     </p:extLst>
   </p:cSld>
@@ -4686,7 +4745,7 @@
     </p:spTree>
     <p:extLst>
       <p:ext uri="{BB962C8B-B14F-4D97-AF65-F5344CB8AC3E}">
-        <p14:creationId xmlns:p14="http://schemas.microsoft.com/office/powerpoint/2010/main" val="4193857370"/>
+        <p14:creationId xmlns:p14="http://schemas.microsoft.com/office/powerpoint/2010/main" val="2990902418"/>
       </p:ext>
     </p:extLst>
   </p:cSld>
@@ -4766,7 +4825,7 @@
     </p:spTree>
     <p:extLst>
       <p:ext uri="{BB962C8B-B14F-4D97-AF65-F5344CB8AC3E}">
-        <p14:creationId xmlns:p14="http://schemas.microsoft.com/office/powerpoint/2010/main" val="2990902418"/>
+        <p14:creationId xmlns:p14="http://schemas.microsoft.com/office/powerpoint/2010/main" val="2193324144"/>
       </p:ext>
     </p:extLst>
   </p:cSld>
@@ -4846,7 +4905,7 @@
     </p:spTree>
     <p:extLst>
       <p:ext uri="{BB962C8B-B14F-4D97-AF65-F5344CB8AC3E}">
-        <p14:creationId xmlns:p14="http://schemas.microsoft.com/office/powerpoint/2010/main" val="2193324144"/>
+        <p14:creationId xmlns:p14="http://schemas.microsoft.com/office/powerpoint/2010/main" val="3555249028"/>
       </p:ext>
     </p:extLst>
   </p:cSld>
@@ -4907,86 +4966,6 @@
     <p:extLst>
       <p:ext uri="{BB962C8B-B14F-4D97-AF65-F5344CB8AC3E}">
         <p14:creationId xmlns:p14="http://schemas.microsoft.com/office/powerpoint/2010/main" val="785831879"/>
-      </p:ext>
-    </p:extLst>
-  </p:cSld>
-  <p:clrMapOvr>
-    <a:masterClrMapping/>
-  </p:clrMapOvr>
-</p:sld>
-</file>
-
-<file path=ppt/slides/slide20.xml><?xml version="1.0" encoding="utf-8"?>
-<p:sld xmlns:a="http://schemas.openxmlformats.org/drawingml/2006/main" xmlns:r="http://schemas.openxmlformats.org/officeDocument/2006/relationships" xmlns:p="http://schemas.openxmlformats.org/presentationml/2006/main">
-  <p:cSld>
-    <p:spTree>
-      <p:nvGrpSpPr>
-        <p:cNvPr id="1" name=""/>
-        <p:cNvGrpSpPr/>
-        <p:nvPr/>
-      </p:nvGrpSpPr>
-      <p:grpSpPr>
-        <a:xfrm>
-          <a:off x="0" y="0"/>
-          <a:ext cx="0" cy="0"/>
-          <a:chOff x="0" y="0"/>
-          <a:chExt cx="0" cy="0"/>
-        </a:xfrm>
-      </p:grpSpPr>
-      <p:sp>
-        <p:nvSpPr>
-          <p:cNvPr id="2" name="Title 1">
-            <a:extLst>
-              <a:ext uri="{FF2B5EF4-FFF2-40B4-BE49-F238E27FC236}">
-                <a16:creationId xmlns:a16="http://schemas.microsoft.com/office/drawing/2014/main" id="{45993EAF-3647-527F-4D68-F47FEB858C29}"/>
-              </a:ext>
-            </a:extLst>
-          </p:cNvPr>
-          <p:cNvSpPr>
-            <a:spLocks noGrp="1"/>
-          </p:cNvSpPr>
-          <p:nvPr>
-            <p:ph type="title"/>
-          </p:nvPr>
-        </p:nvSpPr>
-        <p:spPr/>
-        <p:txBody>
-          <a:bodyPr/>
-          <a:lstStyle/>
-          <a:p>
-            <a:endParaRPr lang="en-US"/>
-          </a:p>
-        </p:txBody>
-      </p:sp>
-      <p:sp>
-        <p:nvSpPr>
-          <p:cNvPr id="3" name="Content Placeholder 2">
-            <a:extLst>
-              <a:ext uri="{FF2B5EF4-FFF2-40B4-BE49-F238E27FC236}">
-                <a16:creationId xmlns:a16="http://schemas.microsoft.com/office/drawing/2014/main" id="{1243A7DD-5E2A-7C36-1DE5-24BBC7A28C66}"/>
-              </a:ext>
-            </a:extLst>
-          </p:cNvPr>
-          <p:cNvSpPr>
-            <a:spLocks noGrp="1"/>
-          </p:cNvSpPr>
-          <p:nvPr>
-            <p:ph idx="1"/>
-          </p:nvPr>
-        </p:nvSpPr>
-        <p:spPr/>
-        <p:txBody>
-          <a:bodyPr/>
-          <a:lstStyle/>
-          <a:p>
-            <a:endParaRPr lang="en-US"/>
-          </a:p>
-        </p:txBody>
-      </p:sp>
-    </p:spTree>
-    <p:extLst>
-      <p:ext uri="{BB962C8B-B14F-4D97-AF65-F5344CB8AC3E}">
-        <p14:creationId xmlns:p14="http://schemas.microsoft.com/office/powerpoint/2010/main" val="3555249028"/>
       </p:ext>
     </p:extLst>
   </p:cSld>
@@ -5078,7 +5057,7 @@
           <p:cNvPr id="5" name="Picture 4">
             <a:extLst>
               <a:ext uri="{FF2B5EF4-FFF2-40B4-BE49-F238E27FC236}">
-                <a16:creationId xmlns:a16="http://schemas.microsoft.com/office/drawing/2014/main" id="{21DCB5BD-8CF8-5E4E-0ED4-FD2C0423F923}"/>
+                <a16:creationId xmlns:a16="http://schemas.microsoft.com/office/drawing/2014/main" id="{56EF2BAC-CB50-C68C-AF2A-9B4CDA1FFF49}"/>
               </a:ext>
             </a:extLst>
           </p:cNvPr>
@@ -5095,8 +5074,8 @@
         </p:blipFill>
         <p:spPr>
           <a:xfrm>
-            <a:off x="476732" y="299512"/>
-            <a:ext cx="6375481" cy="3176396"/>
+            <a:off x="766452" y="299469"/>
+            <a:ext cx="10310519" cy="5944430"/>
           </a:xfrm>
           <a:prstGeom prst="rect">
             <a:avLst/>
@@ -5105,79 +5084,55 @@
       </p:pic>
       <p:sp>
         <p:nvSpPr>
-          <p:cNvPr id="6" name="TextBox 5">
-            <a:extLst>
-              <a:ext uri="{FF2B5EF4-FFF2-40B4-BE49-F238E27FC236}">
-                <a16:creationId xmlns:a16="http://schemas.microsoft.com/office/drawing/2014/main" id="{3D8CEE94-3B2B-8143-8660-0F1EC7C9D467}"/>
-              </a:ext>
-            </a:extLst>
-          </p:cNvPr>
-          <p:cNvSpPr txBox="1"/>
+          <p:cNvPr id="2" name="Rectangle 1">
+            <a:extLst>
+              <a:ext uri="{FF2B5EF4-FFF2-40B4-BE49-F238E27FC236}">
+                <a16:creationId xmlns:a16="http://schemas.microsoft.com/office/drawing/2014/main" id="{7678D1A0-AFCF-0F63-3A7F-B8CAB1436333}"/>
+              </a:ext>
+            </a:extLst>
+          </p:cNvPr>
+          <p:cNvSpPr/>
           <p:nvPr/>
         </p:nvSpPr>
         <p:spPr>
           <a:xfrm>
-            <a:off x="2457548" y="1887710"/>
-            <a:ext cx="886781" cy="646331"/>
+            <a:off x="653143" y="1318161"/>
+            <a:ext cx="1543792" cy="641268"/>
           </a:xfrm>
           <a:prstGeom prst="rect">
             <a:avLst/>
           </a:prstGeom>
           <a:noFill/>
         </p:spPr>
-        <p:txBody>
-          <a:bodyPr wrap="none" rtlCol="0">
-            <a:spAutoFit/>
-          </a:bodyPr>
-          <a:lstStyle/>
-          <a:p>
-            <a:r>
-              <a:rPr lang="en-US" dirty="0"/>
-              <a:t>Witaya</a:t>
-            </a:r>
-          </a:p>
-          <a:p>
-            <a:r>
-              <a:rPr lang="en-US" dirty="0"/>
-              <a:t>339073</a:t>
-            </a:r>
-          </a:p>
-        </p:txBody>
-      </p:sp>
-      <p:pic>
-        <p:nvPicPr>
-          <p:cNvPr id="8" name="Picture 7">
-            <a:extLst>
-              <a:ext uri="{FF2B5EF4-FFF2-40B4-BE49-F238E27FC236}">
-                <a16:creationId xmlns:a16="http://schemas.microsoft.com/office/drawing/2014/main" id="{ED93C352-F36C-7295-6AC5-6D8A95B51583}"/>
-              </a:ext>
-            </a:extLst>
-          </p:cNvPr>
-          <p:cNvPicPr>
-            <a:picLocks noChangeAspect="1"/>
-          </p:cNvPicPr>
-          <p:nvPr/>
-        </p:nvPicPr>
-        <p:blipFill>
-          <a:blip r:embed="rId3"/>
-          <a:stretch>
-            <a:fillRect/>
-          </a:stretch>
-        </p:blipFill>
-        <p:spPr>
-          <a:xfrm>
-            <a:off x="6634788" y="2766349"/>
-            <a:ext cx="4860423" cy="3940246"/>
-          </a:xfrm>
-          <a:prstGeom prst="rect">
-            <a:avLst/>
-          </a:prstGeom>
-        </p:spPr>
-      </p:pic>
+        <p:style>
+          <a:lnRef idx="2">
+            <a:schemeClr val="accent1">
+              <a:shade val="15000"/>
+            </a:schemeClr>
+          </a:lnRef>
+          <a:fillRef idx="1">
+            <a:schemeClr val="accent1"/>
+          </a:fillRef>
+          <a:effectRef idx="0">
+            <a:schemeClr val="accent1"/>
+          </a:effectRef>
+          <a:fontRef idx="minor">
+            <a:schemeClr val="lt1"/>
+          </a:fontRef>
+        </p:style>
+        <p:txBody>
+          <a:bodyPr rtlCol="0" anchor="ctr"/>
+          <a:lstStyle/>
+          <a:p>
+            <a:pPr algn="ctr"/>
+            <a:endParaRPr lang="en-US"/>
+          </a:p>
+        </p:txBody>
+      </p:sp>
     </p:spTree>
     <p:extLst>
       <p:ext uri="{BB962C8B-B14F-4D97-AF65-F5344CB8AC3E}">
-        <p14:creationId xmlns:p14="http://schemas.microsoft.com/office/powerpoint/2010/main" val="945269719"/>
+        <p14:creationId xmlns:p14="http://schemas.microsoft.com/office/powerpoint/2010/main" val="720513010"/>
       </p:ext>
     </p:extLst>
   </p:cSld>
@@ -5204,113 +5159,6 @@
           <a:chExt cx="0" cy="0"/>
         </a:xfrm>
       </p:grpSpPr>
-      <p:pic>
-        <p:nvPicPr>
-          <p:cNvPr id="5" name="Picture 4">
-            <a:extLst>
-              <a:ext uri="{FF2B5EF4-FFF2-40B4-BE49-F238E27FC236}">
-                <a16:creationId xmlns:a16="http://schemas.microsoft.com/office/drawing/2014/main" id="{56EF2BAC-CB50-C68C-AF2A-9B4CDA1FFF49}"/>
-              </a:ext>
-            </a:extLst>
-          </p:cNvPr>
-          <p:cNvPicPr>
-            <a:picLocks noChangeAspect="1"/>
-          </p:cNvPicPr>
-          <p:nvPr/>
-        </p:nvPicPr>
-        <p:blipFill>
-          <a:blip r:embed="rId2"/>
-          <a:stretch>
-            <a:fillRect/>
-          </a:stretch>
-        </p:blipFill>
-        <p:spPr>
-          <a:xfrm>
-            <a:off x="766452" y="299469"/>
-            <a:ext cx="10310519" cy="5944430"/>
-          </a:xfrm>
-          <a:prstGeom prst="rect">
-            <a:avLst/>
-          </a:prstGeom>
-        </p:spPr>
-      </p:pic>
-      <p:sp>
-        <p:nvSpPr>
-          <p:cNvPr id="2" name="Rectangle 1">
-            <a:extLst>
-              <a:ext uri="{FF2B5EF4-FFF2-40B4-BE49-F238E27FC236}">
-                <a16:creationId xmlns:a16="http://schemas.microsoft.com/office/drawing/2014/main" id="{7678D1A0-AFCF-0F63-3A7F-B8CAB1436333}"/>
-              </a:ext>
-            </a:extLst>
-          </p:cNvPr>
-          <p:cNvSpPr/>
-          <p:nvPr/>
-        </p:nvSpPr>
-        <p:spPr>
-          <a:xfrm>
-            <a:off x="653143" y="1318161"/>
-            <a:ext cx="1543792" cy="641268"/>
-          </a:xfrm>
-          <a:prstGeom prst="rect">
-            <a:avLst/>
-          </a:prstGeom>
-          <a:noFill/>
-        </p:spPr>
-        <p:style>
-          <a:lnRef idx="2">
-            <a:schemeClr val="accent1">
-              <a:shade val="15000"/>
-            </a:schemeClr>
-          </a:lnRef>
-          <a:fillRef idx="1">
-            <a:schemeClr val="accent1"/>
-          </a:fillRef>
-          <a:effectRef idx="0">
-            <a:schemeClr val="accent1"/>
-          </a:effectRef>
-          <a:fontRef idx="minor">
-            <a:schemeClr val="lt1"/>
-          </a:fontRef>
-        </p:style>
-        <p:txBody>
-          <a:bodyPr rtlCol="0" anchor="ctr"/>
-          <a:lstStyle/>
-          <a:p>
-            <a:pPr algn="ctr"/>
-            <a:endParaRPr lang="en-US"/>
-          </a:p>
-        </p:txBody>
-      </p:sp>
-    </p:spTree>
-    <p:extLst>
-      <p:ext uri="{BB962C8B-B14F-4D97-AF65-F5344CB8AC3E}">
-        <p14:creationId xmlns:p14="http://schemas.microsoft.com/office/powerpoint/2010/main" val="720513010"/>
-      </p:ext>
-    </p:extLst>
-  </p:cSld>
-  <p:clrMapOvr>
-    <a:masterClrMapping/>
-  </p:clrMapOvr>
-</p:sld>
-</file>
-
-<file path=ppt/slides/slide6.xml><?xml version="1.0" encoding="utf-8"?>
-<p:sld xmlns:a="http://schemas.openxmlformats.org/drawingml/2006/main" xmlns:r="http://schemas.openxmlformats.org/officeDocument/2006/relationships" xmlns:p="http://schemas.openxmlformats.org/presentationml/2006/main">
-  <p:cSld>
-    <p:spTree>
-      <p:nvGrpSpPr>
-        <p:cNvPr id="1" name=""/>
-        <p:cNvGrpSpPr/>
-        <p:nvPr/>
-      </p:nvGrpSpPr>
-      <p:grpSpPr>
-        <a:xfrm>
-          <a:off x="0" y="0"/>
-          <a:ext cx="0" cy="0"/>
-          <a:chOff x="0" y="0"/>
-          <a:chExt cx="0" cy="0"/>
-        </a:xfrm>
-      </p:grpSpPr>
       <p:sp>
         <p:nvSpPr>
           <p:cNvPr id="5" name="TextBox 4">
@@ -5506,7 +5354,7 @@
 </p:sld>
 </file>
 
-<file path=ppt/slides/slide7.xml><?xml version="1.0" encoding="utf-8"?>
+<file path=ppt/slides/slide6.xml><?xml version="1.0" encoding="utf-8"?>
 <p:sld xmlns:a="http://schemas.openxmlformats.org/drawingml/2006/main" xmlns:r="http://schemas.openxmlformats.org/officeDocument/2006/relationships" xmlns:p="http://schemas.openxmlformats.org/presentationml/2006/main">
   <p:cSld>
     <p:spTree>
@@ -5566,7 +5414,7 @@
 </p:sld>
 </file>
 
-<file path=ppt/slides/slide8.xml><?xml version="1.0" encoding="utf-8"?>
+<file path=ppt/slides/slide7.xml><?xml version="1.0" encoding="utf-8"?>
 <p:sld xmlns:a="http://schemas.openxmlformats.org/drawingml/2006/main" xmlns:r="http://schemas.openxmlformats.org/officeDocument/2006/relationships" xmlns:p="http://schemas.openxmlformats.org/presentationml/2006/main">
   <p:cSld>
     <p:spTree>
@@ -5673,8 +5521,8 @@
         </p:nvSpPr>
         <p:spPr>
           <a:xfrm>
-            <a:off x="1900052" y="3615438"/>
-            <a:ext cx="7444282" cy="369332"/>
+            <a:off x="1839576" y="3542867"/>
+            <a:ext cx="9222281" cy="369332"/>
           </a:xfrm>
           <a:prstGeom prst="rect">
             <a:avLst/>
@@ -5682,7 +5530,7 @@
           <a:noFill/>
         </p:spPr>
         <p:txBody>
-          <a:bodyPr wrap="none" rtlCol="0">
+          <a:bodyPr wrap="square" rtlCol="0">
             <a:spAutoFit/>
           </a:bodyPr>
           <a:lstStyle/>
@@ -5784,6 +5632,226 @@
     <p:extLst>
       <p:ext uri="{BB962C8B-B14F-4D97-AF65-F5344CB8AC3E}">
         <p14:creationId xmlns:p14="http://schemas.microsoft.com/office/powerpoint/2010/main" val="223989185"/>
+      </p:ext>
+    </p:extLst>
+  </p:cSld>
+  <p:clrMapOvr>
+    <a:masterClrMapping/>
+  </p:clrMapOvr>
+</p:sld>
+</file>
+
+<file path=ppt/slides/slide8.xml><?xml version="1.0" encoding="utf-8"?>
+<p:sld xmlns:a="http://schemas.openxmlformats.org/drawingml/2006/main" xmlns:r="http://schemas.openxmlformats.org/officeDocument/2006/relationships" xmlns:p="http://schemas.openxmlformats.org/presentationml/2006/main">
+  <p:cSld>
+    <p:spTree>
+      <p:nvGrpSpPr>
+        <p:cNvPr id="1" name=""/>
+        <p:cNvGrpSpPr/>
+        <p:nvPr/>
+      </p:nvGrpSpPr>
+      <p:grpSpPr>
+        <a:xfrm>
+          <a:off x="0" y="0"/>
+          <a:ext cx="0" cy="0"/>
+          <a:chOff x="0" y="0"/>
+          <a:chExt cx="0" cy="0"/>
+        </a:xfrm>
+      </p:grpSpPr>
+      <p:sp>
+        <p:nvSpPr>
+          <p:cNvPr id="4" name="TextBox 3">
+            <a:extLst>
+              <a:ext uri="{FF2B5EF4-FFF2-40B4-BE49-F238E27FC236}">
+                <a16:creationId xmlns:a16="http://schemas.microsoft.com/office/drawing/2014/main" id="{BD761F4D-1600-2746-3A27-BBDB56990F62}"/>
+              </a:ext>
+            </a:extLst>
+          </p:cNvPr>
+          <p:cNvSpPr txBox="1"/>
+          <p:nvPr/>
+        </p:nvSpPr>
+        <p:spPr>
+          <a:xfrm>
+            <a:off x="685771" y="484006"/>
+            <a:ext cx="5557652" cy="1754326"/>
+          </a:xfrm>
+          <a:prstGeom prst="rect">
+            <a:avLst/>
+          </a:prstGeom>
+          <a:noFill/>
+        </p:spPr>
+        <p:txBody>
+          <a:bodyPr wrap="square" rtlCol="0">
+            <a:spAutoFit/>
+          </a:bodyPr>
+          <a:lstStyle/>
+          <a:p>
+            <a:r>
+              <a:rPr lang="en-US" dirty="0"/>
+              <a:t>Create model </a:t>
+            </a:r>
+          </a:p>
+          <a:p>
+            <a:r>
+              <a:rPr lang="en-US" dirty="0"/>
+              <a:t>Create category  is object      </a:t>
+            </a:r>
+          </a:p>
+          <a:p>
+            <a:r>
+              <a:rPr lang="en-US" dirty="0"/>
+              <a:t> </a:t>
+            </a:r>
+          </a:p>
+          <a:p>
+            <a:r>
+              <a:rPr lang="en-US" dirty="0" err="1"/>
+              <a:t>def__str</a:t>
+            </a:r>
+            <a:r>
+              <a:rPr lang="en-US" dirty="0"/>
+              <a:t>__(self):</a:t>
+            </a:r>
+          </a:p>
+          <a:p>
+            <a:r>
+              <a:rPr lang="en-US" dirty="0"/>
+              <a:t>return self.name</a:t>
+            </a:r>
+          </a:p>
+          <a:p>
+            <a:endParaRPr lang="en-US" dirty="0"/>
+          </a:p>
+        </p:txBody>
+      </p:sp>
+      <p:sp>
+        <p:nvSpPr>
+          <p:cNvPr id="2" name="TextBox 1">
+            <a:extLst>
+              <a:ext uri="{FF2B5EF4-FFF2-40B4-BE49-F238E27FC236}">
+                <a16:creationId xmlns:a16="http://schemas.microsoft.com/office/drawing/2014/main" id="{10F5D8AE-CFD4-295D-95C5-C7F5E58B8C40}"/>
+              </a:ext>
+            </a:extLst>
+          </p:cNvPr>
+          <p:cNvSpPr txBox="1"/>
+          <p:nvPr/>
+        </p:nvSpPr>
+        <p:spPr>
+          <a:xfrm>
+            <a:off x="586980" y="2240159"/>
+            <a:ext cx="11147877" cy="1754326"/>
+          </a:xfrm>
+          <a:prstGeom prst="rect">
+            <a:avLst/>
+          </a:prstGeom>
+          <a:noFill/>
+        </p:spPr>
+        <p:txBody>
+          <a:bodyPr wrap="square" lIns="91440" tIns="45720" rIns="91440" bIns="45720" rtlCol="0" anchor="t">
+            <a:spAutoFit/>
+          </a:bodyPr>
+          <a:lstStyle/>
+          <a:p>
+            <a:r>
+              <a:rPr lang="en-US"/>
+              <a:t>1.How to upload  </a:t>
+            </a:r>
+            <a:r>
+              <a:rPr lang="en-US" dirty="0">
+                <a:hlinkClick r:id="rId2"/>
+              </a:rPr>
+              <a:t>picture to </a:t>
+            </a:r>
+            <a:r>
+              <a:rPr lang="en-US" dirty="0" err="1">
+                <a:hlinkClick r:id="rId2"/>
+              </a:rPr>
+              <a:t>django</a:t>
+            </a:r>
+            <a:endParaRPr lang="en-US">
+              <a:ea typeface="Calibri"/>
+              <a:cs typeface="Calibri"/>
+              <a:hlinkClick r:id="" action="ppaction://noaction"/>
+            </a:endParaRPr>
+          </a:p>
+          <a:p>
+            <a:r>
+              <a:rPr lang="en-US">
+                <a:ea typeface="Calibri" panose="020F0502020204030204"/>
+                <a:cs typeface="Calibri" panose="020F0502020204030204"/>
+              </a:rPr>
+              <a:t>2.</a:t>
+            </a:r>
+            <a:r>
+              <a:rPr lang="en-US">
+                <a:ea typeface="+mn-lt"/>
+                <a:cs typeface="+mn-lt"/>
+              </a:rPr>
+              <a:t>https://www.youtube.com/@LegionScript</a:t>
+            </a:r>
+          </a:p>
+          <a:p>
+            <a:r>
+              <a:rPr lang="en-US">
+                <a:ea typeface="Calibri" panose="020F0502020204030204"/>
+                <a:cs typeface="Calibri" panose="020F0502020204030204"/>
+              </a:rPr>
+              <a:t>3.Deply static on Root directory</a:t>
+            </a:r>
+            <a:endParaRPr lang="en-US" dirty="0">
+              <a:ea typeface="Calibri" panose="020F0502020204030204"/>
+              <a:cs typeface="Calibri" panose="020F0502020204030204"/>
+            </a:endParaRPr>
+          </a:p>
+          <a:p>
+            <a:r>
+              <a:rPr lang="en-US">
+                <a:ea typeface="Calibri" panose="020F0502020204030204"/>
+                <a:cs typeface="Calibri" panose="020F0502020204030204"/>
+              </a:rPr>
+              <a:t>4.Deploy Project on Project Folder</a:t>
+            </a:r>
+          </a:p>
+          <a:p>
+            <a:r>
+              <a:rPr lang="en-US">
+                <a:ea typeface="Calibri" panose="020F0502020204030204"/>
+                <a:cs typeface="Calibri" panose="020F0502020204030204"/>
+              </a:rPr>
+              <a:t>5. Lung upload image  ==&gt; </a:t>
+            </a:r>
+            <a:r>
+              <a:rPr lang="en-US" dirty="0">
+                <a:ea typeface="+mn-lt"/>
+                <a:cs typeface="+mn-lt"/>
+                <a:hlinkClick r:id="rId3"/>
+              </a:rPr>
+              <a:t>https://www.youtube.com/watch?v=rRVWQCpZ_CI&amp;t=15214s</a:t>
+            </a:r>
+            <a:endParaRPr lang="en-US" dirty="0">
+              <a:ea typeface="+mn-lt"/>
+              <a:cs typeface="+mn-lt"/>
+            </a:endParaRPr>
+          </a:p>
+          <a:p>
+            <a:r>
+              <a:rPr lang="en-US">
+                <a:ea typeface="+mn-lt"/>
+                <a:cs typeface="+mn-lt"/>
+              </a:rPr>
+              <a:t>6.How to create imapfe gallory in Django</a:t>
+            </a:r>
+            <a:endParaRPr lang="en-US" dirty="0">
+              <a:ea typeface="+mn-lt"/>
+              <a:cs typeface="+mn-lt"/>
+            </a:endParaRPr>
+          </a:p>
+        </p:txBody>
+      </p:sp>
+    </p:spTree>
+    <p:extLst>
+      <p:ext uri="{BB962C8B-B14F-4D97-AF65-F5344CB8AC3E}">
+        <p14:creationId xmlns:p14="http://schemas.microsoft.com/office/powerpoint/2010/main" val="2536727650"/>
       </p:ext>
     </p:extLst>
   </p:cSld>
@@ -5812,10 +5880,10 @@
       </p:grpSpPr>
       <p:sp>
         <p:nvSpPr>
-          <p:cNvPr id="4" name="TextBox 3">
-            <a:extLst>
-              <a:ext uri="{FF2B5EF4-FFF2-40B4-BE49-F238E27FC236}">
-                <a16:creationId xmlns:a16="http://schemas.microsoft.com/office/drawing/2014/main" id="{BD761F4D-1600-2746-3A27-BBDB56990F62}"/>
+          <p:cNvPr id="5" name="TextBox 4">
+            <a:extLst>
+              <a:ext uri="{FF2B5EF4-FFF2-40B4-BE49-F238E27FC236}">
+                <a16:creationId xmlns:a16="http://schemas.microsoft.com/office/drawing/2014/main" id="{CD0B0C3D-CF59-D902-AEDA-1A5A6C1FB96E}"/>
               </a:ext>
             </a:extLst>
           </p:cNvPr>
@@ -5824,8 +5892,8 @@
         </p:nvSpPr>
         <p:spPr>
           <a:xfrm>
-            <a:off x="685771" y="484006"/>
-            <a:ext cx="5557652" cy="1754326"/>
+            <a:off x="349869" y="735932"/>
+            <a:ext cx="5557652" cy="2862322"/>
           </a:xfrm>
           <a:prstGeom prst="rect">
             <a:avLst/>
@@ -5840,8 +5908,46 @@
           <a:p>
             <a:r>
               <a:rPr lang="en-US" dirty="0"/>
-              <a:t>Create model </a:t>
-            </a:r>
+              <a:t>Class Meta:</a:t>
+            </a:r>
+          </a:p>
+          <a:p>
+            <a:r>
+              <a:rPr lang="en-US" dirty="0"/>
+              <a:t>Ordering = “ name”</a:t>
+            </a:r>
+          </a:p>
+          <a:p>
+            <a:r>
+              <a:rPr lang="en-US" dirty="0" err="1"/>
+              <a:t>verbose_name</a:t>
+            </a:r>
+            <a:r>
+              <a:rPr lang="en-US" dirty="0"/>
+              <a:t> = “</a:t>
+            </a:r>
+            <a:r>
+              <a:rPr lang="th-TH" dirty="0"/>
+              <a:t>หวดหมู่.</a:t>
+            </a:r>
+            <a:endParaRPr lang="en-US" dirty="0"/>
+          </a:p>
+          <a:p>
+            <a:r>
+              <a:rPr lang="en-US" dirty="0" err="1"/>
+              <a:t>Verbose_name_plural</a:t>
+            </a:r>
+            <a:r>
+              <a:rPr lang="en-US" dirty="0"/>
+              <a:t> = </a:t>
+            </a:r>
+            <a:r>
+              <a:rPr lang="th-TH" dirty="0"/>
+              <a:t>ประเภทสินค้า</a:t>
+            </a:r>
+          </a:p>
+          <a:p>
+            <a:endParaRPr lang="en-US" dirty="0"/>
           </a:p>
           <a:p>
             <a:r>
@@ -5876,134 +5982,40 @@
           </a:p>
         </p:txBody>
       </p:sp>
-      <p:sp>
-        <p:nvSpPr>
-          <p:cNvPr id="2" name="TextBox 1">
-            <a:extLst>
-              <a:ext uri="{FF2B5EF4-FFF2-40B4-BE49-F238E27FC236}">
-                <a16:creationId xmlns:a16="http://schemas.microsoft.com/office/drawing/2014/main" id="{10F5D8AE-CFD4-295D-95C5-C7F5E58B8C40}"/>
-              </a:ext>
-            </a:extLst>
-          </p:cNvPr>
-          <p:cNvSpPr txBox="1"/>
+      <p:pic>
+        <p:nvPicPr>
+          <p:cNvPr id="7" name="Picture 6">
+            <a:extLst>
+              <a:ext uri="{FF2B5EF4-FFF2-40B4-BE49-F238E27FC236}">
+                <a16:creationId xmlns:a16="http://schemas.microsoft.com/office/drawing/2014/main" id="{257AAA5F-B286-DC04-B307-BA45AF295DE2}"/>
+              </a:ext>
+            </a:extLst>
+          </p:cNvPr>
+          <p:cNvPicPr>
+            <a:picLocks noChangeAspect="1"/>
+          </p:cNvPicPr>
           <p:nvPr/>
-        </p:nvSpPr>
+        </p:nvPicPr>
+        <p:blipFill>
+          <a:blip r:embed="rId2"/>
+          <a:stretch>
+            <a:fillRect/>
+          </a:stretch>
+        </p:blipFill>
         <p:spPr>
           <a:xfrm>
-            <a:off x="586980" y="2240159"/>
-            <a:ext cx="11147877" cy="1754326"/>
+            <a:off x="4482532" y="337376"/>
+            <a:ext cx="6287377" cy="3943900"/>
           </a:xfrm>
           <a:prstGeom prst="rect">
             <a:avLst/>
           </a:prstGeom>
-          <a:noFill/>
         </p:spPr>
-        <p:txBody>
-          <a:bodyPr wrap="square" lIns="91440" tIns="45720" rIns="91440" bIns="45720" rtlCol="0" anchor="t">
-            <a:spAutoFit/>
-          </a:bodyPr>
-          <a:lstStyle/>
-          <a:p>
-            <a:r>
-              <a:rPr lang="en-US"/>
-              <a:t>1.How to upload  </a:t>
-            </a:r>
-            <a:r>
-              <a:rPr lang="en-US" dirty="0">
-                <a:hlinkClick r:id="rId2"/>
-              </a:rPr>
-              <a:t>picture to </a:t>
-            </a:r>
-            <a:r>
-              <a:rPr lang="en-US" dirty="0" err="1">
-                <a:hlinkClick r:id="rId2"/>
-              </a:rPr>
-              <a:t>django</a:t>
-            </a:r>
-            <a:endParaRPr lang="en-US">
-              <a:ea typeface="Calibri"/>
-              <a:cs typeface="Calibri"/>
-              <a:hlinkClick r:id="" action="ppaction://noaction"/>
-            </a:endParaRPr>
-          </a:p>
-          <a:p>
-            <a:r>
-              <a:rPr lang="en-US">
-                <a:ea typeface="Calibri" panose="020F0502020204030204"/>
-                <a:cs typeface="Calibri" panose="020F0502020204030204"/>
-              </a:rPr>
-              <a:t>2.</a:t>
-            </a:r>
-            <a:r>
-              <a:rPr lang="en-US">
-                <a:ea typeface="+mn-lt"/>
-                <a:cs typeface="+mn-lt"/>
-              </a:rPr>
-              <a:t>https://www.youtube.com/@LegionScript</a:t>
-            </a:r>
-          </a:p>
-          <a:p>
-            <a:r>
-              <a:rPr lang="en-US">
-                <a:ea typeface="Calibri" panose="020F0502020204030204"/>
-                <a:cs typeface="Calibri" panose="020F0502020204030204"/>
-              </a:rPr>
-              <a:t>3.Deply static on Root directory</a:t>
-            </a:r>
-            <a:endParaRPr lang="en-US" dirty="0">
-              <a:ea typeface="Calibri" panose="020F0502020204030204"/>
-              <a:cs typeface="Calibri" panose="020F0502020204030204"/>
-            </a:endParaRPr>
-          </a:p>
-          <a:p>
-            <a:r>
-              <a:rPr lang="en-US">
-                <a:ea typeface="Calibri" panose="020F0502020204030204"/>
-                <a:cs typeface="Calibri" panose="020F0502020204030204"/>
-              </a:rPr>
-              <a:t>4.Deploy Project on Project Folder</a:t>
-            </a:r>
-          </a:p>
-          <a:p>
-            <a:r>
-              <a:rPr lang="en-US">
-                <a:ea typeface="Calibri" panose="020F0502020204030204"/>
-                <a:cs typeface="Calibri" panose="020F0502020204030204"/>
-              </a:rPr>
-              <a:t>5. Lung upload image  ==&gt; </a:t>
-            </a:r>
-            <a:r>
-              <a:rPr lang="en-US" dirty="0">
-                <a:ea typeface="+mn-lt"/>
-                <a:cs typeface="+mn-lt"/>
-                <a:hlinkClick r:id="rId3"/>
-              </a:rPr>
-              <a:t>https://www.youtube.com/watch?v=rRVWQCpZ_CI&amp;t=15214s</a:t>
-            </a:r>
-            <a:endParaRPr lang="en-US" dirty="0">
-              <a:ea typeface="+mn-lt"/>
-              <a:cs typeface="+mn-lt"/>
-            </a:endParaRPr>
-          </a:p>
-          <a:p>
-            <a:r>
-              <a:rPr lang="en-US">
-                <a:ea typeface="+mn-lt"/>
-                <a:cs typeface="+mn-lt"/>
-              </a:rPr>
-              <a:t>6.How to create imapfe gallory in Django</a:t>
-            </a:r>
-            <a:endParaRPr lang="en-US" dirty="0">
-              <a:ea typeface="+mn-lt"/>
-              <a:cs typeface="+mn-lt"/>
-            </a:endParaRPr>
-          </a:p>
-        </p:txBody>
-      </p:sp>
+      </p:pic>
     </p:spTree>
     <p:extLst>
       <p:ext uri="{BB962C8B-B14F-4D97-AF65-F5344CB8AC3E}">
-        <p14:creationId xmlns:p14="http://schemas.microsoft.com/office/powerpoint/2010/main" val="2536727650"/>
+        <p14:creationId xmlns:p14="http://schemas.microsoft.com/office/powerpoint/2010/main" val="1315911783"/>
       </p:ext>
     </p:extLst>
   </p:cSld>

--- a/MEMO Djano Ecommerce_24.pptx
+++ b/MEMO Djano Ecommerce_24.pptx
@@ -12,13 +12,13 @@
     <p:sldId id="260" r:id="rId6"/>
     <p:sldId id="263" r:id="rId7"/>
     <p:sldId id="262" r:id="rId8"/>
-    <p:sldId id="264" r:id="rId9"/>
-    <p:sldId id="265" r:id="rId10"/>
-    <p:sldId id="266" r:id="rId11"/>
-    <p:sldId id="267" r:id="rId12"/>
-    <p:sldId id="268" r:id="rId13"/>
-    <p:sldId id="269" r:id="rId14"/>
-    <p:sldId id="270" r:id="rId15"/>
+    <p:sldId id="270" r:id="rId9"/>
+    <p:sldId id="264" r:id="rId10"/>
+    <p:sldId id="265" r:id="rId11"/>
+    <p:sldId id="266" r:id="rId12"/>
+    <p:sldId id="267" r:id="rId13"/>
+    <p:sldId id="268" r:id="rId14"/>
+    <p:sldId id="269" r:id="rId15"/>
     <p:sldId id="271" r:id="rId16"/>
     <p:sldId id="272" r:id="rId17"/>
     <p:sldId id="273" r:id="rId18"/>
@@ -133,6 +133,7 @@
 <file path=ppt/revisionInfo.xml><?xml version="1.0" encoding="utf-8"?>
 <p1510:revInfo xmlns:a="http://schemas.openxmlformats.org/drawingml/2006/main" xmlns:r="http://schemas.openxmlformats.org/officeDocument/2006/relationships" xmlns:p1510="http://schemas.microsoft.com/office/powerpoint/2015/10/main">
   <p1510:revLst>
+    <p1510:client id="{2C6B47EC-A955-4574-B7B1-34530E36E55D}" v="44" dt="2024-08-20T16:39:00.581"/>
     <p1510:client id="{3EC2A9FC-BFF3-4CD7-BAA1-F15B746C35B7}" v="11" dt="2024-08-20T09:37:10.633"/>
   </p1510:revLst>
 </p1510:revInfo>
@@ -221,6 +222,76 @@
             <pc:docMk/>
             <pc:sldMk cId="3328742174" sldId="267"/>
             <ac:picMk id="4" creationId="{8DDE31EA-7DC1-E21A-69EC-ABE8F1DA9238}"/>
+          </ac:picMkLst>
+        </pc:picChg>
+      </pc:sldChg>
+    </pc:docChg>
+  </pc:docChgLst>
+  <pc:docChgLst>
+    <pc:chgData name="witaya chaison" userId="aafc0013979b2c41" providerId="Windows Live" clId="Web-{2C6B47EC-A955-4574-B7B1-34530E36E55D}"/>
+    <pc:docChg chg="modSld sldOrd">
+      <pc:chgData name="witaya chaison" userId="aafc0013979b2c41" providerId="Windows Live" clId="Web-{2C6B47EC-A955-4574-B7B1-34530E36E55D}" dt="2024-08-20T16:39:00.581" v="25" actId="14100"/>
+      <pc:docMkLst>
+        <pc:docMk/>
+      </pc:docMkLst>
+      <pc:sldChg chg="addSp modSp">
+        <pc:chgData name="witaya chaison" userId="aafc0013979b2c41" providerId="Windows Live" clId="Web-{2C6B47EC-A955-4574-B7B1-34530E36E55D}" dt="2024-08-20T16:31:05.190" v="11" actId="20577"/>
+        <pc:sldMkLst>
+          <pc:docMk/>
+          <pc:sldMk cId="2684601" sldId="259"/>
+        </pc:sldMkLst>
+        <pc:spChg chg="add mod">
+          <ac:chgData name="witaya chaison" userId="aafc0013979b2c41" providerId="Windows Live" clId="Web-{2C6B47EC-A955-4574-B7B1-34530E36E55D}" dt="2024-08-20T16:31:05.190" v="11" actId="20577"/>
+          <ac:spMkLst>
+            <pc:docMk/>
+            <pc:sldMk cId="2684601" sldId="259"/>
+            <ac:spMk id="2" creationId="{83E47032-F997-3C7E-0461-265E5C57FF92}"/>
+          </ac:spMkLst>
+        </pc:spChg>
+      </pc:sldChg>
+      <pc:sldChg chg="modSp">
+        <pc:chgData name="witaya chaison" userId="aafc0013979b2c41" providerId="Windows Live" clId="Web-{2C6B47EC-A955-4574-B7B1-34530E36E55D}" dt="2024-08-20T16:31:55.239" v="16" actId="20577"/>
+        <pc:sldMkLst>
+          <pc:docMk/>
+          <pc:sldMk cId="223989185" sldId="262"/>
+        </pc:sldMkLst>
+        <pc:spChg chg="mod">
+          <ac:chgData name="witaya chaison" userId="aafc0013979b2c41" providerId="Windows Live" clId="Web-{2C6B47EC-A955-4574-B7B1-34530E36E55D}" dt="2024-08-20T16:31:55.239" v="16" actId="20577"/>
+          <ac:spMkLst>
+            <pc:docMk/>
+            <pc:sldMk cId="223989185" sldId="262"/>
+            <ac:spMk id="3" creationId="{ACEF19F3-BDCA-0F72-D1AA-3A159783AE9C}"/>
+          </ac:spMkLst>
+        </pc:spChg>
+      </pc:sldChg>
+      <pc:sldChg chg="addSp delSp modSp ord">
+        <pc:chgData name="witaya chaison" userId="aafc0013979b2c41" providerId="Windows Live" clId="Web-{2C6B47EC-A955-4574-B7B1-34530E36E55D}" dt="2024-08-20T16:39:00.581" v="25" actId="14100"/>
+        <pc:sldMkLst>
+          <pc:docMk/>
+          <pc:sldMk cId="431206179" sldId="270"/>
+        </pc:sldMkLst>
+        <pc:spChg chg="del">
+          <ac:chgData name="witaya chaison" userId="aafc0013979b2c41" providerId="Windows Live" clId="Web-{2C6B47EC-A955-4574-B7B1-34530E36E55D}" dt="2024-08-20T16:38:44.815" v="18"/>
+          <ac:spMkLst>
+            <pc:docMk/>
+            <pc:sldMk cId="431206179" sldId="270"/>
+            <ac:spMk id="2" creationId="{45993EAF-3647-527F-4D68-F47FEB858C29}"/>
+          </ac:spMkLst>
+        </pc:spChg>
+        <pc:spChg chg="del mod">
+          <ac:chgData name="witaya chaison" userId="aafc0013979b2c41" providerId="Windows Live" clId="Web-{2C6B47EC-A955-4574-B7B1-34530E36E55D}" dt="2024-08-20T16:38:49.644" v="20"/>
+          <ac:spMkLst>
+            <pc:docMk/>
+            <pc:sldMk cId="431206179" sldId="270"/>
+            <ac:spMk id="3" creationId="{1243A7DD-5E2A-7C36-1DE5-24BBC7A28C66}"/>
+          </ac:spMkLst>
+        </pc:spChg>
+        <pc:picChg chg="add mod">
+          <ac:chgData name="witaya chaison" userId="aafc0013979b2c41" providerId="Windows Live" clId="Web-{2C6B47EC-A955-4574-B7B1-34530E36E55D}" dt="2024-08-20T16:39:00.581" v="25" actId="14100"/>
+          <ac:picMkLst>
+            <pc:docMk/>
+            <pc:sldMk cId="431206179" sldId="270"/>
+            <ac:picMk id="4" creationId="{98156E47-B942-5F53-D85E-69EE93DD6CAF}"/>
           </ac:picMkLst>
         </pc:picChg>
       </pc:sldChg>
@@ -3827,6 +3898,170 @@
           <a:chExt cx="0" cy="0"/>
         </a:xfrm>
       </p:grpSpPr>
+      <p:sp>
+        <p:nvSpPr>
+          <p:cNvPr id="5" name="TextBox 4">
+            <a:extLst>
+              <a:ext uri="{FF2B5EF4-FFF2-40B4-BE49-F238E27FC236}">
+                <a16:creationId xmlns:a16="http://schemas.microsoft.com/office/drawing/2014/main" id="{CD0B0C3D-CF59-D902-AEDA-1A5A6C1FB96E}"/>
+              </a:ext>
+            </a:extLst>
+          </p:cNvPr>
+          <p:cNvSpPr txBox="1"/>
+          <p:nvPr/>
+        </p:nvSpPr>
+        <p:spPr>
+          <a:xfrm>
+            <a:off x="349869" y="735932"/>
+            <a:ext cx="5557652" cy="2862322"/>
+          </a:xfrm>
+          <a:prstGeom prst="rect">
+            <a:avLst/>
+          </a:prstGeom>
+          <a:noFill/>
+        </p:spPr>
+        <p:txBody>
+          <a:bodyPr wrap="square" rtlCol="0">
+            <a:spAutoFit/>
+          </a:bodyPr>
+          <a:lstStyle/>
+          <a:p>
+            <a:r>
+              <a:rPr lang="en-US" dirty="0"/>
+              <a:t>Class Meta:</a:t>
+            </a:r>
+          </a:p>
+          <a:p>
+            <a:r>
+              <a:rPr lang="en-US" dirty="0"/>
+              <a:t>Ordering = “ name”</a:t>
+            </a:r>
+          </a:p>
+          <a:p>
+            <a:r>
+              <a:rPr lang="en-US" dirty="0" err="1"/>
+              <a:t>verbose_name</a:t>
+            </a:r>
+            <a:r>
+              <a:rPr lang="en-US" dirty="0"/>
+              <a:t> = “</a:t>
+            </a:r>
+            <a:r>
+              <a:rPr lang="th-TH" dirty="0"/>
+              <a:t>หวดหมู่.</a:t>
+            </a:r>
+            <a:endParaRPr lang="en-US" dirty="0"/>
+          </a:p>
+          <a:p>
+            <a:r>
+              <a:rPr lang="en-US" dirty="0" err="1"/>
+              <a:t>Verbose_name_plural</a:t>
+            </a:r>
+            <a:r>
+              <a:rPr lang="en-US" dirty="0"/>
+              <a:t> = </a:t>
+            </a:r>
+            <a:r>
+              <a:rPr lang="th-TH" dirty="0"/>
+              <a:t>ประเภทสินค้า</a:t>
+            </a:r>
+          </a:p>
+          <a:p>
+            <a:endParaRPr lang="en-US" dirty="0"/>
+          </a:p>
+          <a:p>
+            <a:r>
+              <a:rPr lang="en-US" dirty="0"/>
+              <a:t>Create category  is object      </a:t>
+            </a:r>
+          </a:p>
+          <a:p>
+            <a:r>
+              <a:rPr lang="en-US" dirty="0"/>
+              <a:t> </a:t>
+            </a:r>
+          </a:p>
+          <a:p>
+            <a:r>
+              <a:rPr lang="en-US" dirty="0" err="1"/>
+              <a:t>def__str</a:t>
+            </a:r>
+            <a:r>
+              <a:rPr lang="en-US" dirty="0"/>
+              <a:t>__(self):</a:t>
+            </a:r>
+          </a:p>
+          <a:p>
+            <a:r>
+              <a:rPr lang="en-US" dirty="0"/>
+              <a:t>return self.name</a:t>
+            </a:r>
+          </a:p>
+          <a:p>
+            <a:endParaRPr lang="en-US" dirty="0"/>
+          </a:p>
+        </p:txBody>
+      </p:sp>
+      <p:pic>
+        <p:nvPicPr>
+          <p:cNvPr id="7" name="Picture 6">
+            <a:extLst>
+              <a:ext uri="{FF2B5EF4-FFF2-40B4-BE49-F238E27FC236}">
+                <a16:creationId xmlns:a16="http://schemas.microsoft.com/office/drawing/2014/main" id="{257AAA5F-B286-DC04-B307-BA45AF295DE2}"/>
+              </a:ext>
+            </a:extLst>
+          </p:cNvPr>
+          <p:cNvPicPr>
+            <a:picLocks noChangeAspect="1"/>
+          </p:cNvPicPr>
+          <p:nvPr/>
+        </p:nvPicPr>
+        <p:blipFill>
+          <a:blip r:embed="rId2"/>
+          <a:stretch>
+            <a:fillRect/>
+          </a:stretch>
+        </p:blipFill>
+        <p:spPr>
+          <a:xfrm>
+            <a:off x="4482532" y="337376"/>
+            <a:ext cx="6287377" cy="3943900"/>
+          </a:xfrm>
+          <a:prstGeom prst="rect">
+            <a:avLst/>
+          </a:prstGeom>
+        </p:spPr>
+      </p:pic>
+    </p:spTree>
+    <p:extLst>
+      <p:ext uri="{BB962C8B-B14F-4D97-AF65-F5344CB8AC3E}">
+        <p14:creationId xmlns:p14="http://schemas.microsoft.com/office/powerpoint/2010/main" val="1315911783"/>
+      </p:ext>
+    </p:extLst>
+  </p:cSld>
+  <p:clrMapOvr>
+    <a:masterClrMapping/>
+  </p:clrMapOvr>
+</p:sld>
+</file>
+
+<file path=ppt/slides/slide11.xml><?xml version="1.0" encoding="utf-8"?>
+<p:sld xmlns:a="http://schemas.openxmlformats.org/drawingml/2006/main" xmlns:r="http://schemas.openxmlformats.org/officeDocument/2006/relationships" xmlns:p="http://schemas.openxmlformats.org/presentationml/2006/main">
+  <p:cSld>
+    <p:spTree>
+      <p:nvGrpSpPr>
+        <p:cNvPr id="1" name=""/>
+        <p:cNvGrpSpPr/>
+        <p:nvPr/>
+      </p:nvGrpSpPr>
+      <p:grpSpPr>
+        <a:xfrm>
+          <a:off x="0" y="0"/>
+          <a:ext cx="0" cy="0"/>
+          <a:chOff x="0" y="0"/>
+          <a:chExt cx="0" cy="0"/>
+        </a:xfrm>
+      </p:grpSpPr>
       <p:pic>
         <p:nvPicPr>
           <p:cNvPr id="5" name="Picture 4">
@@ -4118,7 +4353,7 @@
 </p:sld>
 </file>
 
-<file path=ppt/slides/slide11.xml><?xml version="1.0" encoding="utf-8"?>
+<file path=ppt/slides/slide12.xml><?xml version="1.0" encoding="utf-8"?>
 <p:sld xmlns:a="http://schemas.openxmlformats.org/drawingml/2006/main" xmlns:r="http://schemas.openxmlformats.org/officeDocument/2006/relationships" xmlns:p="http://schemas.openxmlformats.org/presentationml/2006/main">
   <p:cSld>
     <p:spTree>
@@ -4260,7 +4495,7 @@
 </p:sld>
 </file>
 
-<file path=ppt/slides/slide12.xml><?xml version="1.0" encoding="utf-8"?>
+<file path=ppt/slides/slide13.xml><?xml version="1.0" encoding="utf-8"?>
 <p:sld xmlns:a="http://schemas.openxmlformats.org/drawingml/2006/main" xmlns:r="http://schemas.openxmlformats.org/officeDocument/2006/relationships" xmlns:p="http://schemas.openxmlformats.org/presentationml/2006/main">
   <p:cSld>
     <p:spTree>
@@ -4355,86 +4590,6 @@
 </p:sld>
 </file>
 
-<file path=ppt/slides/slide13.xml><?xml version="1.0" encoding="utf-8"?>
-<p:sld xmlns:a="http://schemas.openxmlformats.org/drawingml/2006/main" xmlns:r="http://schemas.openxmlformats.org/officeDocument/2006/relationships" xmlns:p="http://schemas.openxmlformats.org/presentationml/2006/main">
-  <p:cSld>
-    <p:spTree>
-      <p:nvGrpSpPr>
-        <p:cNvPr id="1" name=""/>
-        <p:cNvGrpSpPr/>
-        <p:nvPr/>
-      </p:nvGrpSpPr>
-      <p:grpSpPr>
-        <a:xfrm>
-          <a:off x="0" y="0"/>
-          <a:ext cx="0" cy="0"/>
-          <a:chOff x="0" y="0"/>
-          <a:chExt cx="0" cy="0"/>
-        </a:xfrm>
-      </p:grpSpPr>
-      <p:sp>
-        <p:nvSpPr>
-          <p:cNvPr id="2" name="Title 1">
-            <a:extLst>
-              <a:ext uri="{FF2B5EF4-FFF2-40B4-BE49-F238E27FC236}">
-                <a16:creationId xmlns:a16="http://schemas.microsoft.com/office/drawing/2014/main" id="{45993EAF-3647-527F-4D68-F47FEB858C29}"/>
-              </a:ext>
-            </a:extLst>
-          </p:cNvPr>
-          <p:cNvSpPr>
-            <a:spLocks noGrp="1"/>
-          </p:cNvSpPr>
-          <p:nvPr>
-            <p:ph type="title"/>
-          </p:nvPr>
-        </p:nvSpPr>
-        <p:spPr/>
-        <p:txBody>
-          <a:bodyPr/>
-          <a:lstStyle/>
-          <a:p>
-            <a:endParaRPr lang="en-US"/>
-          </a:p>
-        </p:txBody>
-      </p:sp>
-      <p:sp>
-        <p:nvSpPr>
-          <p:cNvPr id="3" name="Content Placeholder 2">
-            <a:extLst>
-              <a:ext uri="{FF2B5EF4-FFF2-40B4-BE49-F238E27FC236}">
-                <a16:creationId xmlns:a16="http://schemas.microsoft.com/office/drawing/2014/main" id="{1243A7DD-5E2A-7C36-1DE5-24BBC7A28C66}"/>
-              </a:ext>
-            </a:extLst>
-          </p:cNvPr>
-          <p:cNvSpPr>
-            <a:spLocks noGrp="1"/>
-          </p:cNvSpPr>
-          <p:nvPr>
-            <p:ph idx="1"/>
-          </p:nvPr>
-        </p:nvSpPr>
-        <p:spPr/>
-        <p:txBody>
-          <a:bodyPr/>
-          <a:lstStyle/>
-          <a:p>
-            <a:endParaRPr lang="en-US"/>
-          </a:p>
-        </p:txBody>
-      </p:sp>
-    </p:spTree>
-    <p:extLst>
-      <p:ext uri="{BB962C8B-B14F-4D97-AF65-F5344CB8AC3E}">
-        <p14:creationId xmlns:p14="http://schemas.microsoft.com/office/powerpoint/2010/main" val="2350075902"/>
-      </p:ext>
-    </p:extLst>
-  </p:cSld>
-  <p:clrMapOvr>
-    <a:masterClrMapping/>
-  </p:clrMapOvr>
-</p:sld>
-</file>
-
 <file path=ppt/slides/slide14.xml><?xml version="1.0" encoding="utf-8"?>
 <p:sld xmlns:a="http://schemas.openxmlformats.org/drawingml/2006/main" xmlns:r="http://schemas.openxmlformats.org/officeDocument/2006/relationships" xmlns:p="http://schemas.openxmlformats.org/presentationml/2006/main">
   <p:cSld>
@@ -4505,7 +4660,7 @@
     </p:spTree>
     <p:extLst>
       <p:ext uri="{BB962C8B-B14F-4D97-AF65-F5344CB8AC3E}">
-        <p14:creationId xmlns:p14="http://schemas.microsoft.com/office/powerpoint/2010/main" val="431206179"/>
+        <p14:creationId xmlns:p14="http://schemas.microsoft.com/office/powerpoint/2010/main" val="2350075902"/>
       </p:ext>
     </p:extLst>
   </p:cSld>
@@ -5022,6 +5177,83 @@
           </a:prstGeom>
         </p:spPr>
       </p:pic>
+      <p:sp>
+        <p:nvSpPr>
+          <p:cNvPr id="2" name="กล่องข้อความ 1">
+            <a:extLst>
+              <a:ext uri="{FF2B5EF4-FFF2-40B4-BE49-F238E27FC236}">
+                <a16:creationId xmlns:a16="http://schemas.microsoft.com/office/drawing/2014/main" id="{83E47032-F997-3C7E-0461-265E5C57FF92}"/>
+              </a:ext>
+            </a:extLst>
+          </p:cNvPr>
+          <p:cNvSpPr txBox="1"/>
+          <p:nvPr/>
+        </p:nvSpPr>
+        <p:spPr>
+          <a:xfrm>
+            <a:off x="2275561" y="5981178"/>
+            <a:ext cx="2743199" cy="369332"/>
+          </a:xfrm>
+          <a:prstGeom prst="rect">
+            <a:avLst/>
+          </a:prstGeom>
+          <a:noFill/>
+        </p:spPr>
+        <p:txBody>
+          <a:bodyPr rot="0" spcFirstLastPara="0" vertOverflow="overflow" horzOverflow="overflow" vert="horz" wrap="square" lIns="91440" tIns="45720" rIns="91440" bIns="45720" numCol="1" spcCol="0" rtlCol="0" fromWordArt="0" anchor="t" anchorCtr="0" forceAA="0" compatLnSpc="1">
+            <a:prstTxWarp prst="textNoShape">
+              <a:avLst/>
+            </a:prstTxWarp>
+            <a:spAutoFit/>
+          </a:bodyPr>
+          <a:lstStyle/>
+          <a:p>
+            <a:r>
+              <a:rPr lang="th-TH" dirty="0" err="1">
+                <a:ea typeface="Calibri"/>
+                <a:cs typeface="Cordia New"/>
+              </a:rPr>
+              <a:t>Database</a:t>
+            </a:r>
+            <a:r>
+              <a:rPr lang="th-TH" dirty="0">
+                <a:ea typeface="Calibri"/>
+                <a:cs typeface="Cordia New"/>
+              </a:rPr>
+              <a:t> </a:t>
+            </a:r>
+            <a:r>
+              <a:rPr lang="th-TH" dirty="0" err="1">
+                <a:ea typeface="Calibri"/>
+                <a:cs typeface="Cordia New"/>
+              </a:rPr>
+              <a:t>is</a:t>
+            </a:r>
+            <a:r>
+              <a:rPr lang="th-TH" dirty="0">
+                <a:ea typeface="Calibri"/>
+                <a:cs typeface="Cordia New"/>
+              </a:rPr>
+              <a:t>  </a:t>
+            </a:r>
+            <a:r>
+              <a:rPr lang="th-TH" dirty="0" err="1">
+                <a:ea typeface="Calibri"/>
+                <a:cs typeface="Cordia New"/>
+              </a:rPr>
+              <a:t>chaison</a:t>
+            </a:r>
+            <a:r>
+              <a:rPr lang="th-TH" dirty="0">
+                <a:ea typeface="Calibri"/>
+                <a:cs typeface="Cordia New"/>
+              </a:rPr>
+              <a:t>   </a:t>
+            </a:r>
+            <a:endParaRPr lang="th-TH" dirty="0"/>
+          </a:p>
+        </p:txBody>
+      </p:sp>
     </p:spTree>
     <p:extLst>
       <p:ext uri="{BB962C8B-B14F-4D97-AF65-F5344CB8AC3E}">
@@ -5530,14 +5762,22 @@
           <a:noFill/>
         </p:spPr>
         <p:txBody>
-          <a:bodyPr wrap="square" rtlCol="0">
+          <a:bodyPr wrap="square" lIns="91440" tIns="45720" rIns="91440" bIns="45720" rtlCol="0" anchor="t">
             <a:spAutoFit/>
           </a:bodyPr>
           <a:lstStyle/>
           <a:p>
             <a:r>
+              <a:rPr lang="en-US" b="1" dirty="0">
+                <a:highlight>
+                  <a:srgbClr val="FFFF00"/>
+                </a:highlight>
+              </a:rPr>
+              <a:t>Declare template</a:t>
+            </a:r>
+            <a:r>
               <a:rPr lang="en-US" dirty="0"/>
-              <a:t>Declare template   [</a:t>
+              <a:t>   [</a:t>
             </a:r>
             <a:r>
               <a:rPr lang="en-US" dirty="0" err="1"/>
@@ -5553,7 +5793,11 @@
             </a:r>
             <a:r>
               <a:rPr lang="en-US" dirty="0"/>
-              <a:t>’]  and register app store</a:t>
+              <a:t>’]  and register app  store  in </a:t>
+            </a:r>
+            <a:r>
+              <a:rPr lang="en-US" dirty="0" err="1"/>
+              <a:t>paa</a:t>
             </a:r>
           </a:p>
         </p:txBody>
@@ -5658,200 +5902,40 @@
           <a:chExt cx="0" cy="0"/>
         </a:xfrm>
       </p:grpSpPr>
-      <p:sp>
-        <p:nvSpPr>
-          <p:cNvPr id="4" name="TextBox 3">
-            <a:extLst>
-              <a:ext uri="{FF2B5EF4-FFF2-40B4-BE49-F238E27FC236}">
-                <a16:creationId xmlns:a16="http://schemas.microsoft.com/office/drawing/2014/main" id="{BD761F4D-1600-2746-3A27-BBDB56990F62}"/>
-              </a:ext>
-            </a:extLst>
-          </p:cNvPr>
-          <p:cNvSpPr txBox="1"/>
+      <p:pic>
+        <p:nvPicPr>
+          <p:cNvPr id="4" name="รูปภาพ 3" descr="รูปภาพประกอบด้วย ข้อความ, ภาพหน้าจอ, ซอฟต์แวร์, ซอฟต์แวร์มัลติมีเดีย&#10;&#10;คำอธิบายจะถูกสร้างขึ้นโดยอัตโนมัติ">
+            <a:extLst>
+              <a:ext uri="{FF2B5EF4-FFF2-40B4-BE49-F238E27FC236}">
+                <a16:creationId xmlns:a16="http://schemas.microsoft.com/office/drawing/2014/main" id="{98156E47-B942-5F53-D85E-69EE93DD6CAF}"/>
+              </a:ext>
+            </a:extLst>
+          </p:cNvPr>
+          <p:cNvPicPr>
+            <a:picLocks noChangeAspect="1"/>
+          </p:cNvPicPr>
           <p:nvPr/>
-        </p:nvSpPr>
+        </p:nvPicPr>
+        <p:blipFill>
+          <a:blip r:embed="rId2"/>
+          <a:stretch>
+            <a:fillRect/>
+          </a:stretch>
+        </p:blipFill>
         <p:spPr>
           <a:xfrm>
-            <a:off x="685771" y="484006"/>
-            <a:ext cx="5557652" cy="1754326"/>
+            <a:off x="615863" y="465888"/>
+            <a:ext cx="11116850" cy="5790528"/>
           </a:xfrm>
           <a:prstGeom prst="rect">
             <a:avLst/>
           </a:prstGeom>
-          <a:noFill/>
         </p:spPr>
-        <p:txBody>
-          <a:bodyPr wrap="square" rtlCol="0">
-            <a:spAutoFit/>
-          </a:bodyPr>
-          <a:lstStyle/>
-          <a:p>
-            <a:r>
-              <a:rPr lang="en-US" dirty="0"/>
-              <a:t>Create model </a:t>
-            </a:r>
-          </a:p>
-          <a:p>
-            <a:r>
-              <a:rPr lang="en-US" dirty="0"/>
-              <a:t>Create category  is object      </a:t>
-            </a:r>
-          </a:p>
-          <a:p>
-            <a:r>
-              <a:rPr lang="en-US" dirty="0"/>
-              <a:t> </a:t>
-            </a:r>
-          </a:p>
-          <a:p>
-            <a:r>
-              <a:rPr lang="en-US" dirty="0" err="1"/>
-              <a:t>def__str</a:t>
-            </a:r>
-            <a:r>
-              <a:rPr lang="en-US" dirty="0"/>
-              <a:t>__(self):</a:t>
-            </a:r>
-          </a:p>
-          <a:p>
-            <a:r>
-              <a:rPr lang="en-US" dirty="0"/>
-              <a:t>return self.name</a:t>
-            </a:r>
-          </a:p>
-          <a:p>
-            <a:endParaRPr lang="en-US" dirty="0"/>
-          </a:p>
-        </p:txBody>
-      </p:sp>
-      <p:sp>
-        <p:nvSpPr>
-          <p:cNvPr id="2" name="TextBox 1">
-            <a:extLst>
-              <a:ext uri="{FF2B5EF4-FFF2-40B4-BE49-F238E27FC236}">
-                <a16:creationId xmlns:a16="http://schemas.microsoft.com/office/drawing/2014/main" id="{10F5D8AE-CFD4-295D-95C5-C7F5E58B8C40}"/>
-              </a:ext>
-            </a:extLst>
-          </p:cNvPr>
-          <p:cNvSpPr txBox="1"/>
-          <p:nvPr/>
-        </p:nvSpPr>
-        <p:spPr>
-          <a:xfrm>
-            <a:off x="586980" y="2240159"/>
-            <a:ext cx="11147877" cy="1754326"/>
-          </a:xfrm>
-          <a:prstGeom prst="rect">
-            <a:avLst/>
-          </a:prstGeom>
-          <a:noFill/>
-        </p:spPr>
-        <p:txBody>
-          <a:bodyPr wrap="square" lIns="91440" tIns="45720" rIns="91440" bIns="45720" rtlCol="0" anchor="t">
-            <a:spAutoFit/>
-          </a:bodyPr>
-          <a:lstStyle/>
-          <a:p>
-            <a:r>
-              <a:rPr lang="en-US"/>
-              <a:t>1.How to upload  </a:t>
-            </a:r>
-            <a:r>
-              <a:rPr lang="en-US" dirty="0">
-                <a:hlinkClick r:id="rId2"/>
-              </a:rPr>
-              <a:t>picture to </a:t>
-            </a:r>
-            <a:r>
-              <a:rPr lang="en-US" dirty="0" err="1">
-                <a:hlinkClick r:id="rId2"/>
-              </a:rPr>
-              <a:t>django</a:t>
-            </a:r>
-            <a:endParaRPr lang="en-US">
-              <a:ea typeface="Calibri"/>
-              <a:cs typeface="Calibri"/>
-              <a:hlinkClick r:id="" action="ppaction://noaction"/>
-            </a:endParaRPr>
-          </a:p>
-          <a:p>
-            <a:r>
-              <a:rPr lang="en-US">
-                <a:ea typeface="Calibri" panose="020F0502020204030204"/>
-                <a:cs typeface="Calibri" panose="020F0502020204030204"/>
-              </a:rPr>
-              <a:t>2.</a:t>
-            </a:r>
-            <a:r>
-              <a:rPr lang="en-US">
-                <a:ea typeface="+mn-lt"/>
-                <a:cs typeface="+mn-lt"/>
-              </a:rPr>
-              <a:t>https://www.youtube.com/@LegionScript</a:t>
-            </a:r>
-          </a:p>
-          <a:p>
-            <a:r>
-              <a:rPr lang="en-US">
-                <a:ea typeface="Calibri" panose="020F0502020204030204"/>
-                <a:cs typeface="Calibri" panose="020F0502020204030204"/>
-              </a:rPr>
-              <a:t>3.Deply static on Root directory</a:t>
-            </a:r>
-            <a:endParaRPr lang="en-US" dirty="0">
-              <a:ea typeface="Calibri" panose="020F0502020204030204"/>
-              <a:cs typeface="Calibri" panose="020F0502020204030204"/>
-            </a:endParaRPr>
-          </a:p>
-          <a:p>
-            <a:r>
-              <a:rPr lang="en-US">
-                <a:ea typeface="Calibri" panose="020F0502020204030204"/>
-                <a:cs typeface="Calibri" panose="020F0502020204030204"/>
-              </a:rPr>
-              <a:t>4.Deploy Project on Project Folder</a:t>
-            </a:r>
-          </a:p>
-          <a:p>
-            <a:r>
-              <a:rPr lang="en-US">
-                <a:ea typeface="Calibri" panose="020F0502020204030204"/>
-                <a:cs typeface="Calibri" panose="020F0502020204030204"/>
-              </a:rPr>
-              <a:t>5. Lung upload image  ==&gt; </a:t>
-            </a:r>
-            <a:r>
-              <a:rPr lang="en-US" dirty="0">
-                <a:ea typeface="+mn-lt"/>
-                <a:cs typeface="+mn-lt"/>
-                <a:hlinkClick r:id="rId3"/>
-              </a:rPr>
-              <a:t>https://www.youtube.com/watch?v=rRVWQCpZ_CI&amp;t=15214s</a:t>
-            </a:r>
-            <a:endParaRPr lang="en-US" dirty="0">
-              <a:ea typeface="+mn-lt"/>
-              <a:cs typeface="+mn-lt"/>
-            </a:endParaRPr>
-          </a:p>
-          <a:p>
-            <a:r>
-              <a:rPr lang="en-US">
-                <a:ea typeface="+mn-lt"/>
-                <a:cs typeface="+mn-lt"/>
-              </a:rPr>
-              <a:t>6.How to create imapfe gallory in Django</a:t>
-            </a:r>
-            <a:endParaRPr lang="en-US" dirty="0">
-              <a:ea typeface="+mn-lt"/>
-              <a:cs typeface="+mn-lt"/>
-            </a:endParaRPr>
-          </a:p>
-        </p:txBody>
-      </p:sp>
+      </p:pic>
     </p:spTree>
     <p:extLst>
       <p:ext uri="{BB962C8B-B14F-4D97-AF65-F5344CB8AC3E}">
-        <p14:creationId xmlns:p14="http://schemas.microsoft.com/office/powerpoint/2010/main" val="2536727650"/>
+        <p14:creationId xmlns:p14="http://schemas.microsoft.com/office/powerpoint/2010/main" val="431206179"/>
       </p:ext>
     </p:extLst>
   </p:cSld>
@@ -5880,10 +5964,10 @@
       </p:grpSpPr>
       <p:sp>
         <p:nvSpPr>
-          <p:cNvPr id="5" name="TextBox 4">
-            <a:extLst>
-              <a:ext uri="{FF2B5EF4-FFF2-40B4-BE49-F238E27FC236}">
-                <a16:creationId xmlns:a16="http://schemas.microsoft.com/office/drawing/2014/main" id="{CD0B0C3D-CF59-D902-AEDA-1A5A6C1FB96E}"/>
+          <p:cNvPr id="4" name="TextBox 3">
+            <a:extLst>
+              <a:ext uri="{FF2B5EF4-FFF2-40B4-BE49-F238E27FC236}">
+                <a16:creationId xmlns:a16="http://schemas.microsoft.com/office/drawing/2014/main" id="{BD761F4D-1600-2746-3A27-BBDB56990F62}"/>
               </a:ext>
             </a:extLst>
           </p:cNvPr>
@@ -5892,8 +5976,8 @@
         </p:nvSpPr>
         <p:spPr>
           <a:xfrm>
-            <a:off x="349869" y="735932"/>
-            <a:ext cx="5557652" cy="2862322"/>
+            <a:off x="685771" y="484006"/>
+            <a:ext cx="5557652" cy="1754326"/>
           </a:xfrm>
           <a:prstGeom prst="rect">
             <a:avLst/>
@@ -5908,46 +5992,8 @@
           <a:p>
             <a:r>
               <a:rPr lang="en-US" dirty="0"/>
-              <a:t>Class Meta:</a:t>
-            </a:r>
-          </a:p>
-          <a:p>
-            <a:r>
-              <a:rPr lang="en-US" dirty="0"/>
-              <a:t>Ordering = “ name”</a:t>
-            </a:r>
-          </a:p>
-          <a:p>
-            <a:r>
-              <a:rPr lang="en-US" dirty="0" err="1"/>
-              <a:t>verbose_name</a:t>
-            </a:r>
-            <a:r>
-              <a:rPr lang="en-US" dirty="0"/>
-              <a:t> = “</a:t>
-            </a:r>
-            <a:r>
-              <a:rPr lang="th-TH" dirty="0"/>
-              <a:t>หวดหมู่.</a:t>
-            </a:r>
-            <a:endParaRPr lang="en-US" dirty="0"/>
-          </a:p>
-          <a:p>
-            <a:r>
-              <a:rPr lang="en-US" dirty="0" err="1"/>
-              <a:t>Verbose_name_plural</a:t>
-            </a:r>
-            <a:r>
-              <a:rPr lang="en-US" dirty="0"/>
-              <a:t> = </a:t>
-            </a:r>
-            <a:r>
-              <a:rPr lang="th-TH" dirty="0"/>
-              <a:t>ประเภทสินค้า</a:t>
-            </a:r>
-          </a:p>
-          <a:p>
-            <a:endParaRPr lang="en-US" dirty="0"/>
+              <a:t>Create model </a:t>
+            </a:r>
           </a:p>
           <a:p>
             <a:r>
@@ -5982,40 +6028,134 @@
           </a:p>
         </p:txBody>
       </p:sp>
-      <p:pic>
-        <p:nvPicPr>
-          <p:cNvPr id="7" name="Picture 6">
-            <a:extLst>
-              <a:ext uri="{FF2B5EF4-FFF2-40B4-BE49-F238E27FC236}">
-                <a16:creationId xmlns:a16="http://schemas.microsoft.com/office/drawing/2014/main" id="{257AAA5F-B286-DC04-B307-BA45AF295DE2}"/>
-              </a:ext>
-            </a:extLst>
-          </p:cNvPr>
-          <p:cNvPicPr>
-            <a:picLocks noChangeAspect="1"/>
-          </p:cNvPicPr>
+      <p:sp>
+        <p:nvSpPr>
+          <p:cNvPr id="2" name="TextBox 1">
+            <a:extLst>
+              <a:ext uri="{FF2B5EF4-FFF2-40B4-BE49-F238E27FC236}">
+                <a16:creationId xmlns:a16="http://schemas.microsoft.com/office/drawing/2014/main" id="{10F5D8AE-CFD4-295D-95C5-C7F5E58B8C40}"/>
+              </a:ext>
+            </a:extLst>
+          </p:cNvPr>
+          <p:cNvSpPr txBox="1"/>
           <p:nvPr/>
-        </p:nvPicPr>
-        <p:blipFill>
-          <a:blip r:embed="rId2"/>
-          <a:stretch>
-            <a:fillRect/>
-          </a:stretch>
-        </p:blipFill>
+        </p:nvSpPr>
         <p:spPr>
           <a:xfrm>
-            <a:off x="4482532" y="337376"/>
-            <a:ext cx="6287377" cy="3943900"/>
+            <a:off x="586980" y="2240159"/>
+            <a:ext cx="11147877" cy="1754326"/>
           </a:xfrm>
           <a:prstGeom prst="rect">
             <a:avLst/>
           </a:prstGeom>
+          <a:noFill/>
         </p:spPr>
-      </p:pic>
+        <p:txBody>
+          <a:bodyPr wrap="square" lIns="91440" tIns="45720" rIns="91440" bIns="45720" rtlCol="0" anchor="t">
+            <a:spAutoFit/>
+          </a:bodyPr>
+          <a:lstStyle/>
+          <a:p>
+            <a:r>
+              <a:rPr lang="en-US"/>
+              <a:t>1.How to upload  </a:t>
+            </a:r>
+            <a:r>
+              <a:rPr lang="en-US" dirty="0">
+                <a:hlinkClick r:id="rId2"/>
+              </a:rPr>
+              <a:t>picture to </a:t>
+            </a:r>
+            <a:r>
+              <a:rPr lang="en-US" dirty="0" err="1">
+                <a:hlinkClick r:id="rId2"/>
+              </a:rPr>
+              <a:t>django</a:t>
+            </a:r>
+            <a:endParaRPr lang="en-US">
+              <a:ea typeface="Calibri"/>
+              <a:cs typeface="Calibri"/>
+              <a:hlinkClick r:id="" action="ppaction://noaction"/>
+            </a:endParaRPr>
+          </a:p>
+          <a:p>
+            <a:r>
+              <a:rPr lang="en-US">
+                <a:ea typeface="Calibri" panose="020F0502020204030204"/>
+                <a:cs typeface="Calibri" panose="020F0502020204030204"/>
+              </a:rPr>
+              <a:t>2.</a:t>
+            </a:r>
+            <a:r>
+              <a:rPr lang="en-US">
+                <a:ea typeface="+mn-lt"/>
+                <a:cs typeface="+mn-lt"/>
+              </a:rPr>
+              <a:t>https://www.youtube.com/@LegionScript</a:t>
+            </a:r>
+          </a:p>
+          <a:p>
+            <a:r>
+              <a:rPr lang="en-US">
+                <a:ea typeface="Calibri" panose="020F0502020204030204"/>
+                <a:cs typeface="Calibri" panose="020F0502020204030204"/>
+              </a:rPr>
+              <a:t>3.Deply static on Root directory</a:t>
+            </a:r>
+            <a:endParaRPr lang="en-US" dirty="0">
+              <a:ea typeface="Calibri" panose="020F0502020204030204"/>
+              <a:cs typeface="Calibri" panose="020F0502020204030204"/>
+            </a:endParaRPr>
+          </a:p>
+          <a:p>
+            <a:r>
+              <a:rPr lang="en-US">
+                <a:ea typeface="Calibri" panose="020F0502020204030204"/>
+                <a:cs typeface="Calibri" panose="020F0502020204030204"/>
+              </a:rPr>
+              <a:t>4.Deploy Project on Project Folder</a:t>
+            </a:r>
+          </a:p>
+          <a:p>
+            <a:r>
+              <a:rPr lang="en-US">
+                <a:ea typeface="Calibri" panose="020F0502020204030204"/>
+                <a:cs typeface="Calibri" panose="020F0502020204030204"/>
+              </a:rPr>
+              <a:t>5. Lung upload image  ==&gt; </a:t>
+            </a:r>
+            <a:r>
+              <a:rPr lang="en-US" dirty="0">
+                <a:ea typeface="+mn-lt"/>
+                <a:cs typeface="+mn-lt"/>
+                <a:hlinkClick r:id="rId3"/>
+              </a:rPr>
+              <a:t>https://www.youtube.com/watch?v=rRVWQCpZ_CI&amp;t=15214s</a:t>
+            </a:r>
+            <a:endParaRPr lang="en-US" dirty="0">
+              <a:ea typeface="+mn-lt"/>
+              <a:cs typeface="+mn-lt"/>
+            </a:endParaRPr>
+          </a:p>
+          <a:p>
+            <a:r>
+              <a:rPr lang="en-US">
+                <a:ea typeface="+mn-lt"/>
+                <a:cs typeface="+mn-lt"/>
+              </a:rPr>
+              <a:t>6.How to create imapfe gallory in Django</a:t>
+            </a:r>
+            <a:endParaRPr lang="en-US" dirty="0">
+              <a:ea typeface="+mn-lt"/>
+              <a:cs typeface="+mn-lt"/>
+            </a:endParaRPr>
+          </a:p>
+        </p:txBody>
+      </p:sp>
     </p:spTree>
     <p:extLst>
       <p:ext uri="{BB962C8B-B14F-4D97-AF65-F5344CB8AC3E}">
-        <p14:creationId xmlns:p14="http://schemas.microsoft.com/office/powerpoint/2010/main" val="1315911783"/>
+        <p14:creationId xmlns:p14="http://schemas.microsoft.com/office/powerpoint/2010/main" val="2536727650"/>
       </p:ext>
     </p:extLst>
   </p:cSld>

--- a/MEMO Djano Ecommerce_24.pptx
+++ b/MEMO Djano Ecommerce_24.pptx
@@ -14,16 +14,18 @@
     <p:sldId id="262" r:id="rId8"/>
     <p:sldId id="270" r:id="rId9"/>
     <p:sldId id="264" r:id="rId10"/>
-    <p:sldId id="265" r:id="rId11"/>
-    <p:sldId id="266" r:id="rId12"/>
-    <p:sldId id="267" r:id="rId13"/>
-    <p:sldId id="268" r:id="rId14"/>
-    <p:sldId id="269" r:id="rId15"/>
-    <p:sldId id="271" r:id="rId16"/>
-    <p:sldId id="272" r:id="rId17"/>
-    <p:sldId id="273" r:id="rId18"/>
+    <p:sldId id="272" r:id="rId11"/>
+    <p:sldId id="265" r:id="rId12"/>
+    <p:sldId id="266" r:id="rId13"/>
+    <p:sldId id="273" r:id="rId14"/>
+    <p:sldId id="267" r:id="rId15"/>
+    <p:sldId id="268" r:id="rId16"/>
+    <p:sldId id="269" r:id="rId17"/>
+    <p:sldId id="271" r:id="rId18"/>
     <p:sldId id="274" r:id="rId19"/>
     <p:sldId id="275" r:id="rId20"/>
+    <p:sldId id="276" r:id="rId21"/>
+    <p:sldId id="277" r:id="rId22"/>
   </p:sldIdLst>
   <p:sldSz cx="12192000" cy="6858000"/>
   <p:notesSz cx="6858000" cy="9144000"/>
@@ -133,45 +135,13 @@
 <file path=ppt/revisionInfo.xml><?xml version="1.0" encoding="utf-8"?>
 <p1510:revInfo xmlns:a="http://schemas.openxmlformats.org/drawingml/2006/main" xmlns:r="http://schemas.openxmlformats.org/officeDocument/2006/relationships" xmlns:p1510="http://schemas.microsoft.com/office/powerpoint/2015/10/main">
   <p1510:revLst>
-    <p1510:client id="{2C6B47EC-A955-4574-B7B1-34530E36E55D}" v="44" dt="2024-08-20T16:39:00.581"/>
-    <p1510:client id="{3EC2A9FC-BFF3-4CD7-BAA1-F15B746C35B7}" v="11" dt="2024-08-20T09:37:10.633"/>
+    <p1510:client id="{07B74F6D-5236-42CD-B6DB-9C2972CDBA0E}" v="3" dt="2024-10-05T03:12:17.963"/>
   </p1510:revLst>
 </p1510:revInfo>
 </file>
 
 <file path=ppt/changesInfos/changesInfo1.xml><?xml version="1.0" encoding="utf-8"?>
 <pc:chgInfo xmlns:a="http://schemas.openxmlformats.org/drawingml/2006/main" xmlns:r="http://schemas.openxmlformats.org/officeDocument/2006/relationships" xmlns:ac="http://schemas.microsoft.com/office/drawing/2013/main/command" xmlns:pc="http://schemas.microsoft.com/office/powerpoint/2013/main/command">
-  <pc:docChgLst>
-    <pc:chgData name="witaya chaison" userId="aafc0013979b2c41" providerId="LiveId" clId="{4D4A9C16-5FD4-46CF-AC6A-2110D88B25E6}"/>
-    <pc:docChg chg="modSld sldOrd">
-      <pc:chgData name="witaya chaison" userId="aafc0013979b2c41" providerId="LiveId" clId="{4D4A9C16-5FD4-46CF-AC6A-2110D88B25E6}" dt="2024-02-15T15:43:38.903" v="2"/>
-      <pc:docMkLst>
-        <pc:docMk/>
-      </pc:docMkLst>
-      <pc:sldChg chg="modSp mod">
-        <pc:chgData name="witaya chaison" userId="aafc0013979b2c41" providerId="LiveId" clId="{4D4A9C16-5FD4-46CF-AC6A-2110D88B25E6}" dt="2024-02-15T15:42:39.295" v="0" actId="1076"/>
-        <pc:sldMkLst>
-          <pc:docMk/>
-          <pc:sldMk cId="959975612" sldId="256"/>
-        </pc:sldMkLst>
-        <pc:picChg chg="mod">
-          <ac:chgData name="witaya chaison" userId="aafc0013979b2c41" providerId="LiveId" clId="{4D4A9C16-5FD4-46CF-AC6A-2110D88B25E6}" dt="2024-02-15T15:42:39.295" v="0" actId="1076"/>
-          <ac:picMkLst>
-            <pc:docMk/>
-            <pc:sldMk cId="959975612" sldId="256"/>
-            <ac:picMk id="8" creationId="{9C524B66-8573-59D7-42BC-215FCD395886}"/>
-          </ac:picMkLst>
-        </pc:picChg>
-      </pc:sldChg>
-      <pc:sldChg chg="ord">
-        <pc:chgData name="witaya chaison" userId="aafc0013979b2c41" providerId="LiveId" clId="{4D4A9C16-5FD4-46CF-AC6A-2110D88B25E6}" dt="2024-02-15T15:43:38.903" v="2"/>
-        <pc:sldMkLst>
-          <pc:docMk/>
-          <pc:sldMk cId="945269719" sldId="258"/>
-        </pc:sldMkLst>
-      </pc:sldChg>
-    </pc:docChg>
-  </pc:docChgLst>
   <pc:docChgLst>
     <pc:chgData clId="Web-{FDDDECED-069A-4442-95B1-33A64E24CB62}"/>
     <pc:docChg chg="modSld">
@@ -228,9 +198,40 @@
     </pc:docChg>
   </pc:docChgLst>
   <pc:docChgLst>
+    <pc:chgData name="witaya chaison" userId="aafc0013979b2c41" providerId="LiveId" clId="{4D4A9C16-5FD4-46CF-AC6A-2110D88B25E6}"/>
+    <pc:docChg chg="modSld sldOrd">
+      <pc:chgData name="witaya chaison" userId="aafc0013979b2c41" providerId="LiveId" clId="{4D4A9C16-5FD4-46CF-AC6A-2110D88B25E6}" dt="2024-02-15T15:43:38.903" v="2"/>
+      <pc:docMkLst>
+        <pc:docMk/>
+      </pc:docMkLst>
+      <pc:sldChg chg="modSp mod">
+        <pc:chgData name="witaya chaison" userId="aafc0013979b2c41" providerId="LiveId" clId="{4D4A9C16-5FD4-46CF-AC6A-2110D88B25E6}" dt="2024-02-15T15:42:39.295" v="0" actId="1076"/>
+        <pc:sldMkLst>
+          <pc:docMk/>
+          <pc:sldMk cId="959975612" sldId="256"/>
+        </pc:sldMkLst>
+        <pc:picChg chg="mod">
+          <ac:chgData name="witaya chaison" userId="aafc0013979b2c41" providerId="LiveId" clId="{4D4A9C16-5FD4-46CF-AC6A-2110D88B25E6}" dt="2024-02-15T15:42:39.295" v="0" actId="1076"/>
+          <ac:picMkLst>
+            <pc:docMk/>
+            <pc:sldMk cId="959975612" sldId="256"/>
+            <ac:picMk id="8" creationId="{9C524B66-8573-59D7-42BC-215FCD395886}"/>
+          </ac:picMkLst>
+        </pc:picChg>
+      </pc:sldChg>
+      <pc:sldChg chg="ord">
+        <pc:chgData name="witaya chaison" userId="aafc0013979b2c41" providerId="LiveId" clId="{4D4A9C16-5FD4-46CF-AC6A-2110D88B25E6}" dt="2024-02-15T15:43:38.903" v="2"/>
+        <pc:sldMkLst>
+          <pc:docMk/>
+          <pc:sldMk cId="945269719" sldId="258"/>
+        </pc:sldMkLst>
+      </pc:sldChg>
+    </pc:docChg>
+  </pc:docChgLst>
+  <pc:docChgLst>
     <pc:chgData name="witaya chaison" userId="aafc0013979b2c41" providerId="Windows Live" clId="Web-{2C6B47EC-A955-4574-B7B1-34530E36E55D}"/>
     <pc:docChg chg="modSld sldOrd">
-      <pc:chgData name="witaya chaison" userId="aafc0013979b2c41" providerId="Windows Live" clId="Web-{2C6B47EC-A955-4574-B7B1-34530E36E55D}" dt="2024-08-20T16:39:00.581" v="25" actId="14100"/>
+      <pc:chgData name="witaya chaison" userId="aafc0013979b2c41" providerId="Windows Live" clId="Web-{2C6B47EC-A955-4574-B7B1-34530E36E55D}" dt="2024-08-20T17:53:12.709" v="27"/>
       <pc:docMkLst>
         <pc:docMk/>
       </pc:docMkLst>
@@ -294,6 +295,137 @@
             <ac:picMk id="4" creationId="{98156E47-B942-5F53-D85E-69EE93DD6CAF}"/>
           </ac:picMkLst>
         </pc:picChg>
+      </pc:sldChg>
+      <pc:sldChg chg="ord">
+        <pc:chgData name="witaya chaison" userId="aafc0013979b2c41" providerId="Windows Live" clId="Web-{2C6B47EC-A955-4574-B7B1-34530E36E55D}" dt="2024-08-20T17:53:10.630" v="26"/>
+        <pc:sldMkLst>
+          <pc:docMk/>
+          <pc:sldMk cId="4193857370" sldId="272"/>
+        </pc:sldMkLst>
+      </pc:sldChg>
+      <pc:sldChg chg="ord">
+        <pc:chgData name="witaya chaison" userId="aafc0013979b2c41" providerId="Windows Live" clId="Web-{2C6B47EC-A955-4574-B7B1-34530E36E55D}" dt="2024-08-20T17:53:12.709" v="27"/>
+        <pc:sldMkLst>
+          <pc:docMk/>
+          <pc:sldMk cId="2990902418" sldId="273"/>
+        </pc:sldMkLst>
+      </pc:sldChg>
+    </pc:docChg>
+  </pc:docChgLst>
+  <pc:docChgLst>
+    <pc:chgData name="witaya chaison" userId="aafc0013979b2c41" providerId="LiveId" clId="{07B74F6D-5236-42CD-B6DB-9C2972CDBA0E}"/>
+    <pc:docChg chg="custSel modSld">
+      <pc:chgData name="witaya chaison" userId="aafc0013979b2c41" providerId="LiveId" clId="{07B74F6D-5236-42CD-B6DB-9C2972CDBA0E}" dt="2024-10-05T03:12:22.596" v="101" actId="14100"/>
+      <pc:docMkLst>
+        <pc:docMk/>
+      </pc:docMkLst>
+      <pc:sldChg chg="addSp modSp mod">
+        <pc:chgData name="witaya chaison" userId="aafc0013979b2c41" providerId="LiveId" clId="{07B74F6D-5236-42CD-B6DB-9C2972CDBA0E}" dt="2024-10-05T03:07:45.963" v="25" actId="20577"/>
+        <pc:sldMkLst>
+          <pc:docMk/>
+          <pc:sldMk cId="785831879" sldId="257"/>
+        </pc:sldMkLst>
+        <pc:spChg chg="add mod">
+          <ac:chgData name="witaya chaison" userId="aafc0013979b2c41" providerId="LiveId" clId="{07B74F6D-5236-42CD-B6DB-9C2972CDBA0E}" dt="2024-10-05T03:07:45.963" v="25" actId="20577"/>
+          <ac:spMkLst>
+            <pc:docMk/>
+            <pc:sldMk cId="785831879" sldId="257"/>
+            <ac:spMk id="4" creationId="{80C3E700-5C40-9ECA-E559-9B8B865F9E34}"/>
+          </ac:spMkLst>
+        </pc:spChg>
+        <pc:cxnChg chg="add">
+          <ac:chgData name="witaya chaison" userId="aafc0013979b2c41" providerId="LiveId" clId="{07B74F6D-5236-42CD-B6DB-9C2972CDBA0E}" dt="2024-10-05T03:07:25.259" v="2" actId="11529"/>
+          <ac:cxnSpMkLst>
+            <pc:docMk/>
+            <pc:sldMk cId="785831879" sldId="257"/>
+            <ac:cxnSpMk id="3" creationId="{C2C632F4-6482-BE76-FBDF-DA284E55601E}"/>
+          </ac:cxnSpMkLst>
+        </pc:cxnChg>
+      </pc:sldChg>
+      <pc:sldChg chg="modSp mod">
+        <pc:chgData name="witaya chaison" userId="aafc0013979b2c41" providerId="LiveId" clId="{07B74F6D-5236-42CD-B6DB-9C2972CDBA0E}" dt="2024-10-05T03:08:19.507" v="39" actId="20577"/>
+        <pc:sldMkLst>
+          <pc:docMk/>
+          <pc:sldMk cId="2684601" sldId="259"/>
+        </pc:sldMkLst>
+        <pc:spChg chg="mod">
+          <ac:chgData name="witaya chaison" userId="aafc0013979b2c41" providerId="LiveId" clId="{07B74F6D-5236-42CD-B6DB-9C2972CDBA0E}" dt="2024-10-05T03:08:19.507" v="39" actId="20577"/>
+          <ac:spMkLst>
+            <pc:docMk/>
+            <pc:sldMk cId="2684601" sldId="259"/>
+            <ac:spMk id="2" creationId="{83E47032-F997-3C7E-0461-265E5C57FF92}"/>
+          </ac:spMkLst>
+        </pc:spChg>
+      </pc:sldChg>
+      <pc:sldChg chg="addSp delSp modSp mod">
+        <pc:chgData name="witaya chaison" userId="aafc0013979b2c41" providerId="LiveId" clId="{07B74F6D-5236-42CD-B6DB-9C2972CDBA0E}" dt="2024-10-05T03:11:14.380" v="48" actId="14100"/>
+        <pc:sldMkLst>
+          <pc:docMk/>
+          <pc:sldMk cId="616725202" sldId="260"/>
+        </pc:sldMkLst>
+        <pc:spChg chg="mod">
+          <ac:chgData name="witaya chaison" userId="aafc0013979b2c41" providerId="LiveId" clId="{07B74F6D-5236-42CD-B6DB-9C2972CDBA0E}" dt="2024-10-05T03:11:12.137" v="47" actId="1076"/>
+          <ac:spMkLst>
+            <pc:docMk/>
+            <pc:sldMk cId="616725202" sldId="260"/>
+            <ac:spMk id="4" creationId="{98B428C4-3D9E-9C88-D3BB-9785EC3032D6}"/>
+          </ac:spMkLst>
+        </pc:spChg>
+        <pc:spChg chg="mod">
+          <ac:chgData name="witaya chaison" userId="aafc0013979b2c41" providerId="LiveId" clId="{07B74F6D-5236-42CD-B6DB-9C2972CDBA0E}" dt="2024-10-05T03:09:56.013" v="40" actId="6549"/>
+          <ac:spMkLst>
+            <pc:docMk/>
+            <pc:sldMk cId="616725202" sldId="260"/>
+            <ac:spMk id="5" creationId="{7A1448F8-36C9-11C1-9634-C3DF913E5995}"/>
+          </ac:spMkLst>
+        </pc:spChg>
+        <pc:picChg chg="del mod">
+          <ac:chgData name="witaya chaison" userId="aafc0013979b2c41" providerId="LiveId" clId="{07B74F6D-5236-42CD-B6DB-9C2972CDBA0E}" dt="2024-10-05T03:09:57.408" v="41" actId="478"/>
+          <ac:picMkLst>
+            <pc:docMk/>
+            <pc:sldMk cId="616725202" sldId="260"/>
+            <ac:picMk id="3" creationId="{FD297B07-134D-9F23-6EAB-ED131CF6EA69}"/>
+          </ac:picMkLst>
+        </pc:picChg>
+        <pc:picChg chg="add mod">
+          <ac:chgData name="witaya chaison" userId="aafc0013979b2c41" providerId="LiveId" clId="{07B74F6D-5236-42CD-B6DB-9C2972CDBA0E}" dt="2024-10-05T03:11:14.380" v="48" actId="14100"/>
+          <ac:picMkLst>
+            <pc:docMk/>
+            <pc:sldMk cId="616725202" sldId="260"/>
+            <ac:picMk id="6" creationId="{25323B48-9C8C-B9F5-914C-2279FE131639}"/>
+          </ac:picMkLst>
+        </pc:picChg>
+      </pc:sldChg>
+      <pc:sldChg chg="addSp modSp mod">
+        <pc:chgData name="witaya chaison" userId="aafc0013979b2c41" providerId="LiveId" clId="{07B74F6D-5236-42CD-B6DB-9C2972CDBA0E}" dt="2024-10-05T03:12:22.596" v="101" actId="14100"/>
+        <pc:sldMkLst>
+          <pc:docMk/>
+          <pc:sldMk cId="4117894221" sldId="263"/>
+        </pc:sldMkLst>
+        <pc:spChg chg="add mod">
+          <ac:chgData name="witaya chaison" userId="aafc0013979b2c41" providerId="LiveId" clId="{07B74F6D-5236-42CD-B6DB-9C2972CDBA0E}" dt="2024-10-05T03:11:54.556" v="96" actId="20577"/>
+          <ac:spMkLst>
+            <pc:docMk/>
+            <pc:sldMk cId="4117894221" sldId="263"/>
+            <ac:spMk id="2" creationId="{05113EED-428E-EDAA-5742-17C3333A3E5C}"/>
+          </ac:spMkLst>
+        </pc:spChg>
+        <pc:cxnChg chg="add mod">
+          <ac:chgData name="witaya chaison" userId="aafc0013979b2c41" providerId="LiveId" clId="{07B74F6D-5236-42CD-B6DB-9C2972CDBA0E}" dt="2024-10-05T03:12:13.276" v="98" actId="208"/>
+          <ac:cxnSpMkLst>
+            <pc:docMk/>
+            <pc:sldMk cId="4117894221" sldId="263"/>
+            <ac:cxnSpMk id="4" creationId="{AC74ABF6-DC50-89FD-B61E-2FCFAE09D24E}"/>
+          </ac:cxnSpMkLst>
+        </pc:cxnChg>
+        <pc:cxnChg chg="add mod">
+          <ac:chgData name="witaya chaison" userId="aafc0013979b2c41" providerId="LiveId" clId="{07B74F6D-5236-42CD-B6DB-9C2972CDBA0E}" dt="2024-10-05T03:12:22.596" v="101" actId="14100"/>
+          <ac:cxnSpMkLst>
+            <pc:docMk/>
+            <pc:sldMk cId="4117894221" sldId="263"/>
+            <ac:cxnSpMk id="6" creationId="{B889788B-74BA-C228-6F9C-A2324F4B1D33}"/>
+          </ac:cxnSpMkLst>
+        </pc:cxnChg>
       </pc:sldChg>
     </pc:docChg>
   </pc:docChgLst>
@@ -439,6 +571,168 @@
       </pc:sldChg>
     </pc:docChg>
   </pc:docChgLst>
+  <pc:docChgLst>
+    <pc:chgData name="witaya chaison" userId="aafc0013979b2c41" providerId="Windows Live" clId="Web-{BDA38D50-98B9-4D9F-9B12-7F1B9C44DD1C}"/>
+    <pc:docChg chg="modSld">
+      <pc:chgData name="witaya chaison" userId="aafc0013979b2c41" providerId="Windows Live" clId="Web-{BDA38D50-98B9-4D9F-9B12-7F1B9C44DD1C}" dt="2024-08-21T15:11:25.727" v="20"/>
+      <pc:docMkLst>
+        <pc:docMk/>
+      </pc:docMkLst>
+      <pc:sldChg chg="addSp delSp modSp">
+        <pc:chgData name="witaya chaison" userId="aafc0013979b2c41" providerId="Windows Live" clId="Web-{BDA38D50-98B9-4D9F-9B12-7F1B9C44DD1C}" dt="2024-08-21T15:11:25.727" v="20"/>
+        <pc:sldMkLst>
+          <pc:docMk/>
+          <pc:sldMk cId="4193857370" sldId="272"/>
+        </pc:sldMkLst>
+        <pc:spChg chg="del">
+          <ac:chgData name="witaya chaison" userId="aafc0013979b2c41" providerId="Windows Live" clId="Web-{BDA38D50-98B9-4D9F-9B12-7F1B9C44DD1C}" dt="2024-08-21T15:11:22.712" v="19"/>
+          <ac:spMkLst>
+            <pc:docMk/>
+            <pc:sldMk cId="4193857370" sldId="272"/>
+            <ac:spMk id="2" creationId="{45993EAF-3647-527F-4D68-F47FEB858C29}"/>
+          </ac:spMkLst>
+        </pc:spChg>
+        <pc:spChg chg="del mod">
+          <ac:chgData name="witaya chaison" userId="aafc0013979b2c41" providerId="Windows Live" clId="Web-{BDA38D50-98B9-4D9F-9B12-7F1B9C44DD1C}" dt="2024-08-21T15:11:18.540" v="17"/>
+          <ac:spMkLst>
+            <pc:docMk/>
+            <pc:sldMk cId="4193857370" sldId="272"/>
+            <ac:spMk id="3" creationId="{1243A7DD-5E2A-7C36-1DE5-24BBC7A28C66}"/>
+          </ac:spMkLst>
+        </pc:spChg>
+        <pc:spChg chg="add del mod">
+          <ac:chgData name="witaya chaison" userId="aafc0013979b2c41" providerId="Windows Live" clId="Web-{BDA38D50-98B9-4D9F-9B12-7F1B9C44DD1C}" dt="2024-08-21T15:11:20.915" v="18"/>
+          <ac:spMkLst>
+            <pc:docMk/>
+            <pc:sldMk cId="4193857370" sldId="272"/>
+            <ac:spMk id="5" creationId="{369F27D9-CDF5-DD40-36C6-542CFE5D02E8}"/>
+          </ac:spMkLst>
+        </pc:spChg>
+        <pc:picChg chg="add mod">
+          <ac:chgData name="witaya chaison" userId="aafc0013979b2c41" providerId="Windows Live" clId="Web-{BDA38D50-98B9-4D9F-9B12-7F1B9C44DD1C}" dt="2024-08-21T15:11:25.727" v="20"/>
+          <ac:picMkLst>
+            <pc:docMk/>
+            <pc:sldMk cId="4193857370" sldId="272"/>
+            <ac:picMk id="6" creationId="{02990F5D-BF55-801B-70B8-6324A0253718}"/>
+          </ac:picMkLst>
+        </pc:picChg>
+      </pc:sldChg>
+    </pc:docChg>
+  </pc:docChgLst>
+  <pc:docChgLst>
+    <pc:chgData name="witaya chaison" userId="aafc0013979b2c41" providerId="Windows Live" clId="Web-{CB97235A-C3E1-43EA-93B6-2BC4E923ECAC}"/>
+    <pc:docChg chg="addSld modSld sldOrd">
+      <pc:chgData name="witaya chaison" userId="aafc0013979b2c41" providerId="Windows Live" clId="Web-{CB97235A-C3E1-43EA-93B6-2BC4E923ECAC}" dt="2024-08-21T15:39:51.051" v="48" actId="1076"/>
+      <pc:docMkLst>
+        <pc:docMk/>
+      </pc:docMkLst>
+      <pc:sldChg chg="modSp">
+        <pc:chgData name="witaya chaison" userId="aafc0013979b2c41" providerId="Windows Live" clId="Web-{CB97235A-C3E1-43EA-93B6-2BC4E923ECAC}" dt="2024-08-21T15:21:37.229" v="37" actId="20577"/>
+        <pc:sldMkLst>
+          <pc:docMk/>
+          <pc:sldMk cId="223989185" sldId="262"/>
+        </pc:sldMkLst>
+        <pc:spChg chg="mod">
+          <ac:chgData name="witaya chaison" userId="aafc0013979b2c41" providerId="Windows Live" clId="Web-{CB97235A-C3E1-43EA-93B6-2BC4E923ECAC}" dt="2024-08-21T15:21:37.229" v="37" actId="20577"/>
+          <ac:spMkLst>
+            <pc:docMk/>
+            <pc:sldMk cId="223989185" sldId="262"/>
+            <ac:spMk id="6" creationId="{3F39E308-FC66-5D0B-7675-7179CCB498F9}"/>
+          </ac:spMkLst>
+        </pc:spChg>
+      </pc:sldChg>
+      <pc:sldChg chg="modSp">
+        <pc:chgData name="witaya chaison" userId="aafc0013979b2c41" providerId="Windows Live" clId="Web-{CB97235A-C3E1-43EA-93B6-2BC4E923ECAC}" dt="2024-08-21T15:18:49.754" v="11" actId="20577"/>
+        <pc:sldMkLst>
+          <pc:docMk/>
+          <pc:sldMk cId="2536727650" sldId="264"/>
+        </pc:sldMkLst>
+        <pc:spChg chg="mod">
+          <ac:chgData name="witaya chaison" userId="aafc0013979b2c41" providerId="Windows Live" clId="Web-{CB97235A-C3E1-43EA-93B6-2BC4E923ECAC}" dt="2024-08-21T15:18:49.754" v="11" actId="20577"/>
+          <ac:spMkLst>
+            <pc:docMk/>
+            <pc:sldMk cId="2536727650" sldId="264"/>
+            <ac:spMk id="2" creationId="{10F5D8AE-CFD4-295D-95C5-C7F5E58B8C40}"/>
+          </ac:spMkLst>
+        </pc:spChg>
+      </pc:sldChg>
+      <pc:sldChg chg="ord">
+        <pc:chgData name="witaya chaison" userId="aafc0013979b2c41" providerId="Windows Live" clId="Web-{CB97235A-C3E1-43EA-93B6-2BC4E923ECAC}" dt="2024-08-21T15:36:35.403" v="39"/>
+        <pc:sldMkLst>
+          <pc:docMk/>
+          <pc:sldMk cId="1979815293" sldId="266"/>
+        </pc:sldMkLst>
+      </pc:sldChg>
+      <pc:sldChg chg="addSp modSp">
+        <pc:chgData name="witaya chaison" userId="aafc0013979b2c41" providerId="Windows Live" clId="Web-{CB97235A-C3E1-43EA-93B6-2BC4E923ECAC}" dt="2024-08-21T15:19:42.319" v="15"/>
+        <pc:sldMkLst>
+          <pc:docMk/>
+          <pc:sldMk cId="4193857370" sldId="272"/>
+        </pc:sldMkLst>
+        <pc:spChg chg="add mod">
+          <ac:chgData name="witaya chaison" userId="aafc0013979b2c41" providerId="Windows Live" clId="Web-{CB97235A-C3E1-43EA-93B6-2BC4E923ECAC}" dt="2024-08-21T15:19:42.319" v="15"/>
+          <ac:spMkLst>
+            <pc:docMk/>
+            <pc:sldMk cId="4193857370" sldId="272"/>
+            <ac:spMk id="2" creationId="{B61AAC4B-665A-BCD8-41A0-2EE887283723}"/>
+          </ac:spMkLst>
+        </pc:spChg>
+      </pc:sldChg>
+      <pc:sldChg chg="addSp delSp modSp ord">
+        <pc:chgData name="witaya chaison" userId="aafc0013979b2c41" providerId="Windows Live" clId="Web-{CB97235A-C3E1-43EA-93B6-2BC4E923ECAC}" dt="2024-08-21T15:39:51.051" v="48" actId="1076"/>
+        <pc:sldMkLst>
+          <pc:docMk/>
+          <pc:sldMk cId="2990902418" sldId="273"/>
+        </pc:sldMkLst>
+        <pc:spChg chg="del">
+          <ac:chgData name="witaya chaison" userId="aafc0013979b2c41" providerId="Windows Live" clId="Web-{CB97235A-C3E1-43EA-93B6-2BC4E923ECAC}" dt="2024-08-21T15:20:03.069" v="17"/>
+          <ac:spMkLst>
+            <pc:docMk/>
+            <pc:sldMk cId="2990902418" sldId="273"/>
+            <ac:spMk id="2" creationId="{45993EAF-3647-527F-4D68-F47FEB858C29}"/>
+          </ac:spMkLst>
+        </pc:spChg>
+        <pc:spChg chg="del">
+          <ac:chgData name="witaya chaison" userId="aafc0013979b2c41" providerId="Windows Live" clId="Web-{CB97235A-C3E1-43EA-93B6-2BC4E923ECAC}" dt="2024-08-21T15:20:00.726" v="16"/>
+          <ac:spMkLst>
+            <pc:docMk/>
+            <pc:sldMk cId="2990902418" sldId="273"/>
+            <ac:spMk id="3" creationId="{1243A7DD-5E2A-7C36-1DE5-24BBC7A28C66}"/>
+          </ac:spMkLst>
+        </pc:spChg>
+        <pc:picChg chg="add mod">
+          <ac:chgData name="witaya chaison" userId="aafc0013979b2c41" providerId="Windows Live" clId="Web-{CB97235A-C3E1-43EA-93B6-2BC4E923ECAC}" dt="2024-08-21T15:39:43.254" v="44" actId="1076"/>
+          <ac:picMkLst>
+            <pc:docMk/>
+            <pc:sldMk cId="2990902418" sldId="273"/>
+            <ac:picMk id="4" creationId="{48685E44-AD38-D115-ADD0-5643B8E58A0C}"/>
+          </ac:picMkLst>
+        </pc:picChg>
+        <pc:picChg chg="add mod">
+          <ac:chgData name="witaya chaison" userId="aafc0013979b2c41" providerId="Windows Live" clId="Web-{CB97235A-C3E1-43EA-93B6-2BC4E923ECAC}" dt="2024-08-21T15:39:51.051" v="48" actId="1076"/>
+          <ac:picMkLst>
+            <pc:docMk/>
+            <pc:sldMk cId="2990902418" sldId="273"/>
+            <ac:picMk id="5" creationId="{7453907B-4012-FC79-19AB-C30746D39445}"/>
+          </ac:picMkLst>
+        </pc:picChg>
+      </pc:sldChg>
+      <pc:sldChg chg="add replId">
+        <pc:chgData name="witaya chaison" userId="aafc0013979b2c41" providerId="Windows Live" clId="Web-{CB97235A-C3E1-43EA-93B6-2BC4E923ECAC}" dt="2024-08-21T15:20:12.273" v="18"/>
+        <pc:sldMkLst>
+          <pc:docMk/>
+          <pc:sldMk cId="873860473" sldId="276"/>
+        </pc:sldMkLst>
+      </pc:sldChg>
+      <pc:sldChg chg="add replId">
+        <pc:chgData name="witaya chaison" userId="aafc0013979b2c41" providerId="Windows Live" clId="Web-{CB97235A-C3E1-43EA-93B6-2BC4E923ECAC}" dt="2024-08-21T15:20:18.617" v="19"/>
+        <pc:sldMkLst>
+          <pc:docMk/>
+          <pc:sldMk cId="4157819997" sldId="277"/>
+        </pc:sldMkLst>
+      </pc:sldChg>
+    </pc:docChg>
+  </pc:docChgLst>
 </pc:chgInfo>
 </file>
 
@@ -589,7 +883,7 @@
           <a:p>
             <a:fld id="{88FB9E02-EF2F-45E8-9C52-8DD8EBAD47A3}" type="datetimeFigureOut">
               <a:rPr lang="en-US" smtClean="0"/>
-              <a:t>8/20/2024</a:t>
+              <a:t>10/5/2024</a:t>
             </a:fld>
             <a:endParaRPr lang="en-US"/>
           </a:p>
@@ -787,7 +1081,7 @@
           <a:p>
             <a:fld id="{88FB9E02-EF2F-45E8-9C52-8DD8EBAD47A3}" type="datetimeFigureOut">
               <a:rPr lang="en-US" smtClean="0"/>
-              <a:t>8/20/2024</a:t>
+              <a:t>10/5/2024</a:t>
             </a:fld>
             <a:endParaRPr lang="en-US"/>
           </a:p>
@@ -995,7 +1289,7 @@
           <a:p>
             <a:fld id="{88FB9E02-EF2F-45E8-9C52-8DD8EBAD47A3}" type="datetimeFigureOut">
               <a:rPr lang="en-US" smtClean="0"/>
-              <a:t>8/20/2024</a:t>
+              <a:t>10/5/2024</a:t>
             </a:fld>
             <a:endParaRPr lang="en-US"/>
           </a:p>
@@ -1193,7 +1487,7 @@
           <a:p>
             <a:fld id="{88FB9E02-EF2F-45E8-9C52-8DD8EBAD47A3}" type="datetimeFigureOut">
               <a:rPr lang="en-US" smtClean="0"/>
-              <a:t>8/20/2024</a:t>
+              <a:t>10/5/2024</a:t>
             </a:fld>
             <a:endParaRPr lang="en-US"/>
           </a:p>
@@ -1468,7 +1762,7 @@
           <a:p>
             <a:fld id="{88FB9E02-EF2F-45E8-9C52-8DD8EBAD47A3}" type="datetimeFigureOut">
               <a:rPr lang="en-US" smtClean="0"/>
-              <a:t>8/20/2024</a:t>
+              <a:t>10/5/2024</a:t>
             </a:fld>
             <a:endParaRPr lang="en-US"/>
           </a:p>
@@ -1733,7 +2027,7 @@
           <a:p>
             <a:fld id="{88FB9E02-EF2F-45E8-9C52-8DD8EBAD47A3}" type="datetimeFigureOut">
               <a:rPr lang="en-US" smtClean="0"/>
-              <a:t>8/20/2024</a:t>
+              <a:t>10/5/2024</a:t>
             </a:fld>
             <a:endParaRPr lang="en-US"/>
           </a:p>
@@ -2145,7 +2439,7 @@
           <a:p>
             <a:fld id="{88FB9E02-EF2F-45E8-9C52-8DD8EBAD47A3}" type="datetimeFigureOut">
               <a:rPr lang="en-US" smtClean="0"/>
-              <a:t>8/20/2024</a:t>
+              <a:t>10/5/2024</a:t>
             </a:fld>
             <a:endParaRPr lang="en-US"/>
           </a:p>
@@ -2286,7 +2580,7 @@
           <a:p>
             <a:fld id="{88FB9E02-EF2F-45E8-9C52-8DD8EBAD47A3}" type="datetimeFigureOut">
               <a:rPr lang="en-US" smtClean="0"/>
-              <a:t>8/20/2024</a:t>
+              <a:t>10/5/2024</a:t>
             </a:fld>
             <a:endParaRPr lang="en-US"/>
           </a:p>
@@ -2399,7 +2693,7 @@
           <a:p>
             <a:fld id="{88FB9E02-EF2F-45E8-9C52-8DD8EBAD47A3}" type="datetimeFigureOut">
               <a:rPr lang="en-US" smtClean="0"/>
-              <a:t>8/20/2024</a:t>
+              <a:t>10/5/2024</a:t>
             </a:fld>
             <a:endParaRPr lang="en-US"/>
           </a:p>
@@ -2710,7 +3004,7 @@
           <a:p>
             <a:fld id="{88FB9E02-EF2F-45E8-9C52-8DD8EBAD47A3}" type="datetimeFigureOut">
               <a:rPr lang="en-US" smtClean="0"/>
-              <a:t>8/20/2024</a:t>
+              <a:t>10/5/2024</a:t>
             </a:fld>
             <a:endParaRPr lang="en-US"/>
           </a:p>
@@ -2998,7 +3292,7 @@
           <a:p>
             <a:fld id="{88FB9E02-EF2F-45E8-9C52-8DD8EBAD47A3}" type="datetimeFigureOut">
               <a:rPr lang="en-US" smtClean="0"/>
-              <a:t>8/20/2024</a:t>
+              <a:t>10/5/2024</a:t>
             </a:fld>
             <a:endParaRPr lang="en-US"/>
           </a:p>
@@ -3239,7 +3533,7 @@
           <a:p>
             <a:fld id="{88FB9E02-EF2F-45E8-9C52-8DD8EBAD47A3}" type="datetimeFigureOut">
               <a:rPr lang="en-US" smtClean="0"/>
-              <a:t>8/20/2024</a:t>
+              <a:t>10/5/2024</a:t>
             </a:fld>
             <a:endParaRPr lang="en-US"/>
           </a:p>
@@ -3898,6 +4192,118 @@
           <a:chExt cx="0" cy="0"/>
         </a:xfrm>
       </p:grpSpPr>
+      <p:pic>
+        <p:nvPicPr>
+          <p:cNvPr id="6" name="รูปภาพ 5" descr="รูปภาพประกอบด้วย ข้อความ, อิเล็กทรอนิกส์, ซอฟต์แวร์, ภาพหน้าจอ&#10;&#10;คำอธิบายจะถูกสร้างขึ้นโดยอัตโนมัติ">
+            <a:extLst>
+              <a:ext uri="{FF2B5EF4-FFF2-40B4-BE49-F238E27FC236}">
+                <a16:creationId xmlns:a16="http://schemas.microsoft.com/office/drawing/2014/main" id="{02990F5D-BF55-801B-70B8-6324A0253718}"/>
+              </a:ext>
+            </a:extLst>
+          </p:cNvPr>
+          <p:cNvPicPr>
+            <a:picLocks noChangeAspect="1"/>
+          </p:cNvPicPr>
+          <p:nvPr/>
+        </p:nvPicPr>
+        <p:blipFill>
+          <a:blip r:embed="rId2"/>
+          <a:stretch>
+            <a:fillRect/>
+          </a:stretch>
+        </p:blipFill>
+        <p:spPr>
+          <a:xfrm>
+            <a:off x="1141809" y="0"/>
+            <a:ext cx="9908381" cy="6858000"/>
+          </a:xfrm>
+          <a:prstGeom prst="rect">
+            <a:avLst/>
+          </a:prstGeom>
+        </p:spPr>
+      </p:pic>
+      <p:sp>
+        <p:nvSpPr>
+          <p:cNvPr id="2" name="สี่เหลี่ยมผืนผ้า 1">
+            <a:extLst>
+              <a:ext uri="{FF2B5EF4-FFF2-40B4-BE49-F238E27FC236}">
+                <a16:creationId xmlns:a16="http://schemas.microsoft.com/office/drawing/2014/main" id="{B61AAC4B-665A-BCD8-41A0-2EE887283723}"/>
+              </a:ext>
+            </a:extLst>
+          </p:cNvPr>
+          <p:cNvSpPr/>
+          <p:nvPr/>
+        </p:nvSpPr>
+        <p:spPr>
+          <a:xfrm>
+            <a:off x="4269287" y="3559479"/>
+            <a:ext cx="6576164" cy="2880986"/>
+          </a:xfrm>
+          <a:prstGeom prst="rect">
+            <a:avLst/>
+          </a:prstGeom>
+          <a:noFill/>
+          <a:ln>
+            <a:solidFill>
+              <a:srgbClr val="FF0000"/>
+            </a:solidFill>
+          </a:ln>
+        </p:spPr>
+        <p:style>
+          <a:lnRef idx="2">
+            <a:schemeClr val="accent1">
+              <a:shade val="15000"/>
+            </a:schemeClr>
+          </a:lnRef>
+          <a:fillRef idx="1">
+            <a:schemeClr val="accent1"/>
+          </a:fillRef>
+          <a:effectRef idx="0">
+            <a:schemeClr val="accent1"/>
+          </a:effectRef>
+          <a:fontRef idx="minor">
+            <a:schemeClr val="lt1"/>
+          </a:fontRef>
+        </p:style>
+        <p:txBody>
+          <a:bodyPr rtlCol="0" anchor="ctr"/>
+          <a:lstStyle/>
+          <a:p>
+            <a:pPr algn="ctr"/>
+            <a:endParaRPr lang="th-TH"/>
+          </a:p>
+        </p:txBody>
+      </p:sp>
+    </p:spTree>
+    <p:extLst>
+      <p:ext uri="{BB962C8B-B14F-4D97-AF65-F5344CB8AC3E}">
+        <p14:creationId xmlns:p14="http://schemas.microsoft.com/office/powerpoint/2010/main" val="4193857370"/>
+      </p:ext>
+    </p:extLst>
+  </p:cSld>
+  <p:clrMapOvr>
+    <a:masterClrMapping/>
+  </p:clrMapOvr>
+</p:sld>
+</file>
+
+<file path=ppt/slides/slide11.xml><?xml version="1.0" encoding="utf-8"?>
+<p:sld xmlns:a="http://schemas.openxmlformats.org/drawingml/2006/main" xmlns:r="http://schemas.openxmlformats.org/officeDocument/2006/relationships" xmlns:p="http://schemas.openxmlformats.org/presentationml/2006/main">
+  <p:cSld>
+    <p:spTree>
+      <p:nvGrpSpPr>
+        <p:cNvPr id="1" name=""/>
+        <p:cNvGrpSpPr/>
+        <p:nvPr/>
+      </p:nvGrpSpPr>
+      <p:grpSpPr>
+        <a:xfrm>
+          <a:off x="0" y="0"/>
+          <a:ext cx="0" cy="0"/>
+          <a:chOff x="0" y="0"/>
+          <a:chExt cx="0" cy="0"/>
+        </a:xfrm>
+      </p:grpSpPr>
       <p:sp>
         <p:nvSpPr>
           <p:cNvPr id="5" name="TextBox 4">
@@ -4045,7 +4451,7 @@
 </p:sld>
 </file>
 
-<file path=ppt/slides/slide11.xml><?xml version="1.0" encoding="utf-8"?>
+<file path=ppt/slides/slide12.xml><?xml version="1.0" encoding="utf-8"?>
 <p:sld xmlns:a="http://schemas.openxmlformats.org/drawingml/2006/main" xmlns:r="http://schemas.openxmlformats.org/officeDocument/2006/relationships" xmlns:p="http://schemas.openxmlformats.org/presentationml/2006/main">
   <p:cSld>
     <p:spTree>
@@ -4353,7 +4759,97 @@
 </p:sld>
 </file>
 
-<file path=ppt/slides/slide12.xml><?xml version="1.0" encoding="utf-8"?>
+<file path=ppt/slides/slide13.xml><?xml version="1.0" encoding="utf-8"?>
+<p:sld xmlns:a="http://schemas.openxmlformats.org/drawingml/2006/main" xmlns:r="http://schemas.openxmlformats.org/officeDocument/2006/relationships" xmlns:p="http://schemas.openxmlformats.org/presentationml/2006/main">
+  <p:cSld>
+    <p:spTree>
+      <p:nvGrpSpPr>
+        <p:cNvPr id="1" name=""/>
+        <p:cNvGrpSpPr/>
+        <p:nvPr/>
+      </p:nvGrpSpPr>
+      <p:grpSpPr>
+        <a:xfrm>
+          <a:off x="0" y="0"/>
+          <a:ext cx="0" cy="0"/>
+          <a:chOff x="0" y="0"/>
+          <a:chExt cx="0" cy="0"/>
+        </a:xfrm>
+      </p:grpSpPr>
+      <p:pic>
+        <p:nvPicPr>
+          <p:cNvPr id="4" name="รูปภาพ 3" descr="รูปภาพประกอบด้วย ข้อความ, ภาพหน้าจอ, ตัวอักษร, ซอฟต์แวร์&#10;&#10;คำอธิบายจะถูกสร้างขึ้นโดยอัตโนมัติ">
+            <a:extLst>
+              <a:ext uri="{FF2B5EF4-FFF2-40B4-BE49-F238E27FC236}">
+                <a16:creationId xmlns:a16="http://schemas.microsoft.com/office/drawing/2014/main" id="{48685E44-AD38-D115-ADD0-5643B8E58A0C}"/>
+              </a:ext>
+            </a:extLst>
+          </p:cNvPr>
+          <p:cNvPicPr>
+            <a:picLocks noChangeAspect="1"/>
+          </p:cNvPicPr>
+          <p:nvPr/>
+        </p:nvPicPr>
+        <p:blipFill>
+          <a:blip r:embed="rId2"/>
+          <a:stretch>
+            <a:fillRect/>
+          </a:stretch>
+        </p:blipFill>
+        <p:spPr>
+          <a:xfrm>
+            <a:off x="593095" y="134851"/>
+            <a:ext cx="4627975" cy="2245942"/>
+          </a:xfrm>
+          <a:prstGeom prst="rect">
+            <a:avLst/>
+          </a:prstGeom>
+        </p:spPr>
+      </p:pic>
+      <p:pic>
+        <p:nvPicPr>
+          <p:cNvPr id="5" name="รูปภาพ 4" descr="รูปภาพประกอบด้วย ข้อความ, ภาพหน้าจอ, ซอฟต์แวร์, ซอฟต์แวร์มัลติมีเดีย&#10;&#10;คำอธิบายจะถูกสร้างขึ้นโดยอัตโนมัติ">
+            <a:extLst>
+              <a:ext uri="{FF2B5EF4-FFF2-40B4-BE49-F238E27FC236}">
+                <a16:creationId xmlns:a16="http://schemas.microsoft.com/office/drawing/2014/main" id="{7453907B-4012-FC79-19AB-C30746D39445}"/>
+              </a:ext>
+            </a:extLst>
+          </p:cNvPr>
+          <p:cNvPicPr>
+            <a:picLocks noChangeAspect="1"/>
+          </p:cNvPicPr>
+          <p:nvPr/>
+        </p:nvPicPr>
+        <p:blipFill>
+          <a:blip r:embed="rId3"/>
+          <a:stretch>
+            <a:fillRect/>
+          </a:stretch>
+        </p:blipFill>
+        <p:spPr>
+          <a:xfrm>
+            <a:off x="1461761" y="3260289"/>
+            <a:ext cx="10176615" cy="2926133"/>
+          </a:xfrm>
+          <a:prstGeom prst="rect">
+            <a:avLst/>
+          </a:prstGeom>
+        </p:spPr>
+      </p:pic>
+    </p:spTree>
+    <p:extLst>
+      <p:ext uri="{BB962C8B-B14F-4D97-AF65-F5344CB8AC3E}">
+        <p14:creationId xmlns:p14="http://schemas.microsoft.com/office/powerpoint/2010/main" val="2990902418"/>
+      </p:ext>
+    </p:extLst>
+  </p:cSld>
+  <p:clrMapOvr>
+    <a:masterClrMapping/>
+  </p:clrMapOvr>
+</p:sld>
+</file>
+
+<file path=ppt/slides/slide14.xml><?xml version="1.0" encoding="utf-8"?>
 <p:sld xmlns:a="http://schemas.openxmlformats.org/drawingml/2006/main" xmlns:r="http://schemas.openxmlformats.org/officeDocument/2006/relationships" xmlns:p="http://schemas.openxmlformats.org/presentationml/2006/main">
   <p:cSld>
     <p:spTree>
@@ -4495,7 +4991,7 @@
 </p:sld>
 </file>
 
-<file path=ppt/slides/slide13.xml><?xml version="1.0" encoding="utf-8"?>
+<file path=ppt/slides/slide15.xml><?xml version="1.0" encoding="utf-8"?>
 <p:sld xmlns:a="http://schemas.openxmlformats.org/drawingml/2006/main" xmlns:r="http://schemas.openxmlformats.org/officeDocument/2006/relationships" xmlns:p="http://schemas.openxmlformats.org/presentationml/2006/main">
   <p:cSld>
     <p:spTree>
@@ -4590,166 +5086,6 @@
 </p:sld>
 </file>
 
-<file path=ppt/slides/slide14.xml><?xml version="1.0" encoding="utf-8"?>
-<p:sld xmlns:a="http://schemas.openxmlformats.org/drawingml/2006/main" xmlns:r="http://schemas.openxmlformats.org/officeDocument/2006/relationships" xmlns:p="http://schemas.openxmlformats.org/presentationml/2006/main">
-  <p:cSld>
-    <p:spTree>
-      <p:nvGrpSpPr>
-        <p:cNvPr id="1" name=""/>
-        <p:cNvGrpSpPr/>
-        <p:nvPr/>
-      </p:nvGrpSpPr>
-      <p:grpSpPr>
-        <a:xfrm>
-          <a:off x="0" y="0"/>
-          <a:ext cx="0" cy="0"/>
-          <a:chOff x="0" y="0"/>
-          <a:chExt cx="0" cy="0"/>
-        </a:xfrm>
-      </p:grpSpPr>
-      <p:sp>
-        <p:nvSpPr>
-          <p:cNvPr id="2" name="Title 1">
-            <a:extLst>
-              <a:ext uri="{FF2B5EF4-FFF2-40B4-BE49-F238E27FC236}">
-                <a16:creationId xmlns:a16="http://schemas.microsoft.com/office/drawing/2014/main" id="{45993EAF-3647-527F-4D68-F47FEB858C29}"/>
-              </a:ext>
-            </a:extLst>
-          </p:cNvPr>
-          <p:cNvSpPr>
-            <a:spLocks noGrp="1"/>
-          </p:cNvSpPr>
-          <p:nvPr>
-            <p:ph type="title"/>
-          </p:nvPr>
-        </p:nvSpPr>
-        <p:spPr/>
-        <p:txBody>
-          <a:bodyPr/>
-          <a:lstStyle/>
-          <a:p>
-            <a:endParaRPr lang="en-US"/>
-          </a:p>
-        </p:txBody>
-      </p:sp>
-      <p:sp>
-        <p:nvSpPr>
-          <p:cNvPr id="3" name="Content Placeholder 2">
-            <a:extLst>
-              <a:ext uri="{FF2B5EF4-FFF2-40B4-BE49-F238E27FC236}">
-                <a16:creationId xmlns:a16="http://schemas.microsoft.com/office/drawing/2014/main" id="{1243A7DD-5E2A-7C36-1DE5-24BBC7A28C66}"/>
-              </a:ext>
-            </a:extLst>
-          </p:cNvPr>
-          <p:cNvSpPr>
-            <a:spLocks noGrp="1"/>
-          </p:cNvSpPr>
-          <p:nvPr>
-            <p:ph idx="1"/>
-          </p:nvPr>
-        </p:nvSpPr>
-        <p:spPr/>
-        <p:txBody>
-          <a:bodyPr/>
-          <a:lstStyle/>
-          <a:p>
-            <a:endParaRPr lang="en-US"/>
-          </a:p>
-        </p:txBody>
-      </p:sp>
-    </p:spTree>
-    <p:extLst>
-      <p:ext uri="{BB962C8B-B14F-4D97-AF65-F5344CB8AC3E}">
-        <p14:creationId xmlns:p14="http://schemas.microsoft.com/office/powerpoint/2010/main" val="2350075902"/>
-      </p:ext>
-    </p:extLst>
-  </p:cSld>
-  <p:clrMapOvr>
-    <a:masterClrMapping/>
-  </p:clrMapOvr>
-</p:sld>
-</file>
-
-<file path=ppt/slides/slide15.xml><?xml version="1.0" encoding="utf-8"?>
-<p:sld xmlns:a="http://schemas.openxmlformats.org/drawingml/2006/main" xmlns:r="http://schemas.openxmlformats.org/officeDocument/2006/relationships" xmlns:p="http://schemas.openxmlformats.org/presentationml/2006/main">
-  <p:cSld>
-    <p:spTree>
-      <p:nvGrpSpPr>
-        <p:cNvPr id="1" name=""/>
-        <p:cNvGrpSpPr/>
-        <p:nvPr/>
-      </p:nvGrpSpPr>
-      <p:grpSpPr>
-        <a:xfrm>
-          <a:off x="0" y="0"/>
-          <a:ext cx="0" cy="0"/>
-          <a:chOff x="0" y="0"/>
-          <a:chExt cx="0" cy="0"/>
-        </a:xfrm>
-      </p:grpSpPr>
-      <p:sp>
-        <p:nvSpPr>
-          <p:cNvPr id="2" name="Title 1">
-            <a:extLst>
-              <a:ext uri="{FF2B5EF4-FFF2-40B4-BE49-F238E27FC236}">
-                <a16:creationId xmlns:a16="http://schemas.microsoft.com/office/drawing/2014/main" id="{45993EAF-3647-527F-4D68-F47FEB858C29}"/>
-              </a:ext>
-            </a:extLst>
-          </p:cNvPr>
-          <p:cNvSpPr>
-            <a:spLocks noGrp="1"/>
-          </p:cNvSpPr>
-          <p:nvPr>
-            <p:ph type="title"/>
-          </p:nvPr>
-        </p:nvSpPr>
-        <p:spPr/>
-        <p:txBody>
-          <a:bodyPr/>
-          <a:lstStyle/>
-          <a:p>
-            <a:endParaRPr lang="en-US"/>
-          </a:p>
-        </p:txBody>
-      </p:sp>
-      <p:sp>
-        <p:nvSpPr>
-          <p:cNvPr id="3" name="Content Placeholder 2">
-            <a:extLst>
-              <a:ext uri="{FF2B5EF4-FFF2-40B4-BE49-F238E27FC236}">
-                <a16:creationId xmlns:a16="http://schemas.microsoft.com/office/drawing/2014/main" id="{1243A7DD-5E2A-7C36-1DE5-24BBC7A28C66}"/>
-              </a:ext>
-            </a:extLst>
-          </p:cNvPr>
-          <p:cNvSpPr>
-            <a:spLocks noGrp="1"/>
-          </p:cNvSpPr>
-          <p:nvPr>
-            <p:ph idx="1"/>
-          </p:nvPr>
-        </p:nvSpPr>
-        <p:spPr/>
-        <p:txBody>
-          <a:bodyPr/>
-          <a:lstStyle/>
-          <a:p>
-            <a:endParaRPr lang="en-US"/>
-          </a:p>
-        </p:txBody>
-      </p:sp>
-    </p:spTree>
-    <p:extLst>
-      <p:ext uri="{BB962C8B-B14F-4D97-AF65-F5344CB8AC3E}">
-        <p14:creationId xmlns:p14="http://schemas.microsoft.com/office/powerpoint/2010/main" val="3635889446"/>
-      </p:ext>
-    </p:extLst>
-  </p:cSld>
-  <p:clrMapOvr>
-    <a:masterClrMapping/>
-  </p:clrMapOvr>
-</p:sld>
-</file>
-
 <file path=ppt/slides/slide16.xml><?xml version="1.0" encoding="utf-8"?>
 <p:sld xmlns:a="http://schemas.openxmlformats.org/drawingml/2006/main" xmlns:r="http://schemas.openxmlformats.org/officeDocument/2006/relationships" xmlns:p="http://schemas.openxmlformats.org/presentationml/2006/main">
   <p:cSld>
@@ -4820,7 +5156,7 @@
     </p:spTree>
     <p:extLst>
       <p:ext uri="{BB962C8B-B14F-4D97-AF65-F5344CB8AC3E}">
-        <p14:creationId xmlns:p14="http://schemas.microsoft.com/office/powerpoint/2010/main" val="4193857370"/>
+        <p14:creationId xmlns:p14="http://schemas.microsoft.com/office/powerpoint/2010/main" val="2350075902"/>
       </p:ext>
     </p:extLst>
   </p:cSld>
@@ -4900,7 +5236,7 @@
     </p:spTree>
     <p:extLst>
       <p:ext uri="{BB962C8B-B14F-4D97-AF65-F5344CB8AC3E}">
-        <p14:creationId xmlns:p14="http://schemas.microsoft.com/office/powerpoint/2010/main" val="2990902418"/>
+        <p14:creationId xmlns:p14="http://schemas.microsoft.com/office/powerpoint/2010/main" val="3635889446"/>
       </p:ext>
     </p:extLst>
   </p:cSld>
@@ -5117,10 +5453,149 @@
           </a:prstGeom>
         </p:spPr>
       </p:pic>
+      <p:cxnSp>
+        <p:nvCxnSpPr>
+          <p:cNvPr id="3" name="Straight Arrow Connector 2">
+            <a:extLst>
+              <a:ext uri="{FF2B5EF4-FFF2-40B4-BE49-F238E27FC236}">
+                <a16:creationId xmlns:a16="http://schemas.microsoft.com/office/drawing/2014/main" id="{C2C632F4-6482-BE76-FBDF-DA284E55601E}"/>
+              </a:ext>
+            </a:extLst>
+          </p:cNvPr>
+          <p:cNvCxnSpPr/>
+          <p:nvPr/>
+        </p:nvCxnSpPr>
+        <p:spPr>
+          <a:xfrm>
+            <a:off x="5394960" y="1234440"/>
+            <a:ext cx="1481328" cy="3218688"/>
+          </a:xfrm>
+          <a:prstGeom prst="straightConnector1">
+            <a:avLst/>
+          </a:prstGeom>
+          <a:ln>
+            <a:tailEnd type="triangle"/>
+          </a:ln>
+        </p:spPr>
+        <p:style>
+          <a:lnRef idx="1">
+            <a:schemeClr val="accent1"/>
+          </a:lnRef>
+          <a:fillRef idx="0">
+            <a:schemeClr val="accent1"/>
+          </a:fillRef>
+          <a:effectRef idx="0">
+            <a:schemeClr val="accent1"/>
+          </a:effectRef>
+          <a:fontRef idx="minor">
+            <a:schemeClr val="tx1"/>
+          </a:fontRef>
+        </p:style>
+      </p:cxnSp>
+      <p:sp>
+        <p:nvSpPr>
+          <p:cNvPr id="4" name="TextBox 3">
+            <a:extLst>
+              <a:ext uri="{FF2B5EF4-FFF2-40B4-BE49-F238E27FC236}">
+                <a16:creationId xmlns:a16="http://schemas.microsoft.com/office/drawing/2014/main" id="{80C3E700-5C40-9ECA-E559-9B8B865F9E34}"/>
+              </a:ext>
+            </a:extLst>
+          </p:cNvPr>
+          <p:cNvSpPr txBox="1"/>
+          <p:nvPr/>
+        </p:nvSpPr>
+        <p:spPr>
+          <a:xfrm>
+            <a:off x="7223760" y="4453128"/>
+            <a:ext cx="1907766" cy="369332"/>
+          </a:xfrm>
+          <a:prstGeom prst="rect">
+            <a:avLst/>
+          </a:prstGeom>
+          <a:noFill/>
+        </p:spPr>
+        <p:txBody>
+          <a:bodyPr wrap="none" rtlCol="0">
+            <a:spAutoFit/>
+          </a:bodyPr>
+          <a:lstStyle/>
+          <a:p>
+            <a:r>
+              <a:rPr lang="en-US" dirty="0"/>
+              <a:t>Pip install </a:t>
+            </a:r>
+            <a:r>
+              <a:rPr lang="en-US" dirty="0" err="1"/>
+              <a:t>pymysql</a:t>
+            </a:r>
+            <a:endParaRPr lang="en-US" dirty="0"/>
+          </a:p>
+        </p:txBody>
+      </p:sp>
     </p:spTree>
     <p:extLst>
       <p:ext uri="{BB962C8B-B14F-4D97-AF65-F5344CB8AC3E}">
         <p14:creationId xmlns:p14="http://schemas.microsoft.com/office/powerpoint/2010/main" val="785831879"/>
+      </p:ext>
+    </p:extLst>
+  </p:cSld>
+  <p:clrMapOvr>
+    <a:masterClrMapping/>
+  </p:clrMapOvr>
+</p:sld>
+</file>
+
+<file path=ppt/slides/slide20.xml><?xml version="1.0" encoding="utf-8"?>
+<p:sld xmlns:a="http://schemas.openxmlformats.org/drawingml/2006/main" xmlns:r="http://schemas.openxmlformats.org/officeDocument/2006/relationships" xmlns:p="http://schemas.openxmlformats.org/presentationml/2006/main">
+  <p:cSld>
+    <p:spTree>
+      <p:nvGrpSpPr>
+        <p:cNvPr id="1" name=""/>
+        <p:cNvGrpSpPr/>
+        <p:nvPr/>
+      </p:nvGrpSpPr>
+      <p:grpSpPr>
+        <a:xfrm>
+          <a:off x="0" y="0"/>
+          <a:ext cx="0" cy="0"/>
+          <a:chOff x="0" y="0"/>
+          <a:chExt cx="0" cy="0"/>
+        </a:xfrm>
+      </p:grpSpPr>
+    </p:spTree>
+    <p:extLst>
+      <p:ext uri="{BB962C8B-B14F-4D97-AF65-F5344CB8AC3E}">
+        <p14:creationId xmlns:p14="http://schemas.microsoft.com/office/powerpoint/2010/main" val="873860473"/>
+      </p:ext>
+    </p:extLst>
+  </p:cSld>
+  <p:clrMapOvr>
+    <a:masterClrMapping/>
+  </p:clrMapOvr>
+</p:sld>
+</file>
+
+<file path=ppt/slides/slide21.xml><?xml version="1.0" encoding="utf-8"?>
+<p:sld xmlns:a="http://schemas.openxmlformats.org/drawingml/2006/main" xmlns:r="http://schemas.openxmlformats.org/officeDocument/2006/relationships" xmlns:p="http://schemas.openxmlformats.org/presentationml/2006/main">
+  <p:cSld>
+    <p:spTree>
+      <p:nvGrpSpPr>
+        <p:cNvPr id="1" name=""/>
+        <p:cNvGrpSpPr/>
+        <p:nvPr/>
+      </p:nvGrpSpPr>
+      <p:grpSpPr>
+        <a:xfrm>
+          <a:off x="0" y="0"/>
+          <a:ext cx="0" cy="0"/>
+          <a:chOff x="0" y="0"/>
+          <a:chExt cx="0" cy="0"/>
+        </a:xfrm>
+      </p:grpSpPr>
+    </p:spTree>
+    <p:extLst>
+      <p:ext uri="{BB962C8B-B14F-4D97-AF65-F5344CB8AC3E}">
+        <p14:creationId xmlns:p14="http://schemas.microsoft.com/office/powerpoint/2010/main" val="4157819997"/>
       </p:ext>
     </p:extLst>
   </p:cSld>
@@ -5192,7 +5667,7 @@
         <p:spPr>
           <a:xfrm>
             <a:off x="2275561" y="5981178"/>
-            <a:ext cx="2743199" cy="369332"/>
+            <a:ext cx="5368823" cy="369332"/>
           </a:xfrm>
           <a:prstGeom prst="rect">
             <a:avLst/>
@@ -5209,46 +5684,25 @@
           <a:lstStyle/>
           <a:p>
             <a:r>
-              <a:rPr lang="th-TH" dirty="0" err="1">
-                <a:ea typeface="Calibri"/>
-                <a:cs typeface="Cordia New"/>
-              </a:rPr>
-              <a:t>Database</a:t>
-            </a:r>
-            <a:r>
               <a:rPr lang="th-TH" dirty="0">
                 <a:ea typeface="Calibri"/>
                 <a:cs typeface="Cordia New"/>
               </a:rPr>
-              <a:t> </a:t>
-            </a:r>
-            <a:r>
-              <a:rPr lang="th-TH" dirty="0" err="1">
+              <a:t>Database is  chaison   </a:t>
+            </a:r>
+            <a:r>
+              <a:rPr lang="en-US" dirty="0">
                 <a:ea typeface="Calibri"/>
                 <a:cs typeface="Cordia New"/>
               </a:rPr>
-              <a:t>is</a:t>
-            </a:r>
-            <a:r>
-              <a:rPr lang="th-TH" dirty="0">
+              <a:t>on </a:t>
+            </a:r>
+            <a:r>
+              <a:rPr lang="en-US" dirty="0" err="1">
                 <a:ea typeface="Calibri"/>
                 <a:cs typeface="Cordia New"/>
               </a:rPr>
-              <a:t>  </a:t>
-            </a:r>
-            <a:r>
-              <a:rPr lang="th-TH" dirty="0" err="1">
-                <a:ea typeface="Calibri"/>
-                <a:cs typeface="Cordia New"/>
-              </a:rPr>
-              <a:t>chaison</a:t>
-            </a:r>
-            <a:r>
-              <a:rPr lang="th-TH" dirty="0">
-                <a:ea typeface="Calibri"/>
-                <a:cs typeface="Cordia New"/>
-              </a:rPr>
-              <a:t>   </a:t>
+              <a:t>lenovo</a:t>
             </a:r>
             <a:endParaRPr lang="th-TH" dirty="0"/>
           </a:p>
@@ -5405,8 +5859,8 @@
         </p:nvSpPr>
         <p:spPr>
           <a:xfrm>
-            <a:off x="297951" y="388655"/>
-            <a:ext cx="11507056" cy="1754326"/>
+            <a:off x="342472" y="214919"/>
+            <a:ext cx="11507056" cy="923330"/>
           </a:xfrm>
           <a:prstGeom prst="rect">
             <a:avLst/>
@@ -5433,53 +5887,83 @@
           <a:p>
             <a:endParaRPr lang="en-US" dirty="0"/>
           </a:p>
-          <a:p>
+        </p:txBody>
+      </p:sp>
+      <p:sp>
+        <p:nvSpPr>
+          <p:cNvPr id="4" name="TextBox 3">
+            <a:extLst>
+              <a:ext uri="{FF2B5EF4-FFF2-40B4-BE49-F238E27FC236}">
+                <a16:creationId xmlns:a16="http://schemas.microsoft.com/office/drawing/2014/main" id="{98B428C4-3D9E-9C88-D3BB-9785EC3032D6}"/>
+              </a:ext>
+            </a:extLst>
+          </p:cNvPr>
+          <p:cNvSpPr txBox="1"/>
+          <p:nvPr/>
+        </p:nvSpPr>
+        <p:spPr>
+          <a:xfrm>
+            <a:off x="1106424" y="6146431"/>
+            <a:ext cx="5237331" cy="369332"/>
+          </a:xfrm>
+          <a:prstGeom prst="rect">
+            <a:avLst/>
+          </a:prstGeom>
+          <a:noFill/>
+        </p:spPr>
+        <p:txBody>
+          <a:bodyPr wrap="none" rtlCol="0">
+            <a:spAutoFit/>
+          </a:bodyPr>
+          <a:lstStyle/>
+          <a:p>
+            <a:r>
+              <a:rPr lang="th-TH" dirty="0"/>
+              <a:t>อย่าลืม เปิด </a:t>
+            </a:r>
             <a:r>
               <a:rPr lang="en-US" dirty="0"/>
-              <a:t>C:\Users\339073\OneDrive\WEBDEVELOP2023\Django_Ecommerce_02&gt;python -m </a:t>
+              <a:t>XAMPP   </a:t>
+            </a:r>
+            <a:r>
+              <a:rPr lang="th-TH" dirty="0"/>
+              <a:t>ก่อน </a:t>
+            </a:r>
+            <a:r>
+              <a:rPr lang="en-US" dirty="0"/>
+              <a:t>activate d-</a:t>
             </a:r>
             <a:r>
               <a:rPr lang="en-US" dirty="0" err="1"/>
-              <a:t>venv</a:t>
+              <a:t>jango</a:t>
             </a:r>
             <a:r>
               <a:rPr lang="en-US" dirty="0"/>
               <a:t> </a:t>
             </a:r>
             <a:r>
-              <a:rPr lang="en-US" b="1" dirty="0" err="1"/>
-              <a:t>witaya_ecom</a:t>
-            </a:r>
-            <a:endParaRPr lang="en-US" b="1" dirty="0"/>
-          </a:p>
-          <a:p>
+              <a:rPr lang="th-TH" dirty="0"/>
+              <a:t>นะครับ  </a:t>
+            </a:r>
+            <a:r>
+              <a:rPr lang="en-US" dirty="0">
+                <a:sym typeface="Wingdings" panose="05000000000000000000" pitchFamily="2" charset="2"/>
+              </a:rPr>
+              <a:t> Jan_08</a:t>
+            </a:r>
             <a:r>
               <a:rPr lang="en-US" dirty="0"/>
-              <a:t>C:\Users\339073\OneDrive\WEBDEVELOP2023\Django_Ecommerce_02&gt;witaya_ecom\Scripts\activate.bat</a:t>
-            </a:r>
-          </a:p>
-          <a:p>
-            <a:r>
-              <a:rPr lang="en-US" dirty="0"/>
-              <a:t>(</a:t>
-            </a:r>
-            <a:r>
-              <a:rPr lang="en-US" dirty="0" err="1"/>
-              <a:t>witaya_ecom</a:t>
-            </a:r>
-            <a:r>
-              <a:rPr lang="en-US" dirty="0"/>
-              <a:t>) C:\Users\339073\OneDrive\WEBDEVELOP2023\Django_Ecommerce_02\djangoworkshop&gt;</a:t>
+              <a:t> </a:t>
             </a:r>
           </a:p>
         </p:txBody>
       </p:sp>
       <p:pic>
         <p:nvPicPr>
-          <p:cNvPr id="3" name="Picture 2">
-            <a:extLst>
-              <a:ext uri="{FF2B5EF4-FFF2-40B4-BE49-F238E27FC236}">
-                <a16:creationId xmlns:a16="http://schemas.microsoft.com/office/drawing/2014/main" id="{FD297B07-134D-9F23-6EAB-ED131CF6EA69}"/>
+          <p:cNvPr id="6" name="Picture 5">
+            <a:extLst>
+              <a:ext uri="{FF2B5EF4-FFF2-40B4-BE49-F238E27FC236}">
+                <a16:creationId xmlns:a16="http://schemas.microsoft.com/office/drawing/2014/main" id="{25323B48-9C8C-B9F5-914C-2279FE131639}"/>
               </a:ext>
             </a:extLst>
           </p:cNvPr>
@@ -5496,83 +5980,14 @@
         </p:blipFill>
         <p:spPr>
           <a:xfrm>
-            <a:off x="641647" y="2552577"/>
-            <a:ext cx="9393003" cy="2162443"/>
+            <a:off x="1106424" y="902976"/>
+            <a:ext cx="9332843" cy="4885175"/>
           </a:xfrm>
           <a:prstGeom prst="rect">
             <a:avLst/>
           </a:prstGeom>
         </p:spPr>
       </p:pic>
-      <p:sp>
-        <p:nvSpPr>
-          <p:cNvPr id="4" name="TextBox 3">
-            <a:extLst>
-              <a:ext uri="{FF2B5EF4-FFF2-40B4-BE49-F238E27FC236}">
-                <a16:creationId xmlns:a16="http://schemas.microsoft.com/office/drawing/2014/main" id="{98B428C4-3D9E-9C88-D3BB-9785EC3032D6}"/>
-              </a:ext>
-            </a:extLst>
-          </p:cNvPr>
-          <p:cNvSpPr txBox="1"/>
-          <p:nvPr/>
-        </p:nvSpPr>
-        <p:spPr>
-          <a:xfrm>
-            <a:off x="1235034" y="5652655"/>
-            <a:ext cx="5237331" cy="369332"/>
-          </a:xfrm>
-          <a:prstGeom prst="rect">
-            <a:avLst/>
-          </a:prstGeom>
-          <a:noFill/>
-        </p:spPr>
-        <p:txBody>
-          <a:bodyPr wrap="none" rtlCol="0">
-            <a:spAutoFit/>
-          </a:bodyPr>
-          <a:lstStyle/>
-          <a:p>
-            <a:r>
-              <a:rPr lang="th-TH" dirty="0"/>
-              <a:t>อย่าลืม เปิด </a:t>
-            </a:r>
-            <a:r>
-              <a:rPr lang="en-US" dirty="0"/>
-              <a:t>XAMPP   </a:t>
-            </a:r>
-            <a:r>
-              <a:rPr lang="th-TH" dirty="0"/>
-              <a:t>ก่อน </a:t>
-            </a:r>
-            <a:r>
-              <a:rPr lang="en-US" dirty="0"/>
-              <a:t>activate d-</a:t>
-            </a:r>
-            <a:r>
-              <a:rPr lang="en-US" dirty="0" err="1"/>
-              <a:t>jango</a:t>
-            </a:r>
-            <a:r>
-              <a:rPr lang="en-US" dirty="0"/>
-              <a:t> </a:t>
-            </a:r>
-            <a:r>
-              <a:rPr lang="th-TH" dirty="0"/>
-              <a:t>นะครับ  </a:t>
-            </a:r>
-            <a:r>
-              <a:rPr lang="en-US" dirty="0">
-                <a:sym typeface="Wingdings" panose="05000000000000000000" pitchFamily="2" charset="2"/>
-              </a:rPr>
-              <a:t> Jan_08</a:t>
-            </a:r>
-            <a:r>
-              <a:rPr lang="en-US" dirty="0"/>
-              <a:t> </a:t>
-            </a:r>
-          </a:p>
-        </p:txBody>
-      </p:sp>
     </p:spTree>
     <p:extLst>
       <p:ext uri="{BB962C8B-B14F-4D97-AF65-F5344CB8AC3E}">
@@ -5633,6 +6048,129 @@
           </a:prstGeom>
         </p:spPr>
       </p:pic>
+      <p:sp>
+        <p:nvSpPr>
+          <p:cNvPr id="2" name="TextBox 1">
+            <a:extLst>
+              <a:ext uri="{FF2B5EF4-FFF2-40B4-BE49-F238E27FC236}">
+                <a16:creationId xmlns:a16="http://schemas.microsoft.com/office/drawing/2014/main" id="{05113EED-428E-EDAA-5742-17C3333A3E5C}"/>
+              </a:ext>
+            </a:extLst>
+          </p:cNvPr>
+          <p:cNvSpPr txBox="1"/>
+          <p:nvPr/>
+        </p:nvSpPr>
+        <p:spPr>
+          <a:xfrm>
+            <a:off x="2350008" y="530352"/>
+            <a:ext cx="3947684" cy="369332"/>
+          </a:xfrm>
+          <a:prstGeom prst="rect">
+            <a:avLst/>
+          </a:prstGeom>
+          <a:noFill/>
+        </p:spPr>
+        <p:txBody>
+          <a:bodyPr wrap="none" rtlCol="0">
+            <a:spAutoFit/>
+          </a:bodyPr>
+          <a:lstStyle/>
+          <a:p>
+            <a:r>
+              <a:rPr lang="en-US" dirty="0" err="1"/>
+              <a:t>Xampp</a:t>
+            </a:r>
+            <a:r>
+              <a:rPr lang="en-US" dirty="0"/>
+              <a:t> on Seagate computer is damage </a:t>
+            </a:r>
+          </a:p>
+        </p:txBody>
+      </p:sp>
+      <p:cxnSp>
+        <p:nvCxnSpPr>
+          <p:cNvPr id="4" name="Straight Connector 3">
+            <a:extLst>
+              <a:ext uri="{FF2B5EF4-FFF2-40B4-BE49-F238E27FC236}">
+                <a16:creationId xmlns:a16="http://schemas.microsoft.com/office/drawing/2014/main" id="{AC74ABF6-DC50-89FD-B61E-2FCFAE09D24E}"/>
+              </a:ext>
+            </a:extLst>
+          </p:cNvPr>
+          <p:cNvCxnSpPr/>
+          <p:nvPr/>
+        </p:nvCxnSpPr>
+        <p:spPr>
+          <a:xfrm>
+            <a:off x="1764792" y="795528"/>
+            <a:ext cx="9134856" cy="4956048"/>
+          </a:xfrm>
+          <a:prstGeom prst="line">
+            <a:avLst/>
+          </a:prstGeom>
+          <a:ln>
+            <a:solidFill>
+              <a:srgbClr val="FF0000"/>
+            </a:solidFill>
+          </a:ln>
+        </p:spPr>
+        <p:style>
+          <a:lnRef idx="1">
+            <a:schemeClr val="accent1"/>
+          </a:lnRef>
+          <a:fillRef idx="0">
+            <a:schemeClr val="accent1"/>
+          </a:fillRef>
+          <a:effectRef idx="0">
+            <a:schemeClr val="accent1"/>
+          </a:effectRef>
+          <a:fontRef idx="minor">
+            <a:schemeClr val="tx1"/>
+          </a:fontRef>
+        </p:style>
+      </p:cxnSp>
+      <p:cxnSp>
+        <p:nvCxnSpPr>
+          <p:cNvPr id="6" name="Straight Connector 5">
+            <a:extLst>
+              <a:ext uri="{FF2B5EF4-FFF2-40B4-BE49-F238E27FC236}">
+                <a16:creationId xmlns:a16="http://schemas.microsoft.com/office/drawing/2014/main" id="{B889788B-74BA-C228-6F9C-A2324F4B1D33}"/>
+              </a:ext>
+            </a:extLst>
+          </p:cNvPr>
+          <p:cNvCxnSpPr>
+            <a:cxnSpLocks/>
+          </p:cNvCxnSpPr>
+          <p:nvPr/>
+        </p:nvCxnSpPr>
+        <p:spPr>
+          <a:xfrm flipV="1">
+            <a:off x="886968" y="1644576"/>
+            <a:ext cx="10341864" cy="4335600"/>
+          </a:xfrm>
+          <a:prstGeom prst="line">
+            <a:avLst/>
+          </a:prstGeom>
+          <a:ln>
+            <a:solidFill>
+              <a:srgbClr val="FF0000"/>
+            </a:solidFill>
+          </a:ln>
+        </p:spPr>
+        <p:style>
+          <a:lnRef idx="1">
+            <a:schemeClr val="accent1"/>
+          </a:lnRef>
+          <a:fillRef idx="0">
+            <a:schemeClr val="accent1"/>
+          </a:fillRef>
+          <a:effectRef idx="0">
+            <a:schemeClr val="accent1"/>
+          </a:effectRef>
+          <a:fontRef idx="minor">
+            <a:schemeClr val="tx1"/>
+          </a:fontRef>
+        </p:style>
+      </p:cxnSp>
     </p:spTree>
     <p:extLst>
       <p:ext uri="{BB962C8B-B14F-4D97-AF65-F5344CB8AC3E}">
@@ -5852,7 +6390,7 @@
         <p:spPr>
           <a:xfrm>
             <a:off x="1833964" y="4240750"/>
-            <a:ext cx="9762737" cy="369332"/>
+            <a:ext cx="9762737" cy="646331"/>
           </a:xfrm>
           <a:prstGeom prst="rect">
             <a:avLst/>
@@ -5860,7 +6398,7 @@
           <a:noFill/>
         </p:spPr>
         <p:txBody>
-          <a:bodyPr wrap="none" rtlCol="0">
+          <a:bodyPr wrap="none" lIns="91440" tIns="45720" rIns="91440" bIns="45720" rtlCol="0" anchor="t">
             <a:spAutoFit/>
           </a:bodyPr>
           <a:lstStyle/>
@@ -5868,6 +6406,15 @@
             <a:r>
               <a:rPr lang="en-US" dirty="0"/>
               <a:t>Layout.html  + CDN popper , Bootstrap + jQuery at script    ,  index.html  ( {% extends  “layout.html” %}</a:t>
+            </a:r>
+          </a:p>
+          <a:p>
+            <a:r>
+              <a:rPr lang="en-US" dirty="0">
+                <a:ea typeface="Calibri"/>
+                <a:cs typeface="Calibri"/>
+              </a:rPr>
+              <a:t>Install icon with font awesome</a:t>
             </a:r>
           </a:p>
         </p:txBody>
@@ -6057,20 +6604,14 @@
           <a:lstStyle/>
           <a:p>
             <a:r>
-              <a:rPr lang="en-US"/>
+              <a:rPr lang="en-US" dirty="0"/>
               <a:t>1.How to upload  </a:t>
             </a:r>
             <a:r>
               <a:rPr lang="en-US" dirty="0">
                 <a:hlinkClick r:id="rId2"/>
               </a:rPr>
-              <a:t>picture to </a:t>
-            </a:r>
-            <a:r>
-              <a:rPr lang="en-US" dirty="0" err="1">
-                <a:hlinkClick r:id="rId2"/>
-              </a:rPr>
-              <a:t>django</a:t>
+              <a:t>picture to django</a:t>
             </a:r>
             <a:endParaRPr lang="en-US">
               <a:ea typeface="Calibri"/>
@@ -6080,14 +6621,14 @@
           </a:p>
           <a:p>
             <a:r>
-              <a:rPr lang="en-US">
+              <a:rPr lang="en-US" dirty="0">
                 <a:ea typeface="Calibri" panose="020F0502020204030204"/>
                 <a:cs typeface="Calibri" panose="020F0502020204030204"/>
               </a:rPr>
               <a:t>2.</a:t>
             </a:r>
             <a:r>
-              <a:rPr lang="en-US">
+              <a:rPr lang="en-US" dirty="0">
                 <a:ea typeface="+mn-lt"/>
                 <a:cs typeface="+mn-lt"/>
               </a:rPr>
@@ -6096,20 +6637,16 @@
           </a:p>
           <a:p>
             <a:r>
-              <a:rPr lang="en-US">
+              <a:rPr lang="en-US" dirty="0">
                 <a:ea typeface="Calibri" panose="020F0502020204030204"/>
                 <a:cs typeface="Calibri" panose="020F0502020204030204"/>
               </a:rPr>
               <a:t>3.Deply static on Root directory</a:t>
             </a:r>
-            <a:endParaRPr lang="en-US" dirty="0">
-              <a:ea typeface="Calibri" panose="020F0502020204030204"/>
-              <a:cs typeface="Calibri" panose="020F0502020204030204"/>
-            </a:endParaRPr>
-          </a:p>
-          <a:p>
-            <a:r>
-              <a:rPr lang="en-US">
+          </a:p>
+          <a:p>
+            <a:r>
+              <a:rPr lang="en-US" dirty="0">
                 <a:ea typeface="Calibri" panose="020F0502020204030204"/>
                 <a:cs typeface="Calibri" panose="020F0502020204030204"/>
               </a:rPr>
@@ -6118,11 +6655,11 @@
           </a:p>
           <a:p>
             <a:r>
-              <a:rPr lang="en-US">
+              <a:rPr lang="en-US" dirty="0">
                 <a:ea typeface="Calibri" panose="020F0502020204030204"/>
                 <a:cs typeface="Calibri" panose="020F0502020204030204"/>
               </a:rPr>
-              <a:t>5. Lung upload image  ==&gt; </a:t>
+              <a:t>5. Lung Engineer upload image  ==&gt; </a:t>
             </a:r>
             <a:r>
               <a:rPr lang="en-US" dirty="0">
@@ -6139,16 +6676,40 @@
           </a:p>
           <a:p>
             <a:r>
+              <a:rPr lang="en-US" dirty="0">
+                <a:ea typeface="+mn-lt"/>
+                <a:cs typeface="+mn-lt"/>
+              </a:rPr>
+              <a:t>6.How to create </a:t>
+            </a:r>
+            <a:r>
               <a:rPr lang="en-US">
                 <a:ea typeface="+mn-lt"/>
                 <a:cs typeface="+mn-lt"/>
               </a:rPr>
-              <a:t>6.How to create imapfe gallory in Django</a:t>
-            </a:r>
-            <a:endParaRPr lang="en-US" dirty="0">
-              <a:ea typeface="+mn-lt"/>
-              <a:cs typeface="+mn-lt"/>
-            </a:endParaRPr>
+              <a:t>image </a:t>
+            </a:r>
+            <a:r>
+              <a:rPr lang="en-US" dirty="0">
+                <a:ea typeface="+mn-lt"/>
+                <a:cs typeface="+mn-lt"/>
+              </a:rPr>
+              <a:t> </a:t>
+            </a:r>
+            <a:r>
+              <a:rPr lang="en-US" err="1">
+                <a:ea typeface="+mn-lt"/>
+                <a:cs typeface="+mn-lt"/>
+              </a:rPr>
+              <a:t>gallory</a:t>
+            </a:r>
+            <a:r>
+              <a:rPr lang="en-US" dirty="0">
+                <a:ea typeface="+mn-lt"/>
+                <a:cs typeface="+mn-lt"/>
+              </a:rPr>
+              <a:t> in Django</a:t>
+            </a:r>
           </a:p>
         </p:txBody>
       </p:sp>
